--- a/毕设论文/新建 Microsoft PowerPoint 演示文稿.pptx
+++ b/毕设论文/新建 Microsoft PowerPoint 演示文稿.pptx
@@ -5749,7 +5749,7 @@
                     <a:bodyPr/>
                     <a:lstStyle/>
                     <a:p>
-                      <a:endParaRPr lang="zh-CN" altLang="en-US"/>
+                      <a:endParaRPr lang="zh-CN" altLang="en-US" dirty="0"/>
                     </a:p>
                   </a:txBody>
                   <a:tcPr>
@@ -8274,7 +8274,7 @@
           <p:nvPr>
             <p:extLst>
               <p:ext uri="{D42A27DB-BD31-4B8C-83A1-F6EECF244321}">
-                <p14:modId xmlns:p14="http://schemas.microsoft.com/office/powerpoint/2010/main" val="3618326422"/>
+                <p14:modId xmlns:p14="http://schemas.microsoft.com/office/powerpoint/2010/main" val="1551022722"/>
               </p:ext>
             </p:extLst>
           </p:nvPr>
@@ -8354,9 +8354,7 @@
                   </a:txBody>
                   <a:tcPr>
                     <a:lnL w="38100" cap="flat" cmpd="sng" algn="ctr">
-                      <a:solidFill>
-                        <a:srgbClr val="FF0000"/>
-                      </a:solidFill>
+                      <a:noFill/>
                       <a:prstDash val="solid"/>
                       <a:round/>
                       <a:headEnd type="none" w="med" len="med"/>
@@ -8372,23 +8370,27 @@
                       <a:tailEnd type="none" w="med" len="med"/>
                     </a:lnR>
                     <a:lnT w="38100" cap="flat" cmpd="sng" algn="ctr">
-                      <a:solidFill>
-                        <a:srgbClr val="FF0000"/>
-                      </a:solidFill>
+                      <a:noFill/>
                       <a:prstDash val="solid"/>
                       <a:round/>
                       <a:headEnd type="none" w="med" len="med"/>
                       <a:tailEnd type="none" w="med" len="med"/>
                     </a:lnT>
                     <a:lnB w="38100" cap="flat" cmpd="sng" algn="ctr">
-                      <a:solidFill>
-                        <a:srgbClr val="FF0000"/>
-                      </a:solidFill>
+                      <a:noFill/>
                       <a:prstDash val="solid"/>
                       <a:round/>
                       <a:headEnd type="none" w="med" len="med"/>
                       <a:tailEnd type="none" w="med" len="med"/>
                     </a:lnB>
+                    <a:lnTlToBr w="12700" cmpd="sng">
+                      <a:noFill/>
+                      <a:prstDash val="solid"/>
+                    </a:lnTlToBr>
+                    <a:lnBlToTr w="12700" cmpd="sng">
+                      <a:noFill/>
+                      <a:prstDash val="solid"/>
+                    </a:lnBlToTr>
                     <a:solidFill>
                       <a:schemeClr val="bg1"/>
                     </a:solidFill>
@@ -8443,6 +8445,14 @@
                       <a:headEnd type="none" w="med" len="med"/>
                       <a:tailEnd type="none" w="med" len="med"/>
                     </a:lnB>
+                    <a:lnTlToBr w="12700" cmpd="sng">
+                      <a:noFill/>
+                      <a:prstDash val="solid"/>
+                    </a:lnTlToBr>
+                    <a:lnBlToTr w="12700" cmpd="sng">
+                      <a:noFill/>
+                      <a:prstDash val="solid"/>
+                    </a:lnBlToTr>
                     <a:solidFill>
                       <a:schemeClr val="bg1"/>
                     </a:solidFill>
@@ -8497,6 +8507,14 @@
                       <a:headEnd type="none" w="med" len="med"/>
                       <a:tailEnd type="none" w="med" len="med"/>
                     </a:lnB>
+                    <a:lnTlToBr w="12700" cmpd="sng">
+                      <a:noFill/>
+                      <a:prstDash val="solid"/>
+                    </a:lnTlToBr>
+                    <a:lnBlToTr w="12700" cmpd="sng">
+                      <a:noFill/>
+                      <a:prstDash val="solid"/>
+                    </a:lnBlToTr>
                     <a:solidFill>
                       <a:schemeClr val="bg1"/>
                     </a:solidFill>
@@ -8551,6 +8569,14 @@
                       <a:headEnd type="none" w="med" len="med"/>
                       <a:tailEnd type="none" w="med" len="med"/>
                     </a:lnB>
+                    <a:lnTlToBr w="12700" cmpd="sng">
+                      <a:noFill/>
+                      <a:prstDash val="solid"/>
+                    </a:lnTlToBr>
+                    <a:lnBlToTr w="12700" cmpd="sng">
+                      <a:noFill/>
+                      <a:prstDash val="solid"/>
+                    </a:lnBlToTr>
                     <a:solidFill>
                       <a:schemeClr val="bg1"/>
                     </a:solidFill>
@@ -8605,6 +8631,14 @@
                       <a:headEnd type="none" w="med" len="med"/>
                       <a:tailEnd type="none" w="med" len="med"/>
                     </a:lnB>
+                    <a:lnTlToBr w="12700" cmpd="sng">
+                      <a:noFill/>
+                      <a:prstDash val="solid"/>
+                    </a:lnTlToBr>
+                    <a:lnBlToTr w="12700" cmpd="sng">
+                      <a:noFill/>
+                      <a:prstDash val="solid"/>
+                    </a:lnBlToTr>
                     <a:solidFill>
                       <a:schemeClr val="bg1"/>
                     </a:solidFill>
@@ -8659,6 +8693,14 @@
                       <a:headEnd type="none" w="med" len="med"/>
                       <a:tailEnd type="none" w="med" len="med"/>
                     </a:lnB>
+                    <a:lnTlToBr w="12700" cmpd="sng">
+                      <a:noFill/>
+                      <a:prstDash val="solid"/>
+                    </a:lnTlToBr>
+                    <a:lnBlToTr w="12700" cmpd="sng">
+                      <a:noFill/>
+                      <a:prstDash val="solid"/>
+                    </a:lnBlToTr>
                     <a:solidFill>
                       <a:schemeClr val="bg1"/>
                     </a:solidFill>
@@ -8706,9 +8748,7 @@
                   </a:txBody>
                   <a:tcPr>
                     <a:lnL w="38100" cap="flat" cmpd="sng" algn="ctr">
-                      <a:solidFill>
-                        <a:srgbClr val="FF0000"/>
-                      </a:solidFill>
+                      <a:noFill/>
                       <a:prstDash val="solid"/>
                       <a:round/>
                       <a:headEnd type="none" w="med" len="med"/>
@@ -8724,234 +8764,14 @@
                       <a:tailEnd type="none" w="med" len="med"/>
                     </a:lnR>
                     <a:lnT w="38100" cap="flat" cmpd="sng" algn="ctr">
-                      <a:solidFill>
-                        <a:srgbClr val="FF0000"/>
-                      </a:solidFill>
+                      <a:noFill/>
                       <a:prstDash val="solid"/>
                       <a:round/>
                       <a:headEnd type="none" w="med" len="med"/>
                       <a:tailEnd type="none" w="med" len="med"/>
                     </a:lnT>
                     <a:lnB w="38100" cap="flat" cmpd="sng" algn="ctr">
-                      <a:solidFill>
-                        <a:srgbClr val="FF0000"/>
-                      </a:solidFill>
-                      <a:prstDash val="solid"/>
-                      <a:round/>
-                      <a:headEnd type="none" w="med" len="med"/>
-                      <a:tailEnd type="none" w="med" len="med"/>
-                    </a:lnB>
-                    <a:solidFill>
-                      <a:schemeClr val="bg1"/>
-                    </a:solidFill>
-                  </a:tcPr>
-                </a:tc>
-                <a:tc>
-                  <a:txBody>
-                    <a:bodyPr/>
-                    <a:lstStyle/>
-                    <a:p>
-                      <a:endParaRPr lang="zh-CN" altLang="en-US" dirty="0">
-                        <a:ln>
-                          <a:noFill/>
-                        </a:ln>
-                      </a:endParaRPr>
-                    </a:p>
-                  </a:txBody>
-                  <a:tcPr>
-                    <a:lnL w="38100" cap="flat" cmpd="sng" algn="ctr">
-                      <a:solidFill>
-                        <a:srgbClr val="FF0000"/>
-                      </a:solidFill>
-                      <a:prstDash val="solid"/>
-                      <a:round/>
-                      <a:headEnd type="none" w="med" len="med"/>
-                      <a:tailEnd type="none" w="med" len="med"/>
-                    </a:lnL>
-                    <a:lnR w="38100" cap="flat" cmpd="sng" algn="ctr">
-                      <a:solidFill>
-                        <a:srgbClr val="FF0000"/>
-                      </a:solidFill>
-                      <a:prstDash val="solid"/>
-                      <a:round/>
-                      <a:headEnd type="none" w="med" len="med"/>
-                      <a:tailEnd type="none" w="med" len="med"/>
-                    </a:lnR>
-                    <a:lnT w="38100" cap="flat" cmpd="sng" algn="ctr">
-                      <a:solidFill>
-                        <a:srgbClr val="FF0000"/>
-                      </a:solidFill>
-                      <a:prstDash val="solid"/>
-                      <a:round/>
-                      <a:headEnd type="none" w="med" len="med"/>
-                      <a:tailEnd type="none" w="med" len="med"/>
-                    </a:lnT>
-                    <a:lnB w="38100" cap="flat" cmpd="sng" algn="ctr">
-                      <a:solidFill>
-                        <a:srgbClr val="FF0000"/>
-                      </a:solidFill>
-                      <a:prstDash val="solid"/>
-                      <a:round/>
-                      <a:headEnd type="none" w="med" len="med"/>
-                      <a:tailEnd type="none" w="med" len="med"/>
-                    </a:lnB>
-                    <a:solidFill>
-                      <a:schemeClr val="bg1"/>
-                    </a:solidFill>
-                  </a:tcPr>
-                </a:tc>
-                <a:tc>
-                  <a:txBody>
-                    <a:bodyPr/>
-                    <a:lstStyle/>
-                    <a:p>
-                      <a:endParaRPr lang="zh-CN" altLang="en-US" dirty="0">
-                        <a:ln>
-                          <a:noFill/>
-                        </a:ln>
-                      </a:endParaRPr>
-                    </a:p>
-                  </a:txBody>
-                  <a:tcPr>
-                    <a:lnL w="38100" cap="flat" cmpd="sng" algn="ctr">
-                      <a:solidFill>
-                        <a:srgbClr val="FF0000"/>
-                      </a:solidFill>
-                      <a:prstDash val="solid"/>
-                      <a:round/>
-                      <a:headEnd type="none" w="med" len="med"/>
-                      <a:tailEnd type="none" w="med" len="med"/>
-                    </a:lnL>
-                    <a:lnR w="38100" cap="flat" cmpd="sng" algn="ctr">
-                      <a:solidFill>
-                        <a:srgbClr val="FF0000"/>
-                      </a:solidFill>
-                      <a:prstDash val="solid"/>
-                      <a:round/>
-                      <a:headEnd type="none" w="med" len="med"/>
-                      <a:tailEnd type="none" w="med" len="med"/>
-                    </a:lnR>
-                    <a:lnT w="38100" cap="flat" cmpd="sng" algn="ctr">
-                      <a:solidFill>
-                        <a:srgbClr val="FF0000"/>
-                      </a:solidFill>
-                      <a:prstDash val="solid"/>
-                      <a:round/>
-                      <a:headEnd type="none" w="med" len="med"/>
-                      <a:tailEnd type="none" w="med" len="med"/>
-                    </a:lnT>
-                    <a:lnB w="38100" cap="flat" cmpd="sng" algn="ctr">
-                      <a:solidFill>
-                        <a:srgbClr val="FF0000"/>
-                      </a:solidFill>
-                      <a:prstDash val="solid"/>
-                      <a:round/>
-                      <a:headEnd type="none" w="med" len="med"/>
-                      <a:tailEnd type="none" w="med" len="med"/>
-                    </a:lnB>
-                    <a:solidFill>
-                      <a:schemeClr val="bg1"/>
-                    </a:solidFill>
-                  </a:tcPr>
-                </a:tc>
-                <a:tc>
-                  <a:txBody>
-                    <a:bodyPr/>
-                    <a:lstStyle/>
-                    <a:p>
-                      <a:endParaRPr lang="zh-CN" altLang="en-US" dirty="0">
-                        <a:ln>
-                          <a:noFill/>
-                        </a:ln>
-                      </a:endParaRPr>
-                    </a:p>
-                  </a:txBody>
-                  <a:tcPr>
-                    <a:lnL w="38100" cap="flat" cmpd="sng" algn="ctr">
-                      <a:solidFill>
-                        <a:srgbClr val="FF0000"/>
-                      </a:solidFill>
-                      <a:prstDash val="solid"/>
-                      <a:round/>
-                      <a:headEnd type="none" w="med" len="med"/>
-                      <a:tailEnd type="none" w="med" len="med"/>
-                    </a:lnL>
-                    <a:lnR w="38100" cap="flat" cmpd="sng" algn="ctr">
-                      <a:solidFill>
-                        <a:srgbClr val="FF0000"/>
-                      </a:solidFill>
-                      <a:prstDash val="solid"/>
-                      <a:round/>
-                      <a:headEnd type="none" w="med" len="med"/>
-                      <a:tailEnd type="none" w="med" len="med"/>
-                    </a:lnR>
-                    <a:lnT w="38100" cap="flat" cmpd="sng" algn="ctr">
-                      <a:solidFill>
-                        <a:srgbClr val="FF0000"/>
-                      </a:solidFill>
-                      <a:prstDash val="solid"/>
-                      <a:round/>
-                      <a:headEnd type="none" w="med" len="med"/>
-                      <a:tailEnd type="none" w="med" len="med"/>
-                    </a:lnT>
-                    <a:lnB w="38100" cap="flat" cmpd="sng" algn="ctr">
-                      <a:solidFill>
-                        <a:srgbClr val="FF0000"/>
-                      </a:solidFill>
-                      <a:prstDash val="solid"/>
-                      <a:round/>
-                      <a:headEnd type="none" w="med" len="med"/>
-                      <a:tailEnd type="none" w="med" len="med"/>
-                    </a:lnB>
-                    <a:solidFill>
-                      <a:schemeClr val="bg1"/>
-                    </a:solidFill>
-                  </a:tcPr>
-                </a:tc>
-                <a:tc>
-                  <a:txBody>
-                    <a:bodyPr/>
-                    <a:lstStyle/>
-                    <a:p>
-                      <a:endParaRPr lang="zh-CN" altLang="en-US" dirty="0">
-                        <a:ln>
-                          <a:noFill/>
-                        </a:ln>
-                      </a:endParaRPr>
-                    </a:p>
-                  </a:txBody>
-                  <a:tcPr>
-                    <a:lnL w="38100" cap="flat" cmpd="sng" algn="ctr">
-                      <a:solidFill>
-                        <a:srgbClr val="FF0000"/>
-                      </a:solidFill>
-                      <a:prstDash val="solid"/>
-                      <a:round/>
-                      <a:headEnd type="none" w="med" len="med"/>
-                      <a:tailEnd type="none" w="med" len="med"/>
-                    </a:lnL>
-                    <a:lnR w="38100" cap="flat" cmpd="sng" algn="ctr">
-                      <a:solidFill>
-                        <a:srgbClr val="FF0000"/>
-                      </a:solidFill>
-                      <a:prstDash val="solid"/>
-                      <a:round/>
-                      <a:headEnd type="none" w="med" len="med"/>
-                      <a:tailEnd type="none" w="med" len="med"/>
-                    </a:lnR>
-                    <a:lnT w="38100" cap="flat" cmpd="sng" algn="ctr">
-                      <a:solidFill>
-                        <a:srgbClr val="FF0000"/>
-                      </a:solidFill>
-                      <a:prstDash val="solid"/>
-                      <a:round/>
-                      <a:headEnd type="none" w="med" len="med"/>
-                      <a:tailEnd type="none" w="med" len="med"/>
-                    </a:lnT>
-                    <a:lnB w="38100" cap="flat" cmpd="sng" algn="ctr">
-                      <a:solidFill>
-                        <a:srgbClr val="FF0000"/>
-                      </a:solidFill>
+                      <a:noFill/>
                       <a:prstDash val="solid"/>
                       <a:round/>
                       <a:headEnd type="none" w="med" len="med"/>
@@ -9019,6 +8839,262 @@
                       <a:headEnd type="none" w="med" len="med"/>
                       <a:tailEnd type="none" w="med" len="med"/>
                     </a:lnB>
+                    <a:lnTlToBr w="12700" cmpd="sng">
+                      <a:noFill/>
+                      <a:prstDash val="solid"/>
+                    </a:lnTlToBr>
+                    <a:lnBlToTr w="12700" cmpd="sng">
+                      <a:noFill/>
+                      <a:prstDash val="solid"/>
+                    </a:lnBlToTr>
+                    <a:solidFill>
+                      <a:schemeClr val="bg1"/>
+                    </a:solidFill>
+                  </a:tcPr>
+                </a:tc>
+                <a:tc>
+                  <a:txBody>
+                    <a:bodyPr/>
+                    <a:lstStyle/>
+                    <a:p>
+                      <a:endParaRPr lang="zh-CN" altLang="en-US" dirty="0">
+                        <a:ln>
+                          <a:noFill/>
+                        </a:ln>
+                      </a:endParaRPr>
+                    </a:p>
+                  </a:txBody>
+                  <a:tcPr>
+                    <a:lnL w="38100" cap="flat" cmpd="sng" algn="ctr">
+                      <a:solidFill>
+                        <a:srgbClr val="FF0000"/>
+                      </a:solidFill>
+                      <a:prstDash val="solid"/>
+                      <a:round/>
+                      <a:headEnd type="none" w="med" len="med"/>
+                      <a:tailEnd type="none" w="med" len="med"/>
+                    </a:lnL>
+                    <a:lnR w="38100" cap="flat" cmpd="sng" algn="ctr">
+                      <a:solidFill>
+                        <a:srgbClr val="FF0000"/>
+                      </a:solidFill>
+                      <a:prstDash val="solid"/>
+                      <a:round/>
+                      <a:headEnd type="none" w="med" len="med"/>
+                      <a:tailEnd type="none" w="med" len="med"/>
+                    </a:lnR>
+                    <a:lnT w="38100" cap="flat" cmpd="sng" algn="ctr">
+                      <a:solidFill>
+                        <a:srgbClr val="FF0000"/>
+                      </a:solidFill>
+                      <a:prstDash val="solid"/>
+                      <a:round/>
+                      <a:headEnd type="none" w="med" len="med"/>
+                      <a:tailEnd type="none" w="med" len="med"/>
+                    </a:lnT>
+                    <a:lnB w="38100" cap="flat" cmpd="sng" algn="ctr">
+                      <a:solidFill>
+                        <a:srgbClr val="FF0000"/>
+                      </a:solidFill>
+                      <a:prstDash val="solid"/>
+                      <a:round/>
+                      <a:headEnd type="none" w="med" len="med"/>
+                      <a:tailEnd type="none" w="med" len="med"/>
+                    </a:lnB>
+                    <a:lnTlToBr w="12700" cmpd="sng">
+                      <a:noFill/>
+                      <a:prstDash val="solid"/>
+                    </a:lnTlToBr>
+                    <a:lnBlToTr w="12700" cmpd="sng">
+                      <a:noFill/>
+                      <a:prstDash val="solid"/>
+                    </a:lnBlToTr>
+                    <a:solidFill>
+                      <a:schemeClr val="bg1"/>
+                    </a:solidFill>
+                  </a:tcPr>
+                </a:tc>
+                <a:tc>
+                  <a:txBody>
+                    <a:bodyPr/>
+                    <a:lstStyle/>
+                    <a:p>
+                      <a:endParaRPr lang="zh-CN" altLang="en-US" dirty="0">
+                        <a:ln>
+                          <a:noFill/>
+                        </a:ln>
+                      </a:endParaRPr>
+                    </a:p>
+                  </a:txBody>
+                  <a:tcPr>
+                    <a:lnL w="38100" cap="flat" cmpd="sng" algn="ctr">
+                      <a:solidFill>
+                        <a:srgbClr val="FF0000"/>
+                      </a:solidFill>
+                      <a:prstDash val="solid"/>
+                      <a:round/>
+                      <a:headEnd type="none" w="med" len="med"/>
+                      <a:tailEnd type="none" w="med" len="med"/>
+                    </a:lnL>
+                    <a:lnR w="38100" cap="flat" cmpd="sng" algn="ctr">
+                      <a:solidFill>
+                        <a:srgbClr val="FF0000"/>
+                      </a:solidFill>
+                      <a:prstDash val="solid"/>
+                      <a:round/>
+                      <a:headEnd type="none" w="med" len="med"/>
+                      <a:tailEnd type="none" w="med" len="med"/>
+                    </a:lnR>
+                    <a:lnT w="38100" cap="flat" cmpd="sng" algn="ctr">
+                      <a:solidFill>
+                        <a:srgbClr val="FF0000"/>
+                      </a:solidFill>
+                      <a:prstDash val="solid"/>
+                      <a:round/>
+                      <a:headEnd type="none" w="med" len="med"/>
+                      <a:tailEnd type="none" w="med" len="med"/>
+                    </a:lnT>
+                    <a:lnB w="38100" cap="flat" cmpd="sng" algn="ctr">
+                      <a:solidFill>
+                        <a:srgbClr val="FF0000"/>
+                      </a:solidFill>
+                      <a:prstDash val="solid"/>
+                      <a:round/>
+                      <a:headEnd type="none" w="med" len="med"/>
+                      <a:tailEnd type="none" w="med" len="med"/>
+                    </a:lnB>
+                    <a:lnTlToBr w="12700" cmpd="sng">
+                      <a:noFill/>
+                      <a:prstDash val="solid"/>
+                    </a:lnTlToBr>
+                    <a:lnBlToTr w="12700" cmpd="sng">
+                      <a:noFill/>
+                      <a:prstDash val="solid"/>
+                    </a:lnBlToTr>
+                    <a:solidFill>
+                      <a:schemeClr val="bg1"/>
+                    </a:solidFill>
+                  </a:tcPr>
+                </a:tc>
+                <a:tc>
+                  <a:txBody>
+                    <a:bodyPr/>
+                    <a:lstStyle/>
+                    <a:p>
+                      <a:endParaRPr lang="zh-CN" altLang="en-US" dirty="0">
+                        <a:ln>
+                          <a:noFill/>
+                        </a:ln>
+                      </a:endParaRPr>
+                    </a:p>
+                  </a:txBody>
+                  <a:tcPr>
+                    <a:lnL w="38100" cap="flat" cmpd="sng" algn="ctr">
+                      <a:solidFill>
+                        <a:srgbClr val="FF0000"/>
+                      </a:solidFill>
+                      <a:prstDash val="solid"/>
+                      <a:round/>
+                      <a:headEnd type="none" w="med" len="med"/>
+                      <a:tailEnd type="none" w="med" len="med"/>
+                    </a:lnL>
+                    <a:lnR w="38100" cap="flat" cmpd="sng" algn="ctr">
+                      <a:solidFill>
+                        <a:srgbClr val="FF0000"/>
+                      </a:solidFill>
+                      <a:prstDash val="solid"/>
+                      <a:round/>
+                      <a:headEnd type="none" w="med" len="med"/>
+                      <a:tailEnd type="none" w="med" len="med"/>
+                    </a:lnR>
+                    <a:lnT w="38100" cap="flat" cmpd="sng" algn="ctr">
+                      <a:solidFill>
+                        <a:srgbClr val="FF0000"/>
+                      </a:solidFill>
+                      <a:prstDash val="solid"/>
+                      <a:round/>
+                      <a:headEnd type="none" w="med" len="med"/>
+                      <a:tailEnd type="none" w="med" len="med"/>
+                    </a:lnT>
+                    <a:lnB w="38100" cap="flat" cmpd="sng" algn="ctr">
+                      <a:solidFill>
+                        <a:srgbClr val="FF0000"/>
+                      </a:solidFill>
+                      <a:prstDash val="solid"/>
+                      <a:round/>
+                      <a:headEnd type="none" w="med" len="med"/>
+                      <a:tailEnd type="none" w="med" len="med"/>
+                    </a:lnB>
+                    <a:lnTlToBr w="12700" cmpd="sng">
+                      <a:noFill/>
+                      <a:prstDash val="solid"/>
+                    </a:lnTlToBr>
+                    <a:lnBlToTr w="12700" cmpd="sng">
+                      <a:noFill/>
+                      <a:prstDash val="solid"/>
+                    </a:lnBlToTr>
+                    <a:solidFill>
+                      <a:schemeClr val="bg1"/>
+                    </a:solidFill>
+                  </a:tcPr>
+                </a:tc>
+                <a:tc>
+                  <a:txBody>
+                    <a:bodyPr/>
+                    <a:lstStyle/>
+                    <a:p>
+                      <a:endParaRPr lang="zh-CN" altLang="en-US" dirty="0">
+                        <a:ln>
+                          <a:noFill/>
+                        </a:ln>
+                      </a:endParaRPr>
+                    </a:p>
+                  </a:txBody>
+                  <a:tcPr>
+                    <a:lnL w="38100" cap="flat" cmpd="sng" algn="ctr">
+                      <a:solidFill>
+                        <a:srgbClr val="FF0000"/>
+                      </a:solidFill>
+                      <a:prstDash val="solid"/>
+                      <a:round/>
+                      <a:headEnd type="none" w="med" len="med"/>
+                      <a:tailEnd type="none" w="med" len="med"/>
+                    </a:lnL>
+                    <a:lnR w="38100" cap="flat" cmpd="sng" algn="ctr">
+                      <a:solidFill>
+                        <a:srgbClr val="FF0000"/>
+                      </a:solidFill>
+                      <a:prstDash val="solid"/>
+                      <a:round/>
+                      <a:headEnd type="none" w="med" len="med"/>
+                      <a:tailEnd type="none" w="med" len="med"/>
+                    </a:lnR>
+                    <a:lnT w="38100" cap="flat" cmpd="sng" algn="ctr">
+                      <a:solidFill>
+                        <a:srgbClr val="FF0000"/>
+                      </a:solidFill>
+                      <a:prstDash val="solid"/>
+                      <a:round/>
+                      <a:headEnd type="none" w="med" len="med"/>
+                      <a:tailEnd type="none" w="med" len="med"/>
+                    </a:lnT>
+                    <a:lnB w="38100" cap="flat" cmpd="sng" algn="ctr">
+                      <a:solidFill>
+                        <a:srgbClr val="FF0000"/>
+                      </a:solidFill>
+                      <a:prstDash val="solid"/>
+                      <a:round/>
+                      <a:headEnd type="none" w="med" len="med"/>
+                      <a:tailEnd type="none" w="med" len="med"/>
+                    </a:lnB>
+                    <a:lnTlToBr w="12700" cmpd="sng">
+                      <a:noFill/>
+                      <a:prstDash val="solid"/>
+                    </a:lnTlToBr>
+                    <a:lnBlToTr w="12700" cmpd="sng">
+                      <a:noFill/>
+                      <a:prstDash val="solid"/>
+                    </a:lnBlToTr>
                     <a:solidFill>
                       <a:schemeClr val="bg1"/>
                     </a:solidFill>
@@ -9066,9 +9142,7 @@
                   </a:txBody>
                   <a:tcPr>
                     <a:lnL w="12700" cap="flat" cmpd="sng" algn="ctr">
-                      <a:solidFill>
-                        <a:schemeClr val="tx1"/>
-                      </a:solidFill>
+                      <a:noFill/>
                       <a:prstDash val="solid"/>
                       <a:round/>
                       <a:headEnd type="none" w="med" len="med"/>
@@ -9084,23 +9158,27 @@
                       <a:tailEnd type="none" w="med" len="med"/>
                     </a:lnR>
                     <a:lnT w="38100" cap="flat" cmpd="sng" algn="ctr">
-                      <a:solidFill>
-                        <a:srgbClr val="FF0000"/>
-                      </a:solidFill>
+                      <a:noFill/>
                       <a:prstDash val="solid"/>
                       <a:round/>
                       <a:headEnd type="none" w="med" len="med"/>
                       <a:tailEnd type="none" w="med" len="med"/>
                     </a:lnT>
                     <a:lnB w="38100" cap="flat" cmpd="sng" algn="ctr">
-                      <a:solidFill>
-                        <a:srgbClr val="FFC000"/>
-                      </a:solidFill>
+                      <a:noFill/>
                       <a:prstDash val="solid"/>
                       <a:round/>
                       <a:headEnd type="none" w="med" len="med"/>
                       <a:tailEnd type="none" w="med" len="med"/>
                     </a:lnB>
+                    <a:lnTlToBr w="12700" cmpd="sng">
+                      <a:noFill/>
+                      <a:prstDash val="solid"/>
+                    </a:lnTlToBr>
+                    <a:lnBlToTr w="12700" cmpd="sng">
+                      <a:noFill/>
+                      <a:prstDash val="solid"/>
+                    </a:lnBlToTr>
                     <a:solidFill>
                       <a:schemeClr val="bg1"/>
                     </a:solidFill>
@@ -9330,7 +9408,7 @@
                     <a:bodyPr/>
                     <a:lstStyle/>
                     <a:p>
-                      <a:endParaRPr lang="zh-CN" altLang="en-US">
+                      <a:endParaRPr lang="zh-CN" altLang="en-US" dirty="0">
                         <a:ln>
                           <a:noFill/>
                         </a:ln>
@@ -9421,6 +9499,62 @@
                   </a:txBody>
                   <a:tcPr>
                     <a:lnL w="38100" cap="flat" cmpd="sng" algn="ctr">
+                      <a:noFill/>
+                      <a:prstDash val="solid"/>
+                      <a:round/>
+                      <a:headEnd type="none" w="med" len="med"/>
+                      <a:tailEnd type="none" w="med" len="med"/>
+                    </a:lnL>
+                    <a:lnR w="38100" cap="flat" cmpd="sng" algn="ctr">
+                      <a:solidFill>
+                        <a:srgbClr val="FFC000"/>
+                      </a:solidFill>
+                      <a:prstDash val="solid"/>
+                      <a:round/>
+                      <a:headEnd type="none" w="med" len="med"/>
+                      <a:tailEnd type="none" w="med" len="med"/>
+                    </a:lnR>
+                    <a:lnT w="38100" cap="flat" cmpd="sng" algn="ctr">
+                      <a:noFill/>
+                      <a:prstDash val="solid"/>
+                      <a:round/>
+                      <a:headEnd type="none" w="med" len="med"/>
+                      <a:tailEnd type="none" w="med" len="med"/>
+                    </a:lnT>
+                    <a:lnB w="38100" cap="flat" cmpd="sng" algn="ctr">
+                      <a:noFill/>
+                      <a:prstDash val="solid"/>
+                      <a:round/>
+                      <a:headEnd type="none" w="med" len="med"/>
+                      <a:tailEnd type="none" w="med" len="med"/>
+                    </a:lnB>
+                    <a:lnTlToBr w="12700" cmpd="sng">
+                      <a:noFill/>
+                      <a:prstDash val="solid"/>
+                    </a:lnTlToBr>
+                    <a:lnBlToTr w="12700" cmpd="sng">
+                      <a:noFill/>
+                      <a:prstDash val="solid"/>
+                    </a:lnBlToTr>
+                    <a:solidFill>
+                      <a:schemeClr val="bg1"/>
+                    </a:solidFill>
+                  </a:tcPr>
+                </a:tc>
+                <a:tc>
+                  <a:txBody>
+                    <a:bodyPr/>
+                    <a:lstStyle/>
+                    <a:p>
+                      <a:endParaRPr lang="zh-CN" altLang="en-US" dirty="0">
+                        <a:ln>
+                          <a:noFill/>
+                        </a:ln>
+                      </a:endParaRPr>
+                    </a:p>
+                  </a:txBody>
+                  <a:tcPr>
+                    <a:lnL w="38100" cap="flat" cmpd="sng" algn="ctr">
                       <a:solidFill>
                         <a:srgbClr val="FFC000"/>
                       </a:solidFill>
@@ -9628,61 +9762,7 @@
                     <a:bodyPr/>
                     <a:lstStyle/>
                     <a:p>
-                      <a:endParaRPr lang="zh-CN" altLang="en-US">
-                        <a:ln>
-                          <a:noFill/>
-                        </a:ln>
-                      </a:endParaRPr>
-                    </a:p>
-                  </a:txBody>
-                  <a:tcPr>
-                    <a:lnL w="38100" cap="flat" cmpd="sng" algn="ctr">
-                      <a:solidFill>
-                        <a:srgbClr val="FFC000"/>
-                      </a:solidFill>
-                      <a:prstDash val="solid"/>
-                      <a:round/>
-                      <a:headEnd type="none" w="med" len="med"/>
-                      <a:tailEnd type="none" w="med" len="med"/>
-                    </a:lnL>
-                    <a:lnR w="38100" cap="flat" cmpd="sng" algn="ctr">
-                      <a:solidFill>
-                        <a:srgbClr val="FFC000"/>
-                      </a:solidFill>
-                      <a:prstDash val="solid"/>
-                      <a:round/>
-                      <a:headEnd type="none" w="med" len="med"/>
-                      <a:tailEnd type="none" w="med" len="med"/>
-                    </a:lnR>
-                    <a:lnT w="38100" cap="flat" cmpd="sng" algn="ctr">
-                      <a:solidFill>
-                        <a:srgbClr val="FFC000"/>
-                      </a:solidFill>
-                      <a:prstDash val="solid"/>
-                      <a:round/>
-                      <a:headEnd type="none" w="med" len="med"/>
-                      <a:tailEnd type="none" w="med" len="med"/>
-                    </a:lnT>
-                    <a:lnB w="38100" cap="flat" cmpd="sng" algn="ctr">
-                      <a:solidFill>
-                        <a:srgbClr val="FFC000"/>
-                      </a:solidFill>
-                      <a:prstDash val="solid"/>
-                      <a:round/>
-                      <a:headEnd type="none" w="med" len="med"/>
-                      <a:tailEnd type="none" w="med" len="med"/>
-                    </a:lnB>
-                    <a:solidFill>
-                      <a:schemeClr val="bg1"/>
-                    </a:solidFill>
-                  </a:tcPr>
-                </a:tc>
-                <a:tc>
-                  <a:txBody>
-                    <a:bodyPr/>
-                    <a:lstStyle/>
-                    <a:p>
-                      <a:endParaRPr lang="zh-CN" altLang="en-US">
+                      <a:endParaRPr lang="zh-CN" altLang="en-US" dirty="0">
                         <a:ln>
                           <a:noFill/>
                         </a:ln>
@@ -9773,6 +9853,62 @@
                   </a:txBody>
                   <a:tcPr>
                     <a:lnL w="38100" cap="flat" cmpd="sng" algn="ctr">
+                      <a:noFill/>
+                      <a:prstDash val="solid"/>
+                      <a:round/>
+                      <a:headEnd type="none" w="med" len="med"/>
+                      <a:tailEnd type="none" w="med" len="med"/>
+                    </a:lnL>
+                    <a:lnR w="38100" cap="flat" cmpd="sng" algn="ctr">
+                      <a:solidFill>
+                        <a:srgbClr val="FFC000"/>
+                      </a:solidFill>
+                      <a:prstDash val="solid"/>
+                      <a:round/>
+                      <a:headEnd type="none" w="med" len="med"/>
+                      <a:tailEnd type="none" w="med" len="med"/>
+                    </a:lnR>
+                    <a:lnT w="38100" cap="flat" cmpd="sng" algn="ctr">
+                      <a:noFill/>
+                      <a:prstDash val="solid"/>
+                      <a:round/>
+                      <a:headEnd type="none" w="med" len="med"/>
+                      <a:tailEnd type="none" w="med" len="med"/>
+                    </a:lnT>
+                    <a:lnB w="38100" cap="flat" cmpd="sng" algn="ctr">
+                      <a:noFill/>
+                      <a:prstDash val="solid"/>
+                      <a:round/>
+                      <a:headEnd type="none" w="med" len="med"/>
+                      <a:tailEnd type="none" w="med" len="med"/>
+                    </a:lnB>
+                    <a:lnTlToBr w="12700" cmpd="sng">
+                      <a:noFill/>
+                      <a:prstDash val="solid"/>
+                    </a:lnTlToBr>
+                    <a:lnBlToTr w="12700" cmpd="sng">
+                      <a:noFill/>
+                      <a:prstDash val="solid"/>
+                    </a:lnBlToTr>
+                    <a:solidFill>
+                      <a:schemeClr val="bg1"/>
+                    </a:solidFill>
+                  </a:tcPr>
+                </a:tc>
+                <a:tc>
+                  <a:txBody>
+                    <a:bodyPr/>
+                    <a:lstStyle/>
+                    <a:p>
+                      <a:endParaRPr lang="zh-CN" altLang="en-US" dirty="0">
+                        <a:ln>
+                          <a:noFill/>
+                        </a:ln>
+                      </a:endParaRPr>
+                    </a:p>
+                  </a:txBody>
+                  <a:tcPr>
+                    <a:lnL w="38100" cap="flat" cmpd="sng" algn="ctr">
                       <a:solidFill>
                         <a:srgbClr val="FFC000"/>
                       </a:solidFill>
@@ -9980,61 +10116,7 @@
                     <a:bodyPr/>
                     <a:lstStyle/>
                     <a:p>
-                      <a:endParaRPr lang="zh-CN" altLang="en-US">
-                        <a:ln>
-                          <a:noFill/>
-                        </a:ln>
-                      </a:endParaRPr>
-                    </a:p>
-                  </a:txBody>
-                  <a:tcPr>
-                    <a:lnL w="38100" cap="flat" cmpd="sng" algn="ctr">
-                      <a:solidFill>
-                        <a:srgbClr val="FFC000"/>
-                      </a:solidFill>
-                      <a:prstDash val="solid"/>
-                      <a:round/>
-                      <a:headEnd type="none" w="med" len="med"/>
-                      <a:tailEnd type="none" w="med" len="med"/>
-                    </a:lnL>
-                    <a:lnR w="38100" cap="flat" cmpd="sng" algn="ctr">
-                      <a:solidFill>
-                        <a:srgbClr val="FFC000"/>
-                      </a:solidFill>
-                      <a:prstDash val="solid"/>
-                      <a:round/>
-                      <a:headEnd type="none" w="med" len="med"/>
-                      <a:tailEnd type="none" w="med" len="med"/>
-                    </a:lnR>
-                    <a:lnT w="38100" cap="flat" cmpd="sng" algn="ctr">
-                      <a:solidFill>
-                        <a:srgbClr val="FFC000"/>
-                      </a:solidFill>
-                      <a:prstDash val="solid"/>
-                      <a:round/>
-                      <a:headEnd type="none" w="med" len="med"/>
-                      <a:tailEnd type="none" w="med" len="med"/>
-                    </a:lnT>
-                    <a:lnB w="38100" cap="flat" cmpd="sng" algn="ctr">
-                      <a:solidFill>
-                        <a:srgbClr val="FFC000"/>
-                      </a:solidFill>
-                      <a:prstDash val="solid"/>
-                      <a:round/>
-                      <a:headEnd type="none" w="med" len="med"/>
-                      <a:tailEnd type="none" w="med" len="med"/>
-                    </a:lnB>
-                    <a:solidFill>
-                      <a:schemeClr val="bg1"/>
-                    </a:solidFill>
-                  </a:tcPr>
-                </a:tc>
-                <a:tc>
-                  <a:txBody>
-                    <a:bodyPr/>
-                    <a:lstStyle/>
-                    <a:p>
-                      <a:endParaRPr lang="zh-CN" altLang="en-US">
+                      <a:endParaRPr lang="zh-CN" altLang="en-US" dirty="0">
                         <a:ln>
                           <a:noFill/>
                         </a:ln>
@@ -10125,9 +10207,7 @@
                   </a:txBody>
                   <a:tcPr>
                     <a:lnL w="38100" cap="flat" cmpd="sng" algn="ctr">
-                      <a:solidFill>
-                        <a:srgbClr val="FFC000"/>
-                      </a:solidFill>
+                      <a:noFill/>
                       <a:prstDash val="solid"/>
                       <a:round/>
                       <a:headEnd type="none" w="med" len="med"/>
@@ -10143,23 +10223,27 @@
                       <a:tailEnd type="none" w="med" len="med"/>
                     </a:lnR>
                     <a:lnT w="38100" cap="flat" cmpd="sng" algn="ctr">
-                      <a:solidFill>
-                        <a:srgbClr val="FFC000"/>
-                      </a:solidFill>
+                      <a:noFill/>
                       <a:prstDash val="solid"/>
                       <a:round/>
                       <a:headEnd type="none" w="med" len="med"/>
                       <a:tailEnd type="none" w="med" len="med"/>
                     </a:lnT>
                     <a:lnB w="38100" cap="flat" cmpd="sng" algn="ctr">
-                      <a:solidFill>
-                        <a:srgbClr val="FFC000"/>
-                      </a:solidFill>
+                      <a:noFill/>
                       <a:prstDash val="solid"/>
                       <a:round/>
                       <a:headEnd type="none" w="med" len="med"/>
                       <a:tailEnd type="none" w="med" len="med"/>
                     </a:lnB>
+                    <a:lnTlToBr w="12700" cmpd="sng">
+                      <a:noFill/>
+                      <a:prstDash val="solid"/>
+                    </a:lnTlToBr>
+                    <a:lnBlToTr w="12700" cmpd="sng">
+                      <a:noFill/>
+                      <a:prstDash val="solid"/>
+                    </a:lnBlToTr>
                     <a:solidFill>
                       <a:schemeClr val="bg1"/>
                     </a:solidFill>
@@ -10477,9 +10561,7 @@
                   </a:txBody>
                   <a:tcPr>
                     <a:lnL w="12700" cap="flat" cmpd="sng" algn="ctr">
-                      <a:solidFill>
-                        <a:schemeClr val="tx1"/>
-                      </a:solidFill>
+                      <a:noFill/>
                       <a:prstDash val="solid"/>
                       <a:round/>
                       <a:headEnd type="none" w="med" len="med"/>
@@ -10495,23 +10577,27 @@
                       <a:tailEnd type="none" w="med" len="med"/>
                     </a:lnR>
                     <a:lnT w="38100" cap="flat" cmpd="sng" algn="ctr">
-                      <a:solidFill>
-                        <a:srgbClr val="FFC000"/>
-                      </a:solidFill>
+                      <a:noFill/>
                       <a:prstDash val="solid"/>
                       <a:round/>
                       <a:headEnd type="none" w="med" len="med"/>
                       <a:tailEnd type="none" w="med" len="med"/>
                     </a:lnT>
                     <a:lnB w="38100" cap="flat" cmpd="sng" algn="ctr">
-                      <a:solidFill>
-                        <a:srgbClr val="FF0000"/>
-                      </a:solidFill>
+                      <a:noFill/>
                       <a:prstDash val="solid"/>
                       <a:round/>
                       <a:headEnd type="none" w="med" len="med"/>
                       <a:tailEnd type="none" w="med" len="med"/>
                     </a:lnB>
+                    <a:lnTlToBr w="12700" cmpd="sng">
+                      <a:noFill/>
+                      <a:prstDash val="solid"/>
+                    </a:lnTlToBr>
+                    <a:lnBlToTr w="12700" cmpd="sng">
+                      <a:noFill/>
+                      <a:prstDash val="solid"/>
+                    </a:lnBlToTr>
                     <a:solidFill>
                       <a:schemeClr val="bg1"/>
                     </a:solidFill>
@@ -10557,9 +10643,9 @@
                       <a:headEnd type="none" w="med" len="med"/>
                       <a:tailEnd type="none" w="med" len="med"/>
                     </a:lnT>
-                    <a:lnB w="38100" cap="flat" cmpd="sng" algn="ctr">
-                      <a:solidFill>
-                        <a:srgbClr val="FF0000"/>
+                    <a:lnB w="12700" cap="flat" cmpd="sng" algn="ctr">
+                      <a:solidFill>
+                        <a:schemeClr val="tx1"/>
                       </a:solidFill>
                       <a:prstDash val="solid"/>
                       <a:round/>
@@ -10829,9 +10915,7 @@
                   </a:txBody>
                   <a:tcPr>
                     <a:lnL w="38100" cap="flat" cmpd="sng" algn="ctr">
-                      <a:solidFill>
-                        <a:srgbClr val="FF0000"/>
-                      </a:solidFill>
+                      <a:noFill/>
                       <a:prstDash val="solid"/>
                       <a:round/>
                       <a:headEnd type="none" w="med" len="med"/>
@@ -10847,23 +10931,27 @@
                       <a:tailEnd type="none" w="med" len="med"/>
                     </a:lnR>
                     <a:lnT w="38100" cap="flat" cmpd="sng" algn="ctr">
-                      <a:solidFill>
-                        <a:srgbClr val="FF0000"/>
-                      </a:solidFill>
+                      <a:noFill/>
                       <a:prstDash val="solid"/>
                       <a:round/>
                       <a:headEnd type="none" w="med" len="med"/>
                       <a:tailEnd type="none" w="med" len="med"/>
                     </a:lnT>
                     <a:lnB w="38100" cap="flat" cmpd="sng" algn="ctr">
-                      <a:solidFill>
-                        <a:srgbClr val="FF0000"/>
-                      </a:solidFill>
+                      <a:noFill/>
                       <a:prstDash val="solid"/>
                       <a:round/>
                       <a:headEnd type="none" w="med" len="med"/>
                       <a:tailEnd type="none" w="med" len="med"/>
                     </a:lnB>
+                    <a:lnTlToBr w="12700" cmpd="sng">
+                      <a:noFill/>
+                      <a:prstDash val="solid"/>
+                    </a:lnTlToBr>
+                    <a:lnBlToTr w="12700" cmpd="sng">
+                      <a:noFill/>
+                      <a:prstDash val="solid"/>
+                    </a:lnBlToTr>
                     <a:solidFill>
                       <a:schemeClr val="bg1"/>
                     </a:solidFill>
@@ -10900,9 +10988,9 @@
                       <a:headEnd type="none" w="med" len="med"/>
                       <a:tailEnd type="none" w="med" len="med"/>
                     </a:lnR>
-                    <a:lnT w="38100" cap="flat" cmpd="sng" algn="ctr">
-                      <a:solidFill>
-                        <a:srgbClr val="FF0000"/>
+                    <a:lnT w="12700" cap="flat" cmpd="sng" algn="ctr">
+                      <a:solidFill>
+                        <a:schemeClr val="tx1"/>
                       </a:solidFill>
                       <a:prstDash val="solid"/>
                       <a:round/>
@@ -11181,9 +11269,7 @@
                   </a:txBody>
                   <a:tcPr>
                     <a:lnL w="38100" cap="flat" cmpd="sng" algn="ctr">
-                      <a:solidFill>
-                        <a:srgbClr val="FF0000"/>
-                      </a:solidFill>
+                      <a:noFill/>
                       <a:prstDash val="solid"/>
                       <a:round/>
                       <a:headEnd type="none" w="med" len="med"/>
@@ -11199,23 +11285,27 @@
                       <a:tailEnd type="none" w="med" len="med"/>
                     </a:lnR>
                     <a:lnT w="38100" cap="flat" cmpd="sng" algn="ctr">
-                      <a:solidFill>
-                        <a:srgbClr val="FF0000"/>
-                      </a:solidFill>
+                      <a:noFill/>
                       <a:prstDash val="solid"/>
                       <a:round/>
                       <a:headEnd type="none" w="med" len="med"/>
                       <a:tailEnd type="none" w="med" len="med"/>
                     </a:lnT>
                     <a:lnB w="38100" cap="flat" cmpd="sng" algn="ctr">
-                      <a:solidFill>
-                        <a:srgbClr val="FF0000"/>
-                      </a:solidFill>
+                      <a:noFill/>
                       <a:prstDash val="solid"/>
                       <a:round/>
                       <a:headEnd type="none" w="med" len="med"/>
                       <a:tailEnd type="none" w="med" len="med"/>
                     </a:lnB>
+                    <a:lnTlToBr w="12700" cmpd="sng">
+                      <a:noFill/>
+                      <a:prstDash val="solid"/>
+                    </a:lnTlToBr>
+                    <a:lnBlToTr w="12700" cmpd="sng">
+                      <a:noFill/>
+                      <a:prstDash val="solid"/>
+                    </a:lnBlToTr>
                     <a:solidFill>
                       <a:schemeClr val="bg1"/>
                     </a:solidFill>

--- a/毕设论文/新建 Microsoft PowerPoint 演示文稿.pptx
+++ b/毕设论文/新建 Microsoft PowerPoint 演示文稿.pptx
@@ -7,6 +7,8 @@
   <p:sldIdLst>
     <p:sldId id="256" r:id="rId2"/>
     <p:sldId id="257" r:id="rId3"/>
+    <p:sldId id="258" r:id="rId4"/>
+    <p:sldId id="259" r:id="rId5"/>
   </p:sldIdLst>
   <p:sldSz cx="12192000" cy="6858000"/>
   <p:notesSz cx="6858000" cy="9144000"/>
@@ -246,7 +248,7 @@
           <a:p>
             <a:fld id="{E040A87D-6F36-409C-930B-15BDE944BB58}" type="datetimeFigureOut">
               <a:rPr lang="zh-CN" altLang="en-US" smtClean="0"/>
-              <a:t>2017/6/2</a:t>
+              <a:t>2017/6/13</a:t>
             </a:fld>
             <a:endParaRPr lang="zh-CN" altLang="en-US"/>
           </a:p>
@@ -414,7 +416,7 @@
           <a:p>
             <a:fld id="{E040A87D-6F36-409C-930B-15BDE944BB58}" type="datetimeFigureOut">
               <a:rPr lang="zh-CN" altLang="en-US" smtClean="0"/>
-              <a:t>2017/6/2</a:t>
+              <a:t>2017/6/13</a:t>
             </a:fld>
             <a:endParaRPr lang="zh-CN" altLang="en-US"/>
           </a:p>
@@ -592,7 +594,7 @@
           <a:p>
             <a:fld id="{E040A87D-6F36-409C-930B-15BDE944BB58}" type="datetimeFigureOut">
               <a:rPr lang="zh-CN" altLang="en-US" smtClean="0"/>
-              <a:t>2017/6/2</a:t>
+              <a:t>2017/6/13</a:t>
             </a:fld>
             <a:endParaRPr lang="zh-CN" altLang="en-US"/>
           </a:p>
@@ -760,7 +762,7 @@
           <a:p>
             <a:fld id="{E040A87D-6F36-409C-930B-15BDE944BB58}" type="datetimeFigureOut">
               <a:rPr lang="zh-CN" altLang="en-US" smtClean="0"/>
-              <a:t>2017/6/2</a:t>
+              <a:t>2017/6/13</a:t>
             </a:fld>
             <a:endParaRPr lang="zh-CN" altLang="en-US"/>
           </a:p>
@@ -1005,7 +1007,7 @@
           <a:p>
             <a:fld id="{E040A87D-6F36-409C-930B-15BDE944BB58}" type="datetimeFigureOut">
               <a:rPr lang="zh-CN" altLang="en-US" smtClean="0"/>
-              <a:t>2017/6/2</a:t>
+              <a:t>2017/6/13</a:t>
             </a:fld>
             <a:endParaRPr lang="zh-CN" altLang="en-US"/>
           </a:p>
@@ -1234,7 +1236,7 @@
           <a:p>
             <a:fld id="{E040A87D-6F36-409C-930B-15BDE944BB58}" type="datetimeFigureOut">
               <a:rPr lang="zh-CN" altLang="en-US" smtClean="0"/>
-              <a:t>2017/6/2</a:t>
+              <a:t>2017/6/13</a:t>
             </a:fld>
             <a:endParaRPr lang="zh-CN" altLang="en-US"/>
           </a:p>
@@ -1598,7 +1600,7 @@
           <a:p>
             <a:fld id="{E040A87D-6F36-409C-930B-15BDE944BB58}" type="datetimeFigureOut">
               <a:rPr lang="zh-CN" altLang="en-US" smtClean="0"/>
-              <a:t>2017/6/2</a:t>
+              <a:t>2017/6/13</a:t>
             </a:fld>
             <a:endParaRPr lang="zh-CN" altLang="en-US"/>
           </a:p>
@@ -1715,7 +1717,7 @@
           <a:p>
             <a:fld id="{E040A87D-6F36-409C-930B-15BDE944BB58}" type="datetimeFigureOut">
               <a:rPr lang="zh-CN" altLang="en-US" smtClean="0"/>
-              <a:t>2017/6/2</a:t>
+              <a:t>2017/6/13</a:t>
             </a:fld>
             <a:endParaRPr lang="zh-CN" altLang="en-US"/>
           </a:p>
@@ -1810,7 +1812,7 @@
           <a:p>
             <a:fld id="{E040A87D-6F36-409C-930B-15BDE944BB58}" type="datetimeFigureOut">
               <a:rPr lang="zh-CN" altLang="en-US" smtClean="0"/>
-              <a:t>2017/6/2</a:t>
+              <a:t>2017/6/13</a:t>
             </a:fld>
             <a:endParaRPr lang="zh-CN" altLang="en-US"/>
           </a:p>
@@ -2085,7 +2087,7 @@
           <a:p>
             <a:fld id="{E040A87D-6F36-409C-930B-15BDE944BB58}" type="datetimeFigureOut">
               <a:rPr lang="zh-CN" altLang="en-US" smtClean="0"/>
-              <a:t>2017/6/2</a:t>
+              <a:t>2017/6/13</a:t>
             </a:fld>
             <a:endParaRPr lang="zh-CN" altLang="en-US"/>
           </a:p>
@@ -2337,7 +2339,7 @@
           <a:p>
             <a:fld id="{E040A87D-6F36-409C-930B-15BDE944BB58}" type="datetimeFigureOut">
               <a:rPr lang="zh-CN" altLang="en-US" smtClean="0"/>
-              <a:t>2017/6/2</a:t>
+              <a:t>2017/6/13</a:t>
             </a:fld>
             <a:endParaRPr lang="zh-CN" altLang="en-US"/>
           </a:p>
@@ -2548,7 +2550,7 @@
           <a:p>
             <a:fld id="{E040A87D-6F36-409C-930B-15BDE944BB58}" type="datetimeFigureOut">
               <a:rPr lang="zh-CN" altLang="en-US" smtClean="0"/>
-              <a:t>2017/6/2</a:t>
+              <a:t>2017/6/13</a:t>
             </a:fld>
             <a:endParaRPr lang="zh-CN" altLang="en-US"/>
           </a:p>
@@ -13054,6 +13056,6744 @@
 </p:sld>
 </file>
 
+<file path=ppt/slides/slide3.xml><?xml version="1.0" encoding="utf-8"?>
+<p:sld xmlns:a="http://schemas.openxmlformats.org/drawingml/2006/main" xmlns:r="http://schemas.openxmlformats.org/officeDocument/2006/relationships" xmlns:p="http://schemas.openxmlformats.org/presentationml/2006/main">
+  <p:cSld>
+    <p:spTree>
+      <p:nvGrpSpPr>
+        <p:cNvPr id="1" name=""/>
+        <p:cNvGrpSpPr/>
+        <p:nvPr/>
+      </p:nvGrpSpPr>
+      <p:grpSpPr>
+        <a:xfrm>
+          <a:off x="0" y="0"/>
+          <a:ext cx="0" cy="0"/>
+          <a:chOff x="0" y="0"/>
+          <a:chExt cx="0" cy="0"/>
+        </a:xfrm>
+      </p:grpSpPr>
+      <p:sp>
+        <p:nvSpPr>
+          <p:cNvPr id="6" name="下箭头 10">
+            <a:extLst>
+              <a:ext uri="{FF2B5EF4-FFF2-40B4-BE49-F238E27FC236}">
+                <a16:creationId xmlns:a16="http://schemas.microsoft.com/office/drawing/2014/main" id="{37653EB6-2AF7-4D35-BCE6-56EC37061BF8}"/>
+              </a:ext>
+            </a:extLst>
+          </p:cNvPr>
+          <p:cNvSpPr/>
+          <p:nvPr/>
+        </p:nvSpPr>
+        <p:spPr bwMode="auto">
+          <a:xfrm>
+            <a:off x="1909921" y="2307946"/>
+            <a:ext cx="324036" cy="494634"/>
+          </a:xfrm>
+          <a:prstGeom prst="downArrow">
+            <a:avLst/>
+          </a:prstGeom>
+          <a:noFill/>
+          <a:ln w="9525" cap="flat" cmpd="sng" algn="ctr">
+            <a:solidFill>
+              <a:schemeClr val="tx1"/>
+            </a:solidFill>
+            <a:prstDash val="solid"/>
+            <a:round/>
+            <a:headEnd type="none" w="med" len="med"/>
+            <a:tailEnd type="none" w="med" len="med"/>
+          </a:ln>
+          <a:effectLst/>
+        </p:spPr>
+        <p:txBody>
+          <a:bodyPr vert="horz" wrap="square" lIns="91440" tIns="45720" rIns="91440" bIns="45720" numCol="1" rtlCol="0" anchor="t" anchorCtr="0" compatLnSpc="1"/>
+          <a:lstStyle/>
+          <a:p>
+            <a:pPr marL="0" marR="0" indent="0" algn="l" defTabSz="914400" rtl="0" eaLnBrk="1" fontAlgn="base" latinLnBrk="0" hangingPunct="1">
+              <a:lnSpc>
+                <a:spcPct val="100000"/>
+              </a:lnSpc>
+              <a:spcBef>
+                <a:spcPct val="0"/>
+              </a:spcBef>
+              <a:spcAft>
+                <a:spcPct val="0"/>
+              </a:spcAft>
+              <a:buClrTx/>
+              <a:buSzTx/>
+              <a:buFontTx/>
+              <a:buNone/>
+            </a:pPr>
+            <a:endParaRPr kumimoji="0" lang="zh-CN" altLang="en-US" b="0" i="0" u="none" strike="noStrike" cap="none" normalizeH="0" baseline="0">
+              <a:ln>
+                <a:noFill/>
+              </a:ln>
+              <a:solidFill>
+                <a:schemeClr val="tx1"/>
+              </a:solidFill>
+              <a:effectLst/>
+              <a:latin typeface="Times New Roman" panose="02020603050405020304" pitchFamily="18" charset="0"/>
+              <a:ea typeface="宋体" panose="02010600030101010101" pitchFamily="2" charset="-122"/>
+            </a:endParaRPr>
+          </a:p>
+        </p:txBody>
+      </p:sp>
+      <p:sp>
+        <p:nvSpPr>
+          <p:cNvPr id="7" name="矩形 6">
+            <a:extLst>
+              <a:ext uri="{FF2B5EF4-FFF2-40B4-BE49-F238E27FC236}">
+                <a16:creationId xmlns:a16="http://schemas.microsoft.com/office/drawing/2014/main" id="{445569BB-8289-4221-8876-1F00684AF6C9}"/>
+              </a:ext>
+            </a:extLst>
+          </p:cNvPr>
+          <p:cNvSpPr/>
+          <p:nvPr/>
+        </p:nvSpPr>
+        <p:spPr bwMode="auto">
+          <a:xfrm>
+            <a:off x="1106309" y="2891593"/>
+            <a:ext cx="1912022" cy="393172"/>
+          </a:xfrm>
+          <a:prstGeom prst="rect">
+            <a:avLst/>
+          </a:prstGeom>
+          <a:noFill/>
+          <a:ln w="9525" cap="flat" cmpd="sng" algn="ctr">
+            <a:solidFill>
+              <a:schemeClr val="tx1"/>
+            </a:solidFill>
+            <a:prstDash val="solid"/>
+            <a:round/>
+            <a:headEnd type="none" w="med" len="med"/>
+            <a:tailEnd type="none" w="med" len="med"/>
+          </a:ln>
+          <a:effectLst/>
+        </p:spPr>
+        <p:txBody>
+          <a:bodyPr vert="horz" wrap="square" lIns="91440" tIns="45720" rIns="91440" bIns="45720" numCol="1" rtlCol="0" anchor="t" anchorCtr="0" compatLnSpc="1"/>
+          <a:lstStyle/>
+          <a:p>
+            <a:pPr marL="0" marR="0" indent="0" algn="ctr" defTabSz="914400" rtl="0" eaLnBrk="1" fontAlgn="base" latinLnBrk="0" hangingPunct="1">
+              <a:lnSpc>
+                <a:spcPct val="100000"/>
+              </a:lnSpc>
+              <a:spcBef>
+                <a:spcPct val="0"/>
+              </a:spcBef>
+              <a:spcAft>
+                <a:spcPct val="0"/>
+              </a:spcAft>
+              <a:buClrTx/>
+              <a:buSzTx/>
+              <a:buFontTx/>
+              <a:buNone/>
+            </a:pPr>
+            <a:r>
+              <a:rPr kumimoji="0" lang="zh-CN" altLang="en-US" b="0" i="0" u="none" strike="noStrike" cap="none" normalizeH="0" baseline="0" dirty="0">
+                <a:ln>
+                  <a:noFill/>
+                </a:ln>
+                <a:solidFill>
+                  <a:schemeClr val="tx1"/>
+                </a:solidFill>
+                <a:effectLst/>
+                <a:latin typeface="Times New Roman" panose="02020603050405020304" pitchFamily="18" charset="0"/>
+                <a:ea typeface="宋体" panose="02010600030101010101" pitchFamily="2" charset="-122"/>
+              </a:rPr>
+              <a:t>中文翻译为英文</a:t>
+            </a:r>
+          </a:p>
+        </p:txBody>
+      </p:sp>
+      <p:sp>
+        <p:nvSpPr>
+          <p:cNvPr id="8" name="矩形 7">
+            <a:extLst>
+              <a:ext uri="{FF2B5EF4-FFF2-40B4-BE49-F238E27FC236}">
+                <a16:creationId xmlns:a16="http://schemas.microsoft.com/office/drawing/2014/main" id="{05309F72-3E67-44AB-82D3-D213AF404B82}"/>
+              </a:ext>
+            </a:extLst>
+          </p:cNvPr>
+          <p:cNvSpPr/>
+          <p:nvPr/>
+        </p:nvSpPr>
+        <p:spPr bwMode="auto">
+          <a:xfrm>
+            <a:off x="3411750" y="4244699"/>
+            <a:ext cx="1850826" cy="351268"/>
+          </a:xfrm>
+          <a:prstGeom prst="rect">
+            <a:avLst/>
+          </a:prstGeom>
+          <a:noFill/>
+          <a:ln w="9525" cap="flat" cmpd="sng" algn="ctr">
+            <a:solidFill>
+              <a:schemeClr val="tx1"/>
+            </a:solidFill>
+            <a:prstDash val="solid"/>
+            <a:round/>
+            <a:headEnd type="none" w="med" len="med"/>
+            <a:tailEnd type="none" w="med" len="med"/>
+          </a:ln>
+          <a:effectLst/>
+        </p:spPr>
+        <p:txBody>
+          <a:bodyPr vert="horz" wrap="square" lIns="91440" tIns="45720" rIns="91440" bIns="45720" numCol="1" rtlCol="0" anchor="t" anchorCtr="0" compatLnSpc="1"/>
+          <a:lstStyle/>
+          <a:p>
+            <a:pPr marL="0" marR="0" indent="0" algn="ctr" defTabSz="914400" rtl="0" eaLnBrk="1" fontAlgn="base" latinLnBrk="0" hangingPunct="1">
+              <a:lnSpc>
+                <a:spcPct val="100000"/>
+              </a:lnSpc>
+              <a:spcBef>
+                <a:spcPct val="0"/>
+              </a:spcBef>
+              <a:spcAft>
+                <a:spcPct val="0"/>
+              </a:spcAft>
+              <a:buClrTx/>
+              <a:buSzTx/>
+              <a:buFontTx/>
+              <a:buNone/>
+            </a:pPr>
+            <a:r>
+              <a:rPr kumimoji="0" lang="en-US" altLang="zh-CN" b="0" i="0" u="none" strike="noStrike" cap="none" normalizeH="0" baseline="0" dirty="0">
+                <a:ln>
+                  <a:noFill/>
+                </a:ln>
+                <a:solidFill>
+                  <a:schemeClr val="tx1"/>
+                </a:solidFill>
+                <a:effectLst/>
+              </a:rPr>
+              <a:t>CNN</a:t>
+            </a:r>
+            <a:r>
+              <a:rPr kumimoji="0" lang="zh-CN" altLang="en-US" b="0" i="0" u="none" strike="noStrike" cap="none" normalizeH="0" baseline="0" dirty="0">
+                <a:ln>
+                  <a:noFill/>
+                </a:ln>
+                <a:solidFill>
+                  <a:schemeClr val="tx1"/>
+                </a:solidFill>
+                <a:effectLst/>
+              </a:rPr>
+              <a:t>字符级编码</a:t>
+            </a:r>
+          </a:p>
+        </p:txBody>
+      </p:sp>
+      <p:sp>
+        <p:nvSpPr>
+          <p:cNvPr id="9" name="矩形 8">
+            <a:extLst>
+              <a:ext uri="{FF2B5EF4-FFF2-40B4-BE49-F238E27FC236}">
+                <a16:creationId xmlns:a16="http://schemas.microsoft.com/office/drawing/2014/main" id="{258A49E7-DD37-4366-8582-B7EEF2ECC7DD}"/>
+              </a:ext>
+            </a:extLst>
+          </p:cNvPr>
+          <p:cNvSpPr/>
+          <p:nvPr/>
+        </p:nvSpPr>
+        <p:spPr bwMode="auto">
+          <a:xfrm>
+            <a:off x="3528918" y="3056752"/>
+            <a:ext cx="1688737" cy="307616"/>
+          </a:xfrm>
+          <a:prstGeom prst="rect">
+            <a:avLst/>
+          </a:prstGeom>
+          <a:noFill/>
+          <a:ln w="9525" cap="flat" cmpd="sng" algn="ctr">
+            <a:solidFill>
+              <a:schemeClr val="tx1"/>
+            </a:solidFill>
+            <a:prstDash val="solid"/>
+            <a:round/>
+            <a:headEnd type="none" w="med" len="med"/>
+            <a:tailEnd type="none" w="med" len="med"/>
+          </a:ln>
+          <a:effectLst/>
+        </p:spPr>
+        <p:txBody>
+          <a:bodyPr vert="horz" wrap="square" lIns="91440" tIns="45720" rIns="91440" bIns="45720" numCol="1" rtlCol="0" anchor="t" anchorCtr="0" compatLnSpc="1"/>
+          <a:lstStyle/>
+          <a:p>
+            <a:pPr marL="0" marR="0" indent="0" algn="ctr" defTabSz="914400" rtl="0" eaLnBrk="1" fontAlgn="base" latinLnBrk="0" hangingPunct="1">
+              <a:lnSpc>
+                <a:spcPct val="100000"/>
+              </a:lnSpc>
+              <a:spcBef>
+                <a:spcPct val="0"/>
+              </a:spcBef>
+              <a:spcAft>
+                <a:spcPct val="0"/>
+              </a:spcAft>
+              <a:buClrTx/>
+              <a:buSzTx/>
+              <a:buFontTx/>
+              <a:buNone/>
+            </a:pPr>
+            <a:r>
+              <a:rPr kumimoji="0" lang="en-US" altLang="zh-CN" b="0" i="0" u="none" strike="noStrike" cap="none" normalizeH="0" baseline="0" dirty="0" err="1">
+                <a:ln>
+                  <a:noFill/>
+                </a:ln>
+                <a:solidFill>
+                  <a:schemeClr val="tx1"/>
+                </a:solidFill>
+                <a:effectLst/>
+                <a:latin typeface="Times New Roman" panose="02020603050405020304" pitchFamily="18" charset="0"/>
+                <a:ea typeface="宋体" panose="02010600030101010101" pitchFamily="2" charset="-122"/>
+              </a:rPr>
+              <a:t>GloVe</a:t>
+            </a:r>
+            <a:r>
+              <a:rPr kumimoji="0" lang="zh-CN" altLang="en-US" b="0" i="0" u="none" strike="noStrike" cap="none" normalizeH="0" baseline="0" dirty="0">
+                <a:ln>
+                  <a:noFill/>
+                </a:ln>
+                <a:solidFill>
+                  <a:schemeClr val="tx1"/>
+                </a:solidFill>
+                <a:effectLst/>
+                <a:latin typeface="Times New Roman" panose="02020603050405020304" pitchFamily="18" charset="0"/>
+                <a:ea typeface="宋体" panose="02010600030101010101" pitchFamily="2" charset="-122"/>
+              </a:rPr>
+              <a:t>词级编码</a:t>
+            </a:r>
+          </a:p>
+        </p:txBody>
+      </p:sp>
+      <p:sp>
+        <p:nvSpPr>
+          <p:cNvPr id="10" name="圆角矩形 15">
+            <a:extLst>
+              <a:ext uri="{FF2B5EF4-FFF2-40B4-BE49-F238E27FC236}">
+                <a16:creationId xmlns:a16="http://schemas.microsoft.com/office/drawing/2014/main" id="{70B66491-C123-4AD5-A981-98F8821C647E}"/>
+              </a:ext>
+            </a:extLst>
+          </p:cNvPr>
+          <p:cNvSpPr/>
+          <p:nvPr/>
+        </p:nvSpPr>
+        <p:spPr bwMode="auto">
+          <a:xfrm>
+            <a:off x="8074795" y="1472206"/>
+            <a:ext cx="1800200" cy="596740"/>
+          </a:xfrm>
+          <a:prstGeom prst="roundRect">
+            <a:avLst/>
+          </a:prstGeom>
+          <a:noFill/>
+          <a:ln w="9525" cap="flat" cmpd="sng" algn="ctr">
+            <a:solidFill>
+              <a:schemeClr val="tx1"/>
+            </a:solidFill>
+            <a:prstDash val="solid"/>
+            <a:round/>
+            <a:headEnd type="none" w="med" len="med"/>
+            <a:tailEnd type="none" w="med" len="med"/>
+          </a:ln>
+          <a:effectLst/>
+        </p:spPr>
+        <p:txBody>
+          <a:bodyPr vert="horz" wrap="square" lIns="91440" tIns="45720" rIns="91440" bIns="45720" numCol="1" rtlCol="0" anchor="t" anchorCtr="0" compatLnSpc="1"/>
+          <a:lstStyle/>
+          <a:p>
+            <a:pPr marL="0" marR="0" indent="0" algn="ctr" defTabSz="914400" rtl="0" eaLnBrk="1" fontAlgn="base" latinLnBrk="0" hangingPunct="1">
+              <a:lnSpc>
+                <a:spcPct val="100000"/>
+              </a:lnSpc>
+              <a:spcBef>
+                <a:spcPct val="0"/>
+              </a:spcBef>
+              <a:spcAft>
+                <a:spcPct val="0"/>
+              </a:spcAft>
+              <a:buClrTx/>
+              <a:buSzTx/>
+              <a:buFontTx/>
+              <a:buNone/>
+            </a:pPr>
+            <a:r>
+              <a:rPr lang="zh-CN" altLang="en-US" dirty="0">
+                <a:latin typeface="Times New Roman" panose="02020603050405020304" pitchFamily="18" charset="0"/>
+                <a:ea typeface="宋体" panose="02010600030101010101" pitchFamily="2" charset="-122"/>
+              </a:rPr>
+              <a:t>问题与上下文融合表示</a:t>
+            </a:r>
+            <a:endParaRPr kumimoji="0" lang="zh-CN" altLang="en-US" b="0" i="0" u="none" strike="noStrike" cap="none" normalizeH="0" baseline="0" dirty="0">
+              <a:ln>
+                <a:noFill/>
+              </a:ln>
+              <a:solidFill>
+                <a:schemeClr val="tx1"/>
+              </a:solidFill>
+              <a:effectLst/>
+              <a:latin typeface="Times New Roman" panose="02020603050405020304" pitchFamily="18" charset="0"/>
+              <a:ea typeface="宋体" panose="02010600030101010101" pitchFamily="2" charset="-122"/>
+            </a:endParaRPr>
+          </a:p>
+        </p:txBody>
+      </p:sp>
+      <p:sp>
+        <p:nvSpPr>
+          <p:cNvPr id="11" name="椭圆 10">
+            <a:extLst>
+              <a:ext uri="{FF2B5EF4-FFF2-40B4-BE49-F238E27FC236}">
+                <a16:creationId xmlns:a16="http://schemas.microsoft.com/office/drawing/2014/main" id="{5CEB0793-F8C9-4299-87B3-16C8FD53FD90}"/>
+              </a:ext>
+            </a:extLst>
+          </p:cNvPr>
+          <p:cNvSpPr/>
+          <p:nvPr/>
+        </p:nvSpPr>
+        <p:spPr bwMode="auto">
+          <a:xfrm>
+            <a:off x="8074795" y="4133814"/>
+            <a:ext cx="1800200" cy="630070"/>
+          </a:xfrm>
+          <a:prstGeom prst="ellipse">
+            <a:avLst/>
+          </a:prstGeom>
+          <a:noFill/>
+          <a:ln w="9525" cap="flat" cmpd="sng" algn="ctr">
+            <a:solidFill>
+              <a:schemeClr val="tx1"/>
+            </a:solidFill>
+            <a:prstDash val="solid"/>
+            <a:round/>
+            <a:headEnd type="none" w="med" len="med"/>
+            <a:tailEnd type="none" w="med" len="med"/>
+          </a:ln>
+          <a:effectLst/>
+        </p:spPr>
+        <p:txBody>
+          <a:bodyPr vert="horz" wrap="square" lIns="91440" tIns="45720" rIns="91440" bIns="45720" numCol="1" rtlCol="0" anchor="t" anchorCtr="0" compatLnSpc="1"/>
+          <a:lstStyle/>
+          <a:p>
+            <a:pPr marL="0" marR="0" indent="0" algn="ctr" defTabSz="914400" rtl="0" eaLnBrk="1" fontAlgn="base" latinLnBrk="0" hangingPunct="1">
+              <a:lnSpc>
+                <a:spcPct val="100000"/>
+              </a:lnSpc>
+              <a:spcBef>
+                <a:spcPct val="0"/>
+              </a:spcBef>
+              <a:spcAft>
+                <a:spcPct val="0"/>
+              </a:spcAft>
+              <a:buClrTx/>
+              <a:buSzTx/>
+              <a:buFontTx/>
+              <a:buNone/>
+            </a:pPr>
+            <a:r>
+              <a:rPr kumimoji="0" lang="zh-CN" altLang="en-US" b="0" i="0" u="none" strike="noStrike" cap="none" normalizeH="0" baseline="0" dirty="0">
+                <a:ln>
+                  <a:noFill/>
+                </a:ln>
+                <a:solidFill>
+                  <a:schemeClr val="tx1"/>
+                </a:solidFill>
+                <a:effectLst/>
+                <a:latin typeface="Times New Roman" panose="02020603050405020304" pitchFamily="18" charset="0"/>
+                <a:ea typeface="宋体" panose="02010600030101010101" pitchFamily="2" charset="-122"/>
+              </a:rPr>
+              <a:t>评测结果</a:t>
+            </a:r>
+          </a:p>
+        </p:txBody>
+      </p:sp>
+      <p:sp>
+        <p:nvSpPr>
+          <p:cNvPr id="12" name="流程图: 磁盘 11">
+            <a:extLst>
+              <a:ext uri="{FF2B5EF4-FFF2-40B4-BE49-F238E27FC236}">
+                <a16:creationId xmlns:a16="http://schemas.microsoft.com/office/drawing/2014/main" id="{D6E1FED1-456C-421A-BA35-EC6499A15383}"/>
+              </a:ext>
+            </a:extLst>
+          </p:cNvPr>
+          <p:cNvSpPr/>
+          <p:nvPr/>
+        </p:nvSpPr>
+        <p:spPr bwMode="auto">
+          <a:xfrm>
+            <a:off x="1315482" y="3913200"/>
+            <a:ext cx="1512917" cy="1059042"/>
+          </a:xfrm>
+          <a:prstGeom prst="flowChartMagneticDisk">
+            <a:avLst/>
+          </a:prstGeom>
+          <a:noFill/>
+          <a:ln w="9525" cap="flat" cmpd="sng" algn="ctr">
+            <a:solidFill>
+              <a:schemeClr val="tx1"/>
+            </a:solidFill>
+            <a:prstDash val="solid"/>
+            <a:round/>
+            <a:headEnd type="none" w="med" len="med"/>
+            <a:tailEnd type="none" w="med" len="med"/>
+          </a:ln>
+          <a:effectLst/>
+        </p:spPr>
+        <p:txBody>
+          <a:bodyPr vert="horz" wrap="square" lIns="91440" tIns="45720" rIns="91440" bIns="45720" numCol="1" rtlCol="0" anchor="t" anchorCtr="0" compatLnSpc="1"/>
+          <a:lstStyle/>
+          <a:p>
+            <a:pPr marL="0" marR="0" indent="0" algn="ctr" defTabSz="914400" rtl="0" eaLnBrk="1" fontAlgn="base" latinLnBrk="0" hangingPunct="1">
+              <a:lnSpc>
+                <a:spcPct val="100000"/>
+              </a:lnSpc>
+              <a:spcBef>
+                <a:spcPct val="0"/>
+              </a:spcBef>
+              <a:spcAft>
+                <a:spcPct val="0"/>
+              </a:spcAft>
+              <a:buClrTx/>
+              <a:buSzTx/>
+              <a:buFontTx/>
+              <a:buNone/>
+            </a:pPr>
+            <a:r>
+              <a:rPr kumimoji="0" lang="zh-CN" altLang="en-US" b="0" i="0" u="none" strike="noStrike" cap="none" normalizeH="0" baseline="0" dirty="0">
+                <a:ln>
+                  <a:noFill/>
+                </a:ln>
+                <a:effectLst/>
+                <a:latin typeface="Times New Roman" panose="02020603050405020304" pitchFamily="18" charset="0"/>
+                <a:ea typeface="宋体" panose="02010600030101010101" pitchFamily="2" charset="-122"/>
+              </a:rPr>
+              <a:t>英文问答</a:t>
+            </a:r>
+            <a:endParaRPr kumimoji="0" lang="en-US" altLang="zh-CN" b="0" i="0" u="none" strike="noStrike" cap="none" normalizeH="0" baseline="0" dirty="0">
+              <a:ln>
+                <a:noFill/>
+              </a:ln>
+              <a:effectLst/>
+              <a:latin typeface="Times New Roman" panose="02020603050405020304" pitchFamily="18" charset="0"/>
+              <a:ea typeface="宋体" panose="02010600030101010101" pitchFamily="2" charset="-122"/>
+            </a:endParaRPr>
+          </a:p>
+          <a:p>
+            <a:pPr marL="0" marR="0" indent="0" algn="ctr" defTabSz="914400" rtl="0" eaLnBrk="1" fontAlgn="base" latinLnBrk="0" hangingPunct="1">
+              <a:lnSpc>
+                <a:spcPct val="100000"/>
+              </a:lnSpc>
+              <a:spcBef>
+                <a:spcPct val="0"/>
+              </a:spcBef>
+              <a:spcAft>
+                <a:spcPct val="0"/>
+              </a:spcAft>
+              <a:buClrTx/>
+              <a:buSzTx/>
+              <a:buFontTx/>
+              <a:buNone/>
+            </a:pPr>
+            <a:r>
+              <a:rPr kumimoji="0" lang="zh-CN" altLang="en-US" b="0" i="0" u="none" strike="noStrike" cap="none" normalizeH="0" baseline="0" dirty="0">
+                <a:ln>
+                  <a:noFill/>
+                </a:ln>
+                <a:effectLst/>
+                <a:latin typeface="Times New Roman" panose="02020603050405020304" pitchFamily="18" charset="0"/>
+                <a:ea typeface="宋体" panose="02010600030101010101" pitchFamily="2" charset="-122"/>
+              </a:rPr>
+              <a:t>文本</a:t>
+            </a:r>
+          </a:p>
+        </p:txBody>
+      </p:sp>
+      <p:sp>
+        <p:nvSpPr>
+          <p:cNvPr id="13" name="流程图: 磁盘 12">
+            <a:extLst>
+              <a:ext uri="{FF2B5EF4-FFF2-40B4-BE49-F238E27FC236}">
+                <a16:creationId xmlns:a16="http://schemas.microsoft.com/office/drawing/2014/main" id="{B4B759F3-CC30-471B-A065-6E01F119F556}"/>
+              </a:ext>
+            </a:extLst>
+          </p:cNvPr>
+          <p:cNvSpPr/>
+          <p:nvPr/>
+        </p:nvSpPr>
+        <p:spPr bwMode="auto">
+          <a:xfrm>
+            <a:off x="5866845" y="3940605"/>
+            <a:ext cx="1512917" cy="1059042"/>
+          </a:xfrm>
+          <a:prstGeom prst="flowChartMagneticDisk">
+            <a:avLst/>
+          </a:prstGeom>
+          <a:noFill/>
+          <a:ln w="9525" cap="flat" cmpd="sng" algn="ctr">
+            <a:solidFill>
+              <a:schemeClr val="tx1"/>
+            </a:solidFill>
+            <a:prstDash val="solid"/>
+            <a:round/>
+            <a:headEnd type="none" w="med" len="med"/>
+            <a:tailEnd type="none" w="med" len="med"/>
+          </a:ln>
+          <a:effectLst/>
+        </p:spPr>
+        <p:txBody>
+          <a:bodyPr vert="horz" wrap="square" lIns="91440" tIns="45720" rIns="91440" bIns="45720" numCol="1" rtlCol="0" anchor="t" anchorCtr="0" compatLnSpc="1"/>
+          <a:lstStyle/>
+          <a:p>
+            <a:pPr marL="0" marR="0" indent="0" algn="ctr" defTabSz="914400" rtl="0" eaLnBrk="1" fontAlgn="base" latinLnBrk="0" hangingPunct="1">
+              <a:lnSpc>
+                <a:spcPct val="100000"/>
+              </a:lnSpc>
+              <a:spcBef>
+                <a:spcPct val="0"/>
+              </a:spcBef>
+              <a:spcAft>
+                <a:spcPct val="0"/>
+              </a:spcAft>
+              <a:buClrTx/>
+              <a:buSzTx/>
+              <a:buFontTx/>
+              <a:buNone/>
+            </a:pPr>
+            <a:r>
+              <a:rPr kumimoji="0" lang="zh-CN" altLang="en-US" b="0" i="0" u="none" strike="noStrike" cap="none" normalizeH="0" baseline="0" dirty="0">
+                <a:ln>
+                  <a:noFill/>
+                </a:ln>
+                <a:effectLst/>
+                <a:latin typeface="Times New Roman" panose="02020603050405020304" pitchFamily="18" charset="0"/>
+                <a:ea typeface="宋体" panose="02010600030101010101" pitchFamily="2" charset="-122"/>
+              </a:rPr>
+              <a:t>测试集</a:t>
+            </a:r>
+          </a:p>
+        </p:txBody>
+      </p:sp>
+      <p:sp>
+        <p:nvSpPr>
+          <p:cNvPr id="14" name="流程图: 磁盘 13">
+            <a:extLst>
+              <a:ext uri="{FF2B5EF4-FFF2-40B4-BE49-F238E27FC236}">
+                <a16:creationId xmlns:a16="http://schemas.microsoft.com/office/drawing/2014/main" id="{934E12FD-D702-4D6C-AA69-88D84A9A89AD}"/>
+              </a:ext>
+            </a:extLst>
+          </p:cNvPr>
+          <p:cNvSpPr/>
+          <p:nvPr/>
+        </p:nvSpPr>
+        <p:spPr bwMode="auto">
+          <a:xfrm>
+            <a:off x="5887182" y="1140707"/>
+            <a:ext cx="1512917" cy="1059042"/>
+          </a:xfrm>
+          <a:prstGeom prst="flowChartMagneticDisk">
+            <a:avLst/>
+          </a:prstGeom>
+          <a:noFill/>
+          <a:ln w="9525" cap="flat" cmpd="sng" algn="ctr">
+            <a:solidFill>
+              <a:schemeClr val="tx1"/>
+            </a:solidFill>
+            <a:prstDash val="solid"/>
+            <a:round/>
+            <a:headEnd type="none" w="med" len="med"/>
+            <a:tailEnd type="none" w="med" len="med"/>
+          </a:ln>
+          <a:effectLst/>
+        </p:spPr>
+        <p:txBody>
+          <a:bodyPr vert="horz" wrap="square" lIns="91440" tIns="45720" rIns="91440" bIns="45720" numCol="1" rtlCol="0" anchor="t" anchorCtr="0" compatLnSpc="1"/>
+          <a:lstStyle/>
+          <a:p>
+            <a:pPr marL="0" marR="0" indent="0" algn="ctr" defTabSz="914400" rtl="0" eaLnBrk="1" fontAlgn="base" latinLnBrk="0" hangingPunct="1">
+              <a:lnSpc>
+                <a:spcPct val="100000"/>
+              </a:lnSpc>
+              <a:spcBef>
+                <a:spcPct val="0"/>
+              </a:spcBef>
+              <a:spcAft>
+                <a:spcPct val="0"/>
+              </a:spcAft>
+              <a:buClrTx/>
+              <a:buSzTx/>
+              <a:buFontTx/>
+              <a:buNone/>
+            </a:pPr>
+            <a:r>
+              <a:rPr lang="zh-CN" altLang="en-US" dirty="0">
+                <a:latin typeface="Times New Roman" panose="02020603050405020304" pitchFamily="18" charset="0"/>
+                <a:ea typeface="宋体" panose="02010600030101010101" pitchFamily="2" charset="-122"/>
+              </a:rPr>
+              <a:t>双向</a:t>
+            </a:r>
+            <a:r>
+              <a:rPr lang="en-US" altLang="zh-CN" dirty="0">
+                <a:latin typeface="Times New Roman" panose="02020603050405020304" pitchFamily="18" charset="0"/>
+                <a:ea typeface="宋体" panose="02010600030101010101" pitchFamily="2" charset="-122"/>
+              </a:rPr>
+              <a:t>Attention</a:t>
+            </a:r>
+            <a:r>
+              <a:rPr lang="zh-CN" altLang="en-US" dirty="0">
+                <a:latin typeface="Times New Roman" panose="02020603050405020304" pitchFamily="18" charset="0"/>
+                <a:ea typeface="宋体" panose="02010600030101010101" pitchFamily="2" charset="-122"/>
+              </a:rPr>
+              <a:t>计算</a:t>
+            </a:r>
+            <a:endParaRPr kumimoji="0" lang="zh-CN" altLang="en-US" b="0" i="0" u="none" strike="noStrike" cap="none" normalizeH="0" baseline="0" dirty="0">
+              <a:ln>
+                <a:noFill/>
+              </a:ln>
+              <a:effectLst/>
+              <a:latin typeface="Times New Roman" panose="02020603050405020304" pitchFamily="18" charset="0"/>
+              <a:ea typeface="宋体" panose="02010600030101010101" pitchFamily="2" charset="-122"/>
+            </a:endParaRPr>
+          </a:p>
+        </p:txBody>
+      </p:sp>
+      <p:sp>
+        <p:nvSpPr>
+          <p:cNvPr id="15" name="流程图: 磁盘 14">
+            <a:extLst>
+              <a:ext uri="{FF2B5EF4-FFF2-40B4-BE49-F238E27FC236}">
+                <a16:creationId xmlns:a16="http://schemas.microsoft.com/office/drawing/2014/main" id="{36028B41-D4C4-458B-9203-0641BA7E7614}"/>
+              </a:ext>
+            </a:extLst>
+          </p:cNvPr>
+          <p:cNvSpPr/>
+          <p:nvPr/>
+        </p:nvSpPr>
+        <p:spPr bwMode="auto">
+          <a:xfrm>
+            <a:off x="3528920" y="1140707"/>
+            <a:ext cx="1512917" cy="1059042"/>
+          </a:xfrm>
+          <a:prstGeom prst="flowChartMagneticDisk">
+            <a:avLst/>
+          </a:prstGeom>
+          <a:noFill/>
+          <a:ln w="9525" cap="flat" cmpd="sng" algn="ctr">
+            <a:solidFill>
+              <a:schemeClr val="tx1"/>
+            </a:solidFill>
+            <a:prstDash val="solid"/>
+            <a:round/>
+            <a:headEnd type="none" w="med" len="med"/>
+            <a:tailEnd type="none" w="med" len="med"/>
+          </a:ln>
+          <a:effectLst/>
+        </p:spPr>
+        <p:txBody>
+          <a:bodyPr vert="horz" wrap="square" lIns="91440" tIns="45720" rIns="91440" bIns="45720" numCol="1" rtlCol="0" anchor="t" anchorCtr="0" compatLnSpc="1"/>
+          <a:lstStyle/>
+          <a:p>
+            <a:pPr marL="0" marR="0" indent="0" algn="ctr" defTabSz="914400" rtl="0" eaLnBrk="1" fontAlgn="base" latinLnBrk="0" hangingPunct="1">
+              <a:lnSpc>
+                <a:spcPct val="100000"/>
+              </a:lnSpc>
+              <a:spcBef>
+                <a:spcPct val="0"/>
+              </a:spcBef>
+              <a:spcAft>
+                <a:spcPct val="0"/>
+              </a:spcAft>
+              <a:buClrTx/>
+              <a:buSzTx/>
+              <a:buFontTx/>
+              <a:buNone/>
+            </a:pPr>
+            <a:r>
+              <a:rPr kumimoji="0" lang="en-US" altLang="zh-CN" b="0" i="0" u="none" strike="noStrike" cap="none" normalizeH="0" baseline="0" dirty="0">
+                <a:ln>
+                  <a:noFill/>
+                </a:ln>
+                <a:effectLst/>
+                <a:latin typeface="Times New Roman" panose="02020603050405020304" pitchFamily="18" charset="0"/>
+                <a:ea typeface="宋体" panose="02010600030101010101" pitchFamily="2" charset="-122"/>
+              </a:rPr>
+              <a:t>LSTM</a:t>
+            </a:r>
+          </a:p>
+          <a:p>
+            <a:pPr marL="0" marR="0" indent="0" algn="ctr" defTabSz="914400" rtl="0" eaLnBrk="1" fontAlgn="base" latinLnBrk="0" hangingPunct="1">
+              <a:lnSpc>
+                <a:spcPct val="100000"/>
+              </a:lnSpc>
+              <a:spcBef>
+                <a:spcPct val="0"/>
+              </a:spcBef>
+              <a:spcAft>
+                <a:spcPct val="0"/>
+              </a:spcAft>
+              <a:buClrTx/>
+              <a:buSzTx/>
+              <a:buFontTx/>
+              <a:buNone/>
+            </a:pPr>
+            <a:r>
+              <a:rPr kumimoji="0" lang="zh-CN" altLang="en-US" b="0" i="0" u="none" strike="noStrike" cap="none" normalizeH="0" baseline="0" dirty="0">
+                <a:ln>
+                  <a:noFill/>
+                </a:ln>
+                <a:effectLst/>
+                <a:latin typeface="Times New Roman" panose="02020603050405020304" pitchFamily="18" charset="0"/>
+                <a:ea typeface="宋体" panose="02010600030101010101" pitchFamily="2" charset="-122"/>
+              </a:rPr>
+              <a:t>短语级编码</a:t>
+            </a:r>
+          </a:p>
+        </p:txBody>
+      </p:sp>
+      <p:sp>
+        <p:nvSpPr>
+          <p:cNvPr id="16" name="流程图: 磁盘 15">
+            <a:extLst>
+              <a:ext uri="{FF2B5EF4-FFF2-40B4-BE49-F238E27FC236}">
+                <a16:creationId xmlns:a16="http://schemas.microsoft.com/office/drawing/2014/main" id="{093F414D-D829-41C6-81B5-98CD4A53F17F}"/>
+              </a:ext>
+            </a:extLst>
+          </p:cNvPr>
+          <p:cNvSpPr/>
+          <p:nvPr/>
+        </p:nvSpPr>
+        <p:spPr bwMode="auto">
+          <a:xfrm>
+            <a:off x="1315484" y="1140707"/>
+            <a:ext cx="1512917" cy="1059042"/>
+          </a:xfrm>
+          <a:prstGeom prst="flowChartMagneticDisk">
+            <a:avLst/>
+          </a:prstGeom>
+          <a:noFill/>
+          <a:ln w="9525" cap="flat" cmpd="sng" algn="ctr">
+            <a:solidFill>
+              <a:schemeClr val="tx1"/>
+            </a:solidFill>
+            <a:prstDash val="solid"/>
+            <a:round/>
+            <a:headEnd type="none" w="med" len="med"/>
+            <a:tailEnd type="none" w="med" len="med"/>
+          </a:ln>
+          <a:effectLst/>
+        </p:spPr>
+        <p:txBody>
+          <a:bodyPr vert="horz" wrap="square" lIns="91440" tIns="45720" rIns="91440" bIns="45720" numCol="1" rtlCol="0" anchor="t" anchorCtr="0" compatLnSpc="1"/>
+          <a:lstStyle/>
+          <a:p>
+            <a:pPr marL="0" marR="0" indent="0" algn="ctr" defTabSz="914400" rtl="0" eaLnBrk="1" fontAlgn="base" latinLnBrk="0" hangingPunct="1">
+              <a:lnSpc>
+                <a:spcPct val="100000"/>
+              </a:lnSpc>
+              <a:spcBef>
+                <a:spcPct val="0"/>
+              </a:spcBef>
+              <a:spcAft>
+                <a:spcPct val="0"/>
+              </a:spcAft>
+              <a:buClrTx/>
+              <a:buSzTx/>
+              <a:buFontTx/>
+              <a:buNone/>
+            </a:pPr>
+            <a:r>
+              <a:rPr lang="zh-CN" altLang="en-US" dirty="0">
+                <a:latin typeface="Times New Roman" panose="02020603050405020304" pitchFamily="18" charset="0"/>
+                <a:ea typeface="宋体" panose="02010600030101010101" pitchFamily="2" charset="-122"/>
+              </a:rPr>
+              <a:t>中文问答</a:t>
+            </a:r>
+            <a:br>
+              <a:rPr lang="en-US" altLang="zh-CN" dirty="0">
+                <a:latin typeface="Times New Roman" panose="02020603050405020304" pitchFamily="18" charset="0"/>
+                <a:ea typeface="宋体" panose="02010600030101010101" pitchFamily="2" charset="-122"/>
+              </a:rPr>
+            </a:br>
+            <a:r>
+              <a:rPr kumimoji="0" lang="zh-CN" altLang="en-US" b="0" i="0" u="none" strike="noStrike" cap="none" normalizeH="0" baseline="0" dirty="0">
+                <a:ln>
+                  <a:noFill/>
+                </a:ln>
+                <a:effectLst/>
+                <a:latin typeface="Times New Roman" panose="02020603050405020304" pitchFamily="18" charset="0"/>
+                <a:ea typeface="宋体" panose="02010600030101010101" pitchFamily="2" charset="-122"/>
+              </a:rPr>
+              <a:t>文本</a:t>
+            </a:r>
+          </a:p>
+        </p:txBody>
+      </p:sp>
+      <p:sp>
+        <p:nvSpPr>
+          <p:cNvPr id="17" name="下箭头 27">
+            <a:extLst>
+              <a:ext uri="{FF2B5EF4-FFF2-40B4-BE49-F238E27FC236}">
+                <a16:creationId xmlns:a16="http://schemas.microsoft.com/office/drawing/2014/main" id="{1B3AC822-5536-4ABD-A11B-D6D43A5BE0F9}"/>
+              </a:ext>
+            </a:extLst>
+          </p:cNvPr>
+          <p:cNvSpPr/>
+          <p:nvPr/>
+        </p:nvSpPr>
+        <p:spPr bwMode="auto">
+          <a:xfrm>
+            <a:off x="1900303" y="3356773"/>
+            <a:ext cx="324036" cy="494634"/>
+          </a:xfrm>
+          <a:prstGeom prst="downArrow">
+            <a:avLst/>
+          </a:prstGeom>
+          <a:noFill/>
+          <a:ln w="9525" cap="flat" cmpd="sng" algn="ctr">
+            <a:solidFill>
+              <a:schemeClr val="tx1"/>
+            </a:solidFill>
+            <a:prstDash val="solid"/>
+            <a:round/>
+            <a:headEnd type="none" w="med" len="med"/>
+            <a:tailEnd type="none" w="med" len="med"/>
+          </a:ln>
+          <a:effectLst/>
+        </p:spPr>
+        <p:txBody>
+          <a:bodyPr vert="horz" wrap="square" lIns="91440" tIns="45720" rIns="91440" bIns="45720" numCol="1" rtlCol="0" anchor="t" anchorCtr="0" compatLnSpc="1"/>
+          <a:lstStyle/>
+          <a:p>
+            <a:pPr marL="0" marR="0" indent="0" algn="l" defTabSz="914400" rtl="0" eaLnBrk="1" fontAlgn="base" latinLnBrk="0" hangingPunct="1">
+              <a:lnSpc>
+                <a:spcPct val="100000"/>
+              </a:lnSpc>
+              <a:spcBef>
+                <a:spcPct val="0"/>
+              </a:spcBef>
+              <a:spcAft>
+                <a:spcPct val="0"/>
+              </a:spcAft>
+              <a:buClrTx/>
+              <a:buSzTx/>
+              <a:buFontTx/>
+              <a:buNone/>
+            </a:pPr>
+            <a:endParaRPr kumimoji="0" lang="zh-CN" altLang="en-US" b="0" i="0" u="none" strike="noStrike" cap="none" normalizeH="0" baseline="0">
+              <a:ln>
+                <a:noFill/>
+              </a:ln>
+              <a:solidFill>
+                <a:schemeClr val="tx1"/>
+              </a:solidFill>
+              <a:effectLst/>
+              <a:latin typeface="Times New Roman" panose="02020603050405020304" pitchFamily="18" charset="0"/>
+              <a:ea typeface="宋体" panose="02010600030101010101" pitchFamily="2" charset="-122"/>
+            </a:endParaRPr>
+          </a:p>
+        </p:txBody>
+      </p:sp>
+      <p:sp>
+        <p:nvSpPr>
+          <p:cNvPr id="18" name="上箭头 28">
+            <a:extLst>
+              <a:ext uri="{FF2B5EF4-FFF2-40B4-BE49-F238E27FC236}">
+                <a16:creationId xmlns:a16="http://schemas.microsoft.com/office/drawing/2014/main" id="{28821368-1F69-442E-B933-EEA7281D7175}"/>
+              </a:ext>
+            </a:extLst>
+          </p:cNvPr>
+          <p:cNvSpPr/>
+          <p:nvPr/>
+        </p:nvSpPr>
+        <p:spPr bwMode="auto">
+          <a:xfrm>
+            <a:off x="4141362" y="3515296"/>
+            <a:ext cx="288032" cy="672221"/>
+          </a:xfrm>
+          <a:prstGeom prst="upArrow">
+            <a:avLst/>
+          </a:prstGeom>
+          <a:noFill/>
+          <a:ln w="9525" cap="flat" cmpd="sng" algn="ctr">
+            <a:solidFill>
+              <a:schemeClr val="tx1"/>
+            </a:solidFill>
+            <a:prstDash val="solid"/>
+            <a:round/>
+            <a:headEnd type="none" w="med" len="med"/>
+            <a:tailEnd type="none" w="med" len="med"/>
+          </a:ln>
+          <a:effectLst/>
+        </p:spPr>
+        <p:txBody>
+          <a:bodyPr vert="horz" wrap="square" lIns="91440" tIns="45720" rIns="91440" bIns="45720" numCol="1" rtlCol="0" anchor="t" anchorCtr="0" compatLnSpc="1"/>
+          <a:lstStyle/>
+          <a:p>
+            <a:pPr marL="0" marR="0" indent="0" algn="l" defTabSz="914400" rtl="0" eaLnBrk="1" fontAlgn="base" latinLnBrk="0" hangingPunct="1">
+              <a:lnSpc>
+                <a:spcPct val="100000"/>
+              </a:lnSpc>
+              <a:spcBef>
+                <a:spcPct val="0"/>
+              </a:spcBef>
+              <a:spcAft>
+                <a:spcPct val="0"/>
+              </a:spcAft>
+              <a:buClrTx/>
+              <a:buSzTx/>
+              <a:buFontTx/>
+              <a:buNone/>
+            </a:pPr>
+            <a:endParaRPr kumimoji="0" lang="zh-CN" altLang="en-US" sz="2000" b="0" i="0" u="none" strike="noStrike" cap="none" normalizeH="0" baseline="0">
+              <a:ln>
+                <a:noFill/>
+              </a:ln>
+              <a:solidFill>
+                <a:schemeClr val="tx1"/>
+              </a:solidFill>
+              <a:effectLst/>
+              <a:latin typeface="Times New Roman" panose="02020603050405020304" pitchFamily="18" charset="0"/>
+              <a:ea typeface="宋体" panose="02010600030101010101" pitchFamily="2" charset="-122"/>
+            </a:endParaRPr>
+          </a:p>
+        </p:txBody>
+      </p:sp>
+      <p:sp>
+        <p:nvSpPr>
+          <p:cNvPr id="19" name="上箭头 29">
+            <a:extLst>
+              <a:ext uri="{FF2B5EF4-FFF2-40B4-BE49-F238E27FC236}">
+                <a16:creationId xmlns:a16="http://schemas.microsoft.com/office/drawing/2014/main" id="{531952FA-6039-4AC2-A710-947130643AA3}"/>
+              </a:ext>
+            </a:extLst>
+          </p:cNvPr>
+          <p:cNvSpPr/>
+          <p:nvPr/>
+        </p:nvSpPr>
+        <p:spPr bwMode="auto">
+          <a:xfrm>
+            <a:off x="4141362" y="2242484"/>
+            <a:ext cx="288032" cy="722538"/>
+          </a:xfrm>
+          <a:prstGeom prst="upArrow">
+            <a:avLst/>
+          </a:prstGeom>
+          <a:noFill/>
+          <a:ln w="9525" cap="flat" cmpd="sng" algn="ctr">
+            <a:solidFill>
+              <a:schemeClr val="tx1"/>
+            </a:solidFill>
+            <a:prstDash val="solid"/>
+            <a:round/>
+            <a:headEnd type="none" w="med" len="med"/>
+            <a:tailEnd type="none" w="med" len="med"/>
+          </a:ln>
+          <a:effectLst/>
+        </p:spPr>
+        <p:txBody>
+          <a:bodyPr vert="horz" wrap="square" lIns="91440" tIns="45720" rIns="91440" bIns="45720" numCol="1" rtlCol="0" anchor="t" anchorCtr="0" compatLnSpc="1"/>
+          <a:lstStyle/>
+          <a:p>
+            <a:pPr marL="0" marR="0" indent="0" algn="l" defTabSz="914400" rtl="0" eaLnBrk="1" fontAlgn="base" latinLnBrk="0" hangingPunct="1">
+              <a:lnSpc>
+                <a:spcPct val="100000"/>
+              </a:lnSpc>
+              <a:spcBef>
+                <a:spcPct val="0"/>
+              </a:spcBef>
+              <a:spcAft>
+                <a:spcPct val="0"/>
+              </a:spcAft>
+              <a:buClrTx/>
+              <a:buSzTx/>
+              <a:buFontTx/>
+              <a:buNone/>
+            </a:pPr>
+            <a:endParaRPr kumimoji="0" lang="zh-CN" altLang="en-US" sz="2000" b="0" i="0" u="none" strike="noStrike" cap="none" normalizeH="0" baseline="0">
+              <a:ln>
+                <a:noFill/>
+              </a:ln>
+              <a:solidFill>
+                <a:schemeClr val="tx1"/>
+              </a:solidFill>
+              <a:effectLst/>
+              <a:latin typeface="Times New Roman" panose="02020603050405020304" pitchFamily="18" charset="0"/>
+              <a:ea typeface="宋体" panose="02010600030101010101" pitchFamily="2" charset="-122"/>
+            </a:endParaRPr>
+          </a:p>
+        </p:txBody>
+      </p:sp>
+      <p:sp>
+        <p:nvSpPr>
+          <p:cNvPr id="20" name="右箭头 30">
+            <a:extLst>
+              <a:ext uri="{FF2B5EF4-FFF2-40B4-BE49-F238E27FC236}">
+                <a16:creationId xmlns:a16="http://schemas.microsoft.com/office/drawing/2014/main" id="{E95B3CD5-22BC-43BE-9B1E-C7307A55C9FF}"/>
+              </a:ext>
+            </a:extLst>
+          </p:cNvPr>
+          <p:cNvSpPr/>
+          <p:nvPr/>
+        </p:nvSpPr>
+        <p:spPr bwMode="auto">
+          <a:xfrm>
+            <a:off x="2983799" y="4341404"/>
+            <a:ext cx="402523" cy="267469"/>
+          </a:xfrm>
+          <a:prstGeom prst="rightArrow">
+            <a:avLst/>
+          </a:prstGeom>
+          <a:noFill/>
+          <a:ln w="9525" cap="flat" cmpd="sng" algn="ctr">
+            <a:solidFill>
+              <a:schemeClr val="tx1"/>
+            </a:solidFill>
+            <a:prstDash val="solid"/>
+            <a:round/>
+            <a:headEnd type="none" w="med" len="med"/>
+            <a:tailEnd type="none" w="med" len="med"/>
+          </a:ln>
+          <a:effectLst/>
+        </p:spPr>
+        <p:txBody>
+          <a:bodyPr vert="horz" wrap="square" lIns="91440" tIns="45720" rIns="91440" bIns="45720" numCol="1" rtlCol="0" anchor="t" anchorCtr="0" compatLnSpc="1"/>
+          <a:lstStyle/>
+          <a:p>
+            <a:pPr marL="0" marR="0" indent="0" algn="l" defTabSz="914400" rtl="0" eaLnBrk="1" fontAlgn="base" latinLnBrk="0" hangingPunct="1">
+              <a:lnSpc>
+                <a:spcPct val="100000"/>
+              </a:lnSpc>
+              <a:spcBef>
+                <a:spcPct val="0"/>
+              </a:spcBef>
+              <a:spcAft>
+                <a:spcPct val="0"/>
+              </a:spcAft>
+              <a:buClrTx/>
+              <a:buSzTx/>
+              <a:buFontTx/>
+              <a:buNone/>
+            </a:pPr>
+            <a:endParaRPr kumimoji="0" lang="zh-CN" altLang="en-US" sz="2000" b="0" i="0" u="none" strike="noStrike" cap="none" normalizeH="0" baseline="0">
+              <a:ln>
+                <a:noFill/>
+              </a:ln>
+              <a:solidFill>
+                <a:schemeClr val="tx1"/>
+              </a:solidFill>
+              <a:effectLst/>
+              <a:latin typeface="Times New Roman" panose="02020603050405020304" pitchFamily="18" charset="0"/>
+              <a:ea typeface="宋体" panose="02010600030101010101" pitchFamily="2" charset="-122"/>
+            </a:endParaRPr>
+          </a:p>
+        </p:txBody>
+      </p:sp>
+      <p:sp>
+        <p:nvSpPr>
+          <p:cNvPr id="21" name="右箭头 31">
+            <a:extLst>
+              <a:ext uri="{FF2B5EF4-FFF2-40B4-BE49-F238E27FC236}">
+                <a16:creationId xmlns:a16="http://schemas.microsoft.com/office/drawing/2014/main" id="{C7BC66F6-E73D-4342-8BD8-B05885DE27CE}"/>
+              </a:ext>
+            </a:extLst>
+          </p:cNvPr>
+          <p:cNvSpPr/>
+          <p:nvPr/>
+        </p:nvSpPr>
+        <p:spPr bwMode="auto">
+          <a:xfrm>
+            <a:off x="5353924" y="1531480"/>
+            <a:ext cx="416163" cy="277493"/>
+          </a:xfrm>
+          <a:prstGeom prst="rightArrow">
+            <a:avLst/>
+          </a:prstGeom>
+          <a:noFill/>
+          <a:ln w="9525" cap="flat" cmpd="sng" algn="ctr">
+            <a:solidFill>
+              <a:schemeClr val="tx1"/>
+            </a:solidFill>
+            <a:prstDash val="solid"/>
+            <a:round/>
+            <a:headEnd type="none" w="med" len="med"/>
+            <a:tailEnd type="none" w="med" len="med"/>
+          </a:ln>
+          <a:effectLst/>
+        </p:spPr>
+        <p:txBody>
+          <a:bodyPr vert="horz" wrap="square" lIns="91440" tIns="45720" rIns="91440" bIns="45720" numCol="1" rtlCol="0" anchor="t" anchorCtr="0" compatLnSpc="1"/>
+          <a:lstStyle/>
+          <a:p>
+            <a:pPr marL="0" marR="0" indent="0" algn="l" defTabSz="914400" rtl="0" eaLnBrk="1" fontAlgn="base" latinLnBrk="0" hangingPunct="1">
+              <a:lnSpc>
+                <a:spcPct val="100000"/>
+              </a:lnSpc>
+              <a:spcBef>
+                <a:spcPct val="0"/>
+              </a:spcBef>
+              <a:spcAft>
+                <a:spcPct val="0"/>
+              </a:spcAft>
+              <a:buClrTx/>
+              <a:buSzTx/>
+              <a:buFontTx/>
+              <a:buNone/>
+            </a:pPr>
+            <a:endParaRPr kumimoji="0" lang="zh-CN" altLang="en-US" sz="2000" b="0" i="0" u="none" strike="noStrike" cap="none" normalizeH="0" baseline="0">
+              <a:ln>
+                <a:noFill/>
+              </a:ln>
+              <a:solidFill>
+                <a:schemeClr val="tx1"/>
+              </a:solidFill>
+              <a:effectLst/>
+              <a:latin typeface="Times New Roman" panose="02020603050405020304" pitchFamily="18" charset="0"/>
+              <a:ea typeface="宋体" panose="02010600030101010101" pitchFamily="2" charset="-122"/>
+            </a:endParaRPr>
+          </a:p>
+        </p:txBody>
+      </p:sp>
+      <p:sp>
+        <p:nvSpPr>
+          <p:cNvPr id="23" name="右箭头 33">
+            <a:extLst>
+              <a:ext uri="{FF2B5EF4-FFF2-40B4-BE49-F238E27FC236}">
+                <a16:creationId xmlns:a16="http://schemas.microsoft.com/office/drawing/2014/main" id="{4ECC15AD-90DE-440D-A017-207A67DED44F}"/>
+              </a:ext>
+            </a:extLst>
+          </p:cNvPr>
+          <p:cNvSpPr/>
+          <p:nvPr/>
+        </p:nvSpPr>
+        <p:spPr bwMode="auto">
+          <a:xfrm>
+            <a:off x="7467514" y="1545134"/>
+            <a:ext cx="535274" cy="277493"/>
+          </a:xfrm>
+          <a:prstGeom prst="rightArrow">
+            <a:avLst/>
+          </a:prstGeom>
+          <a:noFill/>
+          <a:ln w="9525" cap="flat" cmpd="sng" algn="ctr">
+            <a:solidFill>
+              <a:schemeClr val="tx1"/>
+            </a:solidFill>
+            <a:prstDash val="solid"/>
+            <a:round/>
+            <a:headEnd type="none" w="med" len="med"/>
+            <a:tailEnd type="none" w="med" len="med"/>
+          </a:ln>
+          <a:effectLst/>
+        </p:spPr>
+        <p:txBody>
+          <a:bodyPr vert="horz" wrap="square" lIns="91440" tIns="45720" rIns="91440" bIns="45720" numCol="1" rtlCol="0" anchor="t" anchorCtr="0" compatLnSpc="1"/>
+          <a:lstStyle/>
+          <a:p>
+            <a:pPr marL="0" marR="0" indent="0" algn="l" defTabSz="914400" rtl="0" eaLnBrk="1" fontAlgn="base" latinLnBrk="0" hangingPunct="1">
+              <a:lnSpc>
+                <a:spcPct val="100000"/>
+              </a:lnSpc>
+              <a:spcBef>
+                <a:spcPct val="0"/>
+              </a:spcBef>
+              <a:spcAft>
+                <a:spcPct val="0"/>
+              </a:spcAft>
+              <a:buClrTx/>
+              <a:buSzTx/>
+              <a:buFontTx/>
+              <a:buNone/>
+            </a:pPr>
+            <a:endParaRPr kumimoji="0" lang="zh-CN" altLang="en-US" sz="2000" b="0" i="0" u="none" strike="noStrike" cap="none" normalizeH="0" baseline="0">
+              <a:ln>
+                <a:noFill/>
+              </a:ln>
+              <a:solidFill>
+                <a:schemeClr val="tx1"/>
+              </a:solidFill>
+              <a:effectLst/>
+              <a:latin typeface="Times New Roman" panose="02020603050405020304" pitchFamily="18" charset="0"/>
+              <a:ea typeface="宋体" panose="02010600030101010101" pitchFamily="2" charset="-122"/>
+            </a:endParaRPr>
+          </a:p>
+        </p:txBody>
+      </p:sp>
+      <p:sp>
+        <p:nvSpPr>
+          <p:cNvPr id="24" name="缺角矩形 23">
+            <a:extLst>
+              <a:ext uri="{FF2B5EF4-FFF2-40B4-BE49-F238E27FC236}">
+                <a16:creationId xmlns:a16="http://schemas.microsoft.com/office/drawing/2014/main" id="{AAEEE8A9-6072-45F9-BE56-36D5634564E1}"/>
+              </a:ext>
+            </a:extLst>
+          </p:cNvPr>
+          <p:cNvSpPr/>
+          <p:nvPr/>
+        </p:nvSpPr>
+        <p:spPr bwMode="auto">
+          <a:xfrm>
+            <a:off x="8244029" y="2595979"/>
+            <a:ext cx="1968882" cy="504056"/>
+          </a:xfrm>
+          <a:prstGeom prst="plaque">
+            <a:avLst/>
+          </a:prstGeom>
+          <a:noFill/>
+          <a:ln w="9525" cap="flat" cmpd="sng" algn="ctr">
+            <a:solidFill>
+              <a:schemeClr val="tx1"/>
+            </a:solidFill>
+            <a:prstDash val="solid"/>
+            <a:round/>
+            <a:headEnd type="none" w="med" len="med"/>
+            <a:tailEnd type="none" w="med" len="med"/>
+          </a:ln>
+          <a:effectLst/>
+        </p:spPr>
+        <p:txBody>
+          <a:bodyPr vert="horz" wrap="square" lIns="91440" tIns="45720" rIns="91440" bIns="45720" numCol="1" rtlCol="0" anchor="t" anchorCtr="0" compatLnSpc="1"/>
+          <a:lstStyle/>
+          <a:p>
+            <a:pPr marL="0" marR="0" indent="0" algn="ctr" defTabSz="914400" rtl="0" eaLnBrk="1" fontAlgn="base" latinLnBrk="0" hangingPunct="1">
+              <a:lnSpc>
+                <a:spcPct val="100000"/>
+              </a:lnSpc>
+              <a:spcBef>
+                <a:spcPct val="0"/>
+              </a:spcBef>
+              <a:spcAft>
+                <a:spcPct val="0"/>
+              </a:spcAft>
+              <a:buClrTx/>
+              <a:buSzTx/>
+              <a:buFontTx/>
+              <a:buNone/>
+            </a:pPr>
+            <a:r>
+              <a:rPr lang="zh-CN" altLang="en-US" sz="2000" dirty="0">
+                <a:latin typeface="Times New Roman" panose="02020603050405020304" pitchFamily="18" charset="0"/>
+                <a:ea typeface="宋体" panose="02010600030101010101" pitchFamily="2" charset="-122"/>
+              </a:rPr>
+              <a:t>答案位置预测</a:t>
+            </a:r>
+            <a:endParaRPr kumimoji="0" lang="zh-CN" altLang="en-US" sz="2000" b="0" i="0" u="none" strike="noStrike" cap="none" normalizeH="0" baseline="0" dirty="0">
+              <a:ln>
+                <a:noFill/>
+              </a:ln>
+              <a:solidFill>
+                <a:schemeClr val="tx1"/>
+              </a:solidFill>
+              <a:effectLst/>
+              <a:latin typeface="Times New Roman" panose="02020603050405020304" pitchFamily="18" charset="0"/>
+              <a:ea typeface="宋体" panose="02010600030101010101" pitchFamily="2" charset="-122"/>
+            </a:endParaRPr>
+          </a:p>
+        </p:txBody>
+      </p:sp>
+      <p:sp>
+        <p:nvSpPr>
+          <p:cNvPr id="25" name="下箭头 35">
+            <a:extLst>
+              <a:ext uri="{FF2B5EF4-FFF2-40B4-BE49-F238E27FC236}">
+                <a16:creationId xmlns:a16="http://schemas.microsoft.com/office/drawing/2014/main" id="{5B8FFA2B-30EF-4D0E-9174-38A0D011A751}"/>
+              </a:ext>
+            </a:extLst>
+          </p:cNvPr>
+          <p:cNvSpPr/>
+          <p:nvPr/>
+        </p:nvSpPr>
+        <p:spPr bwMode="auto">
+          <a:xfrm>
+            <a:off x="8812877" y="2199748"/>
+            <a:ext cx="249843" cy="315201"/>
+          </a:xfrm>
+          <a:prstGeom prst="downArrow">
+            <a:avLst/>
+          </a:prstGeom>
+          <a:noFill/>
+          <a:ln w="9525" cap="flat" cmpd="sng" algn="ctr">
+            <a:solidFill>
+              <a:schemeClr val="tx1"/>
+            </a:solidFill>
+            <a:prstDash val="solid"/>
+            <a:round/>
+            <a:headEnd type="none" w="med" len="med"/>
+            <a:tailEnd type="none" w="med" len="med"/>
+          </a:ln>
+          <a:effectLst/>
+        </p:spPr>
+        <p:txBody>
+          <a:bodyPr vert="horz" wrap="square" lIns="91440" tIns="45720" rIns="91440" bIns="45720" numCol="1" rtlCol="0" anchor="t" anchorCtr="0" compatLnSpc="1"/>
+          <a:lstStyle/>
+          <a:p>
+            <a:pPr marL="0" marR="0" indent="0" algn="l" defTabSz="914400" rtl="0" eaLnBrk="1" fontAlgn="base" latinLnBrk="0" hangingPunct="1">
+              <a:lnSpc>
+                <a:spcPct val="100000"/>
+              </a:lnSpc>
+              <a:spcBef>
+                <a:spcPct val="0"/>
+              </a:spcBef>
+              <a:spcAft>
+                <a:spcPct val="0"/>
+              </a:spcAft>
+              <a:buClrTx/>
+              <a:buSzTx/>
+              <a:buFontTx/>
+              <a:buNone/>
+            </a:pPr>
+            <a:endParaRPr kumimoji="0" lang="zh-CN" altLang="en-US" b="0" i="0" u="none" strike="noStrike" cap="none" normalizeH="0" baseline="0">
+              <a:ln>
+                <a:noFill/>
+              </a:ln>
+              <a:solidFill>
+                <a:schemeClr val="tx1"/>
+              </a:solidFill>
+              <a:effectLst/>
+              <a:latin typeface="Times New Roman" panose="02020603050405020304" pitchFamily="18" charset="0"/>
+              <a:ea typeface="宋体" panose="02010600030101010101" pitchFamily="2" charset="-122"/>
+            </a:endParaRPr>
+          </a:p>
+        </p:txBody>
+      </p:sp>
+      <p:sp>
+        <p:nvSpPr>
+          <p:cNvPr id="26" name="右箭头 36">
+            <a:extLst>
+              <a:ext uri="{FF2B5EF4-FFF2-40B4-BE49-F238E27FC236}">
+                <a16:creationId xmlns:a16="http://schemas.microsoft.com/office/drawing/2014/main" id="{90B6AC64-CA9B-45F5-98BB-EB38DB329FBC}"/>
+              </a:ext>
+            </a:extLst>
+          </p:cNvPr>
+          <p:cNvSpPr/>
+          <p:nvPr/>
+        </p:nvSpPr>
+        <p:spPr bwMode="auto">
+          <a:xfrm>
+            <a:off x="7496324" y="4331379"/>
+            <a:ext cx="535274" cy="277493"/>
+          </a:xfrm>
+          <a:prstGeom prst="rightArrow">
+            <a:avLst/>
+          </a:prstGeom>
+          <a:noFill/>
+          <a:ln w="9525" cap="flat" cmpd="sng" algn="ctr">
+            <a:solidFill>
+              <a:schemeClr val="tx1"/>
+            </a:solidFill>
+            <a:prstDash val="solid"/>
+            <a:round/>
+            <a:headEnd type="none" w="med" len="med"/>
+            <a:tailEnd type="none" w="med" len="med"/>
+          </a:ln>
+          <a:effectLst/>
+        </p:spPr>
+        <p:txBody>
+          <a:bodyPr vert="horz" wrap="square" lIns="91440" tIns="45720" rIns="91440" bIns="45720" numCol="1" rtlCol="0" anchor="t" anchorCtr="0" compatLnSpc="1"/>
+          <a:lstStyle/>
+          <a:p>
+            <a:pPr marL="0" marR="0" indent="0" algn="l" defTabSz="914400" rtl="0" eaLnBrk="1" fontAlgn="base" latinLnBrk="0" hangingPunct="1">
+              <a:lnSpc>
+                <a:spcPct val="100000"/>
+              </a:lnSpc>
+              <a:spcBef>
+                <a:spcPct val="0"/>
+              </a:spcBef>
+              <a:spcAft>
+                <a:spcPct val="0"/>
+              </a:spcAft>
+              <a:buClrTx/>
+              <a:buSzTx/>
+              <a:buFontTx/>
+              <a:buNone/>
+            </a:pPr>
+            <a:endParaRPr kumimoji="0" lang="zh-CN" altLang="en-US" sz="2000" b="0" i="0" u="none" strike="noStrike" cap="none" normalizeH="0" baseline="0">
+              <a:ln>
+                <a:noFill/>
+              </a:ln>
+              <a:solidFill>
+                <a:schemeClr val="tx1"/>
+              </a:solidFill>
+              <a:effectLst/>
+              <a:latin typeface="Times New Roman" panose="02020603050405020304" pitchFamily="18" charset="0"/>
+              <a:ea typeface="宋体" panose="02010600030101010101" pitchFamily="2" charset="-122"/>
+            </a:endParaRPr>
+          </a:p>
+        </p:txBody>
+      </p:sp>
+      <p:sp>
+        <p:nvSpPr>
+          <p:cNvPr id="27" name="下箭头 37">
+            <a:extLst>
+              <a:ext uri="{FF2B5EF4-FFF2-40B4-BE49-F238E27FC236}">
+                <a16:creationId xmlns:a16="http://schemas.microsoft.com/office/drawing/2014/main" id="{BD9E6CE4-8BC6-4BEB-8F48-90392836DDBF}"/>
+              </a:ext>
+            </a:extLst>
+          </p:cNvPr>
+          <p:cNvSpPr/>
+          <p:nvPr/>
+        </p:nvSpPr>
+        <p:spPr bwMode="auto">
+          <a:xfrm>
+            <a:off x="8812877" y="3302844"/>
+            <a:ext cx="324036" cy="548562"/>
+          </a:xfrm>
+          <a:prstGeom prst="downArrow">
+            <a:avLst/>
+          </a:prstGeom>
+          <a:noFill/>
+          <a:ln w="9525" cap="flat" cmpd="sng" algn="ctr">
+            <a:solidFill>
+              <a:schemeClr val="tx1"/>
+            </a:solidFill>
+            <a:prstDash val="solid"/>
+            <a:round/>
+            <a:headEnd type="none" w="med" len="med"/>
+            <a:tailEnd type="none" w="med" len="med"/>
+          </a:ln>
+          <a:effectLst/>
+        </p:spPr>
+        <p:txBody>
+          <a:bodyPr vert="horz" wrap="square" lIns="91440" tIns="45720" rIns="91440" bIns="45720" numCol="1" rtlCol="0" anchor="t" anchorCtr="0" compatLnSpc="1"/>
+          <a:lstStyle/>
+          <a:p>
+            <a:pPr marL="0" marR="0" indent="0" algn="l" defTabSz="914400" rtl="0" eaLnBrk="1" fontAlgn="base" latinLnBrk="0" hangingPunct="1">
+              <a:lnSpc>
+                <a:spcPct val="100000"/>
+              </a:lnSpc>
+              <a:spcBef>
+                <a:spcPct val="0"/>
+              </a:spcBef>
+              <a:spcAft>
+                <a:spcPct val="0"/>
+              </a:spcAft>
+              <a:buClrTx/>
+              <a:buSzTx/>
+              <a:buFontTx/>
+              <a:buNone/>
+            </a:pPr>
+            <a:endParaRPr kumimoji="0" lang="zh-CN" altLang="en-US" b="0" i="0" u="none" strike="noStrike" cap="none" normalizeH="0" baseline="0">
+              <a:ln>
+                <a:noFill/>
+              </a:ln>
+              <a:solidFill>
+                <a:schemeClr val="tx1"/>
+              </a:solidFill>
+              <a:effectLst/>
+              <a:latin typeface="Times New Roman" panose="02020603050405020304" pitchFamily="18" charset="0"/>
+              <a:ea typeface="宋体" panose="02010600030101010101" pitchFamily="2" charset="-122"/>
+            </a:endParaRPr>
+          </a:p>
+        </p:txBody>
+      </p:sp>
+      <p:sp>
+        <p:nvSpPr>
+          <p:cNvPr id="28" name="矩形 27">
+            <a:extLst>
+              <a:ext uri="{FF2B5EF4-FFF2-40B4-BE49-F238E27FC236}">
+                <a16:creationId xmlns:a16="http://schemas.microsoft.com/office/drawing/2014/main" id="{0F587325-B0BE-4FF4-B12B-6628C8A0EE69}"/>
+              </a:ext>
+            </a:extLst>
+          </p:cNvPr>
+          <p:cNvSpPr/>
+          <p:nvPr/>
+        </p:nvSpPr>
+        <p:spPr bwMode="auto">
+          <a:xfrm>
+            <a:off x="1198843" y="1011802"/>
+            <a:ext cx="1728192" cy="4464496"/>
+          </a:xfrm>
+          <a:prstGeom prst="rect">
+            <a:avLst/>
+          </a:prstGeom>
+          <a:noFill/>
+          <a:ln w="9525" cap="flat" cmpd="sng" algn="ctr">
+            <a:solidFill>
+              <a:schemeClr val="tx1"/>
+            </a:solidFill>
+            <a:prstDash val="dash"/>
+            <a:round/>
+            <a:headEnd type="none" w="med" len="med"/>
+            <a:tailEnd type="none" w="med" len="med"/>
+          </a:ln>
+          <a:effectLst/>
+        </p:spPr>
+        <p:txBody>
+          <a:bodyPr vert="horz" wrap="square" lIns="91440" tIns="45720" rIns="91440" bIns="45720" numCol="1" rtlCol="0" anchor="t" anchorCtr="0" compatLnSpc="1"/>
+          <a:lstStyle/>
+          <a:p>
+            <a:pPr marL="0" marR="0" indent="0" algn="l" defTabSz="914400" rtl="0" eaLnBrk="1" fontAlgn="base" latinLnBrk="0" hangingPunct="1">
+              <a:lnSpc>
+                <a:spcPct val="100000"/>
+              </a:lnSpc>
+              <a:spcBef>
+                <a:spcPct val="0"/>
+              </a:spcBef>
+              <a:spcAft>
+                <a:spcPct val="0"/>
+              </a:spcAft>
+              <a:buClrTx/>
+              <a:buSzTx/>
+              <a:buFontTx/>
+              <a:buNone/>
+            </a:pPr>
+            <a:endParaRPr kumimoji="0" lang="zh-CN" altLang="en-US" sz="2000" b="0" i="0" u="none" strike="noStrike" cap="none" normalizeH="0" baseline="0">
+              <a:ln>
+                <a:noFill/>
+              </a:ln>
+              <a:solidFill>
+                <a:schemeClr val="tx1"/>
+              </a:solidFill>
+              <a:effectLst/>
+              <a:latin typeface="Times New Roman" panose="02020603050405020304" pitchFamily="18" charset="0"/>
+              <a:ea typeface="宋体" panose="02010600030101010101" pitchFamily="2" charset="-122"/>
+            </a:endParaRPr>
+          </a:p>
+        </p:txBody>
+      </p:sp>
+      <p:sp>
+        <p:nvSpPr>
+          <p:cNvPr id="29" name="矩形 28">
+            <a:extLst>
+              <a:ext uri="{FF2B5EF4-FFF2-40B4-BE49-F238E27FC236}">
+                <a16:creationId xmlns:a16="http://schemas.microsoft.com/office/drawing/2014/main" id="{E1B644B5-19EC-4691-A3A9-61C44B03BFF4}"/>
+              </a:ext>
+            </a:extLst>
+          </p:cNvPr>
+          <p:cNvSpPr/>
+          <p:nvPr/>
+        </p:nvSpPr>
+        <p:spPr bwMode="auto">
+          <a:xfrm>
+            <a:off x="3449665" y="1011802"/>
+            <a:ext cx="1810435" cy="4464496"/>
+          </a:xfrm>
+          <a:prstGeom prst="rect">
+            <a:avLst/>
+          </a:prstGeom>
+          <a:noFill/>
+          <a:ln w="9525" cap="flat" cmpd="sng" algn="ctr">
+            <a:solidFill>
+              <a:schemeClr val="tx1"/>
+            </a:solidFill>
+            <a:prstDash val="dash"/>
+            <a:round/>
+            <a:headEnd type="none" w="med" len="med"/>
+            <a:tailEnd type="none" w="med" len="med"/>
+          </a:ln>
+          <a:effectLst/>
+        </p:spPr>
+        <p:txBody>
+          <a:bodyPr vert="horz" wrap="square" lIns="91440" tIns="45720" rIns="91440" bIns="45720" numCol="1" rtlCol="0" anchor="t" anchorCtr="0" compatLnSpc="1"/>
+          <a:lstStyle/>
+          <a:p>
+            <a:pPr marL="0" marR="0" indent="0" algn="l" defTabSz="914400" rtl="0" eaLnBrk="1" fontAlgn="base" latinLnBrk="0" hangingPunct="1">
+              <a:lnSpc>
+                <a:spcPct val="100000"/>
+              </a:lnSpc>
+              <a:spcBef>
+                <a:spcPct val="0"/>
+              </a:spcBef>
+              <a:spcAft>
+                <a:spcPct val="0"/>
+              </a:spcAft>
+              <a:buClrTx/>
+              <a:buSzTx/>
+              <a:buFontTx/>
+              <a:buNone/>
+            </a:pPr>
+            <a:endParaRPr kumimoji="0" lang="zh-CN" altLang="en-US" sz="2000" b="0" i="0" u="none" strike="noStrike" cap="none" normalizeH="0" baseline="0">
+              <a:ln>
+                <a:noFill/>
+              </a:ln>
+              <a:solidFill>
+                <a:schemeClr val="tx1"/>
+              </a:solidFill>
+              <a:effectLst/>
+              <a:latin typeface="Times New Roman" panose="02020603050405020304" pitchFamily="18" charset="0"/>
+              <a:ea typeface="宋体" panose="02010600030101010101" pitchFamily="2" charset="-122"/>
+            </a:endParaRPr>
+          </a:p>
+        </p:txBody>
+      </p:sp>
+      <p:sp>
+        <p:nvSpPr>
+          <p:cNvPr id="30" name="矩形 29">
+            <a:extLst>
+              <a:ext uri="{FF2B5EF4-FFF2-40B4-BE49-F238E27FC236}">
+                <a16:creationId xmlns:a16="http://schemas.microsoft.com/office/drawing/2014/main" id="{98C13490-15D7-4902-B987-2BD2E1C60D6E}"/>
+              </a:ext>
+            </a:extLst>
+          </p:cNvPr>
+          <p:cNvSpPr/>
+          <p:nvPr/>
+        </p:nvSpPr>
+        <p:spPr bwMode="auto">
+          <a:xfrm>
+            <a:off x="5801959" y="1011803"/>
+            <a:ext cx="4310632" cy="2160239"/>
+          </a:xfrm>
+          <a:prstGeom prst="rect">
+            <a:avLst/>
+          </a:prstGeom>
+          <a:noFill/>
+          <a:ln w="9525" cap="flat" cmpd="sng" algn="ctr">
+            <a:solidFill>
+              <a:schemeClr val="tx1"/>
+            </a:solidFill>
+            <a:prstDash val="dash"/>
+            <a:round/>
+            <a:headEnd type="none" w="med" len="med"/>
+            <a:tailEnd type="none" w="med" len="med"/>
+          </a:ln>
+          <a:effectLst/>
+        </p:spPr>
+        <p:txBody>
+          <a:bodyPr vert="horz" wrap="square" lIns="91440" tIns="45720" rIns="91440" bIns="45720" numCol="1" rtlCol="0" anchor="t" anchorCtr="0" compatLnSpc="1"/>
+          <a:lstStyle/>
+          <a:p>
+            <a:pPr marL="0" marR="0" indent="0" algn="l" defTabSz="914400" rtl="0" eaLnBrk="1" fontAlgn="base" latinLnBrk="0" hangingPunct="1">
+              <a:lnSpc>
+                <a:spcPct val="100000"/>
+              </a:lnSpc>
+              <a:spcBef>
+                <a:spcPct val="0"/>
+              </a:spcBef>
+              <a:spcAft>
+                <a:spcPct val="0"/>
+              </a:spcAft>
+              <a:buClrTx/>
+              <a:buSzTx/>
+              <a:buFontTx/>
+              <a:buNone/>
+            </a:pPr>
+            <a:endParaRPr kumimoji="0" lang="zh-CN" altLang="en-US" sz="2000" b="0" i="0" u="none" strike="noStrike" cap="none" normalizeH="0" baseline="0">
+              <a:ln>
+                <a:noFill/>
+              </a:ln>
+              <a:solidFill>
+                <a:schemeClr val="tx1"/>
+              </a:solidFill>
+              <a:effectLst/>
+              <a:latin typeface="Times New Roman" panose="02020603050405020304" pitchFamily="18" charset="0"/>
+              <a:ea typeface="宋体" panose="02010600030101010101" pitchFamily="2" charset="-122"/>
+            </a:endParaRPr>
+          </a:p>
+        </p:txBody>
+      </p:sp>
+      <p:sp>
+        <p:nvSpPr>
+          <p:cNvPr id="31" name="TextBox 38">
+            <a:extLst>
+              <a:ext uri="{FF2B5EF4-FFF2-40B4-BE49-F238E27FC236}">
+                <a16:creationId xmlns:a16="http://schemas.microsoft.com/office/drawing/2014/main" id="{DEC42B12-A4FF-40F2-A0F0-4D35B127D815}"/>
+              </a:ext>
+            </a:extLst>
+          </p:cNvPr>
+          <p:cNvSpPr txBox="1"/>
+          <p:nvPr/>
+        </p:nvSpPr>
+        <p:spPr>
+          <a:xfrm>
+            <a:off x="1272154" y="5061255"/>
+            <a:ext cx="1580333" cy="369332"/>
+          </a:xfrm>
+          <a:prstGeom prst="rect">
+            <a:avLst/>
+          </a:prstGeom>
+          <a:noFill/>
+        </p:spPr>
+        <p:txBody>
+          <a:bodyPr wrap="square" rtlCol="0">
+            <a:spAutoFit/>
+          </a:bodyPr>
+          <a:lstStyle/>
+          <a:p>
+            <a:pPr algn="ctr"/>
+            <a:r>
+              <a:rPr lang="zh-CN" altLang="en-US" dirty="0">
+                <a:solidFill>
+                  <a:schemeClr val="accent2"/>
+                </a:solidFill>
+                <a:latin typeface="+mn-ea"/>
+              </a:rPr>
+              <a:t>输入预处理</a:t>
+            </a:r>
+            <a:endParaRPr lang="zh-CN" altLang="en-US" dirty="0">
+              <a:solidFill>
+                <a:schemeClr val="accent2"/>
+              </a:solidFill>
+              <a:latin typeface="+mn-ea"/>
+              <a:ea typeface="+mn-ea"/>
+            </a:endParaRPr>
+          </a:p>
+        </p:txBody>
+      </p:sp>
+      <p:sp>
+        <p:nvSpPr>
+          <p:cNvPr id="32" name="TextBox 39">
+            <a:extLst>
+              <a:ext uri="{FF2B5EF4-FFF2-40B4-BE49-F238E27FC236}">
+                <a16:creationId xmlns:a16="http://schemas.microsoft.com/office/drawing/2014/main" id="{8033A28F-940F-45D3-A633-19CCA2304B3A}"/>
+              </a:ext>
+            </a:extLst>
+          </p:cNvPr>
+          <p:cNvSpPr txBox="1"/>
+          <p:nvPr/>
+        </p:nvSpPr>
+        <p:spPr>
+          <a:xfrm>
+            <a:off x="3535749" y="5076188"/>
+            <a:ext cx="1580333" cy="369332"/>
+          </a:xfrm>
+          <a:prstGeom prst="rect">
+            <a:avLst/>
+          </a:prstGeom>
+          <a:noFill/>
+        </p:spPr>
+        <p:txBody>
+          <a:bodyPr wrap="square" rtlCol="0">
+            <a:spAutoFit/>
+          </a:bodyPr>
+          <a:lstStyle/>
+          <a:p>
+            <a:pPr algn="ctr"/>
+            <a:r>
+              <a:rPr lang="zh-CN" altLang="en-US" dirty="0">
+                <a:solidFill>
+                  <a:schemeClr val="accent2"/>
+                </a:solidFill>
+                <a:latin typeface="+mn-ea"/>
+                <a:ea typeface="+mn-ea"/>
+              </a:rPr>
+              <a:t>独立编码</a:t>
+            </a:r>
+          </a:p>
+        </p:txBody>
+      </p:sp>
+      <p:sp>
+        <p:nvSpPr>
+          <p:cNvPr id="33" name="矩形 32">
+            <a:extLst>
+              <a:ext uri="{FF2B5EF4-FFF2-40B4-BE49-F238E27FC236}">
+                <a16:creationId xmlns:a16="http://schemas.microsoft.com/office/drawing/2014/main" id="{1A48A3FB-4DE5-48B3-A286-9BBB47789D22}"/>
+              </a:ext>
+            </a:extLst>
+          </p:cNvPr>
+          <p:cNvSpPr/>
+          <p:nvPr/>
+        </p:nvSpPr>
+        <p:spPr bwMode="auto">
+          <a:xfrm>
+            <a:off x="5799137" y="3905855"/>
+            <a:ext cx="4313453" cy="1555510"/>
+          </a:xfrm>
+          <a:prstGeom prst="rect">
+            <a:avLst/>
+          </a:prstGeom>
+          <a:noFill/>
+          <a:ln w="9525" cap="flat" cmpd="sng" algn="ctr">
+            <a:solidFill>
+              <a:schemeClr val="tx1"/>
+            </a:solidFill>
+            <a:prstDash val="dash"/>
+            <a:round/>
+            <a:headEnd type="none" w="med" len="med"/>
+            <a:tailEnd type="none" w="med" len="med"/>
+          </a:ln>
+          <a:effectLst/>
+        </p:spPr>
+        <p:txBody>
+          <a:bodyPr vert="horz" wrap="square" lIns="91440" tIns="45720" rIns="91440" bIns="45720" numCol="1" rtlCol="0" anchor="t" anchorCtr="0" compatLnSpc="1"/>
+          <a:lstStyle/>
+          <a:p>
+            <a:pPr marL="0" marR="0" indent="0" algn="l" defTabSz="914400" rtl="0" eaLnBrk="1" fontAlgn="base" latinLnBrk="0" hangingPunct="1">
+              <a:lnSpc>
+                <a:spcPct val="100000"/>
+              </a:lnSpc>
+              <a:spcBef>
+                <a:spcPct val="0"/>
+              </a:spcBef>
+              <a:spcAft>
+                <a:spcPct val="0"/>
+              </a:spcAft>
+              <a:buClrTx/>
+              <a:buSzTx/>
+              <a:buFontTx/>
+              <a:buNone/>
+            </a:pPr>
+            <a:endParaRPr kumimoji="0" lang="zh-CN" altLang="en-US" sz="2000" b="0" i="0" u="none" strike="noStrike" cap="none" normalizeH="0" baseline="0">
+              <a:ln>
+                <a:noFill/>
+              </a:ln>
+              <a:solidFill>
+                <a:schemeClr val="tx1"/>
+              </a:solidFill>
+              <a:effectLst/>
+              <a:latin typeface="Times New Roman" panose="02020603050405020304" pitchFamily="18" charset="0"/>
+              <a:ea typeface="宋体" panose="02010600030101010101" pitchFamily="2" charset="-122"/>
+            </a:endParaRPr>
+          </a:p>
+        </p:txBody>
+      </p:sp>
+      <p:sp>
+        <p:nvSpPr>
+          <p:cNvPr id="34" name="TextBox 41">
+            <a:extLst>
+              <a:ext uri="{FF2B5EF4-FFF2-40B4-BE49-F238E27FC236}">
+                <a16:creationId xmlns:a16="http://schemas.microsoft.com/office/drawing/2014/main" id="{10401FF9-7EA9-4AB0-B547-6755F800CCF7}"/>
+              </a:ext>
+            </a:extLst>
+          </p:cNvPr>
+          <p:cNvSpPr txBox="1"/>
+          <p:nvPr/>
+        </p:nvSpPr>
+        <p:spPr>
+          <a:xfrm>
+            <a:off x="5866845" y="2560461"/>
+            <a:ext cx="1727995" cy="646331"/>
+          </a:xfrm>
+          <a:prstGeom prst="rect">
+            <a:avLst/>
+          </a:prstGeom>
+          <a:noFill/>
+        </p:spPr>
+        <p:txBody>
+          <a:bodyPr wrap="square" rtlCol="0">
+            <a:spAutoFit/>
+          </a:bodyPr>
+          <a:lstStyle/>
+          <a:p>
+            <a:pPr algn="ctr"/>
+            <a:r>
+              <a:rPr lang="en-US" altLang="zh-CN" dirty="0">
+                <a:solidFill>
+                  <a:schemeClr val="accent2"/>
+                </a:solidFill>
+                <a:latin typeface="+mn-ea"/>
+                <a:ea typeface="+mn-ea"/>
+              </a:rPr>
+              <a:t>Attention</a:t>
+            </a:r>
+            <a:r>
+              <a:rPr lang="zh-CN" altLang="en-US" dirty="0">
+                <a:solidFill>
+                  <a:schemeClr val="accent2"/>
+                </a:solidFill>
+                <a:latin typeface="+mn-ea"/>
+                <a:ea typeface="+mn-ea"/>
+              </a:rPr>
+              <a:t>计算与位置预测</a:t>
+            </a:r>
+          </a:p>
+        </p:txBody>
+      </p:sp>
+      <p:sp>
+        <p:nvSpPr>
+          <p:cNvPr id="35" name="TextBox 42">
+            <a:extLst>
+              <a:ext uri="{FF2B5EF4-FFF2-40B4-BE49-F238E27FC236}">
+                <a16:creationId xmlns:a16="http://schemas.microsoft.com/office/drawing/2014/main" id="{A9C1B63E-2AFE-4D4B-A491-FC18F5E22475}"/>
+              </a:ext>
+            </a:extLst>
+          </p:cNvPr>
+          <p:cNvSpPr txBox="1"/>
+          <p:nvPr/>
+        </p:nvSpPr>
+        <p:spPr>
+          <a:xfrm>
+            <a:off x="7241431" y="5076188"/>
+            <a:ext cx="1580333" cy="369332"/>
+          </a:xfrm>
+          <a:prstGeom prst="rect">
+            <a:avLst/>
+          </a:prstGeom>
+          <a:noFill/>
+        </p:spPr>
+        <p:txBody>
+          <a:bodyPr wrap="square" rtlCol="0">
+            <a:spAutoFit/>
+          </a:bodyPr>
+          <a:lstStyle/>
+          <a:p>
+            <a:pPr algn="ctr"/>
+            <a:r>
+              <a:rPr lang="zh-CN" altLang="en-US" dirty="0">
+                <a:solidFill>
+                  <a:schemeClr val="accent2"/>
+                </a:solidFill>
+                <a:latin typeface="+mn-ea"/>
+                <a:ea typeface="+mn-ea"/>
+              </a:rPr>
+              <a:t>模型测试</a:t>
+            </a:r>
+          </a:p>
+        </p:txBody>
+      </p:sp>
+    </p:spTree>
+    <p:extLst>
+      <p:ext uri="{BB962C8B-B14F-4D97-AF65-F5344CB8AC3E}">
+        <p14:creationId xmlns:p14="http://schemas.microsoft.com/office/powerpoint/2010/main" val="2293591823"/>
+      </p:ext>
+    </p:extLst>
+  </p:cSld>
+  <p:clrMapOvr>
+    <a:masterClrMapping/>
+  </p:clrMapOvr>
+  <p:timing>
+    <p:tnLst>
+      <p:par>
+        <p:cTn id="1" dur="indefinite" restart="never" nodeType="tmRoot">
+          <p:childTnLst>
+            <p:seq concurrent="1" nextAc="seek">
+              <p:cTn id="2" dur="indefinite" nodeType="mainSeq">
+                <p:childTnLst>
+                  <p:par>
+                    <p:cTn id="3" fill="hold">
+                      <p:stCondLst>
+                        <p:cond delay="indefinite"/>
+                      </p:stCondLst>
+                      <p:childTnLst>
+                        <p:par>
+                          <p:cTn id="4" fill="hold">
+                            <p:stCondLst>
+                              <p:cond delay="0"/>
+                            </p:stCondLst>
+                            <p:childTnLst>
+                              <p:par>
+                                <p:cTn id="5" presetID="10" presetClass="entr" presetSubtype="0" fill="hold" grpId="0" nodeType="clickEffect">
+                                  <p:stCondLst>
+                                    <p:cond delay="0"/>
+                                  </p:stCondLst>
+                                  <p:childTnLst>
+                                    <p:set>
+                                      <p:cBhvr>
+                                        <p:cTn id="6" dur="1" fill="hold">
+                                          <p:stCondLst>
+                                            <p:cond delay="0"/>
+                                          </p:stCondLst>
+                                        </p:cTn>
+                                        <p:tgtEl>
+                                          <p:spTgt spid="16"/>
+                                        </p:tgtEl>
+                                        <p:attrNameLst>
+                                          <p:attrName>style.visibility</p:attrName>
+                                        </p:attrNameLst>
+                                      </p:cBhvr>
+                                      <p:to>
+                                        <p:strVal val="visible"/>
+                                      </p:to>
+                                    </p:set>
+                                    <p:animEffect transition="in" filter="fade">
+                                      <p:cBhvr>
+                                        <p:cTn id="7" dur="500"/>
+                                        <p:tgtEl>
+                                          <p:spTgt spid="16"/>
+                                        </p:tgtEl>
+                                      </p:cBhvr>
+                                    </p:animEffect>
+                                  </p:childTnLst>
+                                </p:cTn>
+                              </p:par>
+                            </p:childTnLst>
+                          </p:cTn>
+                        </p:par>
+                        <p:par>
+                          <p:cTn id="8" fill="hold">
+                            <p:stCondLst>
+                              <p:cond delay="500"/>
+                            </p:stCondLst>
+                            <p:childTnLst>
+                              <p:par>
+                                <p:cTn id="9" presetID="10" presetClass="entr" presetSubtype="0" fill="hold" grpId="0" nodeType="afterEffect">
+                                  <p:stCondLst>
+                                    <p:cond delay="0"/>
+                                  </p:stCondLst>
+                                  <p:childTnLst>
+                                    <p:set>
+                                      <p:cBhvr>
+                                        <p:cTn id="10" dur="1" fill="hold">
+                                          <p:stCondLst>
+                                            <p:cond delay="0"/>
+                                          </p:stCondLst>
+                                        </p:cTn>
+                                        <p:tgtEl>
+                                          <p:spTgt spid="6"/>
+                                        </p:tgtEl>
+                                        <p:attrNameLst>
+                                          <p:attrName>style.visibility</p:attrName>
+                                        </p:attrNameLst>
+                                      </p:cBhvr>
+                                      <p:to>
+                                        <p:strVal val="visible"/>
+                                      </p:to>
+                                    </p:set>
+                                    <p:animEffect transition="in" filter="fade">
+                                      <p:cBhvr>
+                                        <p:cTn id="11" dur="500"/>
+                                        <p:tgtEl>
+                                          <p:spTgt spid="6"/>
+                                        </p:tgtEl>
+                                      </p:cBhvr>
+                                    </p:animEffect>
+                                  </p:childTnLst>
+                                </p:cTn>
+                              </p:par>
+                            </p:childTnLst>
+                          </p:cTn>
+                        </p:par>
+                        <p:par>
+                          <p:cTn id="12" fill="hold">
+                            <p:stCondLst>
+                              <p:cond delay="1000"/>
+                            </p:stCondLst>
+                            <p:childTnLst>
+                              <p:par>
+                                <p:cTn id="13" presetID="10" presetClass="entr" presetSubtype="0" fill="hold" grpId="0" nodeType="afterEffect">
+                                  <p:stCondLst>
+                                    <p:cond delay="0"/>
+                                  </p:stCondLst>
+                                  <p:childTnLst>
+                                    <p:set>
+                                      <p:cBhvr>
+                                        <p:cTn id="14" dur="1" fill="hold">
+                                          <p:stCondLst>
+                                            <p:cond delay="0"/>
+                                          </p:stCondLst>
+                                        </p:cTn>
+                                        <p:tgtEl>
+                                          <p:spTgt spid="7"/>
+                                        </p:tgtEl>
+                                        <p:attrNameLst>
+                                          <p:attrName>style.visibility</p:attrName>
+                                        </p:attrNameLst>
+                                      </p:cBhvr>
+                                      <p:to>
+                                        <p:strVal val="visible"/>
+                                      </p:to>
+                                    </p:set>
+                                    <p:animEffect transition="in" filter="fade">
+                                      <p:cBhvr>
+                                        <p:cTn id="15" dur="500"/>
+                                        <p:tgtEl>
+                                          <p:spTgt spid="7"/>
+                                        </p:tgtEl>
+                                      </p:cBhvr>
+                                    </p:animEffect>
+                                  </p:childTnLst>
+                                </p:cTn>
+                              </p:par>
+                            </p:childTnLst>
+                          </p:cTn>
+                        </p:par>
+                        <p:par>
+                          <p:cTn id="16" fill="hold">
+                            <p:stCondLst>
+                              <p:cond delay="1500"/>
+                            </p:stCondLst>
+                            <p:childTnLst>
+                              <p:par>
+                                <p:cTn id="17" presetID="10" presetClass="entr" presetSubtype="0" fill="hold" grpId="0" nodeType="afterEffect">
+                                  <p:stCondLst>
+                                    <p:cond delay="0"/>
+                                  </p:stCondLst>
+                                  <p:childTnLst>
+                                    <p:set>
+                                      <p:cBhvr>
+                                        <p:cTn id="18" dur="1" fill="hold">
+                                          <p:stCondLst>
+                                            <p:cond delay="0"/>
+                                          </p:stCondLst>
+                                        </p:cTn>
+                                        <p:tgtEl>
+                                          <p:spTgt spid="17"/>
+                                        </p:tgtEl>
+                                        <p:attrNameLst>
+                                          <p:attrName>style.visibility</p:attrName>
+                                        </p:attrNameLst>
+                                      </p:cBhvr>
+                                      <p:to>
+                                        <p:strVal val="visible"/>
+                                      </p:to>
+                                    </p:set>
+                                    <p:animEffect transition="in" filter="fade">
+                                      <p:cBhvr>
+                                        <p:cTn id="19" dur="500"/>
+                                        <p:tgtEl>
+                                          <p:spTgt spid="17"/>
+                                        </p:tgtEl>
+                                      </p:cBhvr>
+                                    </p:animEffect>
+                                  </p:childTnLst>
+                                </p:cTn>
+                              </p:par>
+                            </p:childTnLst>
+                          </p:cTn>
+                        </p:par>
+                        <p:par>
+                          <p:cTn id="20" fill="hold">
+                            <p:stCondLst>
+                              <p:cond delay="2000"/>
+                            </p:stCondLst>
+                            <p:childTnLst>
+                              <p:par>
+                                <p:cTn id="21" presetID="10" presetClass="entr" presetSubtype="0" fill="hold" grpId="0" nodeType="afterEffect">
+                                  <p:stCondLst>
+                                    <p:cond delay="0"/>
+                                  </p:stCondLst>
+                                  <p:childTnLst>
+                                    <p:set>
+                                      <p:cBhvr>
+                                        <p:cTn id="22" dur="1" fill="hold">
+                                          <p:stCondLst>
+                                            <p:cond delay="0"/>
+                                          </p:stCondLst>
+                                        </p:cTn>
+                                        <p:tgtEl>
+                                          <p:spTgt spid="12"/>
+                                        </p:tgtEl>
+                                        <p:attrNameLst>
+                                          <p:attrName>style.visibility</p:attrName>
+                                        </p:attrNameLst>
+                                      </p:cBhvr>
+                                      <p:to>
+                                        <p:strVal val="visible"/>
+                                      </p:to>
+                                    </p:set>
+                                    <p:animEffect transition="in" filter="fade">
+                                      <p:cBhvr>
+                                        <p:cTn id="23" dur="500"/>
+                                        <p:tgtEl>
+                                          <p:spTgt spid="12"/>
+                                        </p:tgtEl>
+                                      </p:cBhvr>
+                                    </p:animEffect>
+                                  </p:childTnLst>
+                                </p:cTn>
+                              </p:par>
+                            </p:childTnLst>
+                          </p:cTn>
+                        </p:par>
+                        <p:par>
+                          <p:cTn id="24" fill="hold">
+                            <p:stCondLst>
+                              <p:cond delay="2500"/>
+                            </p:stCondLst>
+                            <p:childTnLst>
+                              <p:par>
+                                <p:cTn id="25" presetID="10" presetClass="entr" presetSubtype="0" fill="hold" grpId="0" nodeType="afterEffect">
+                                  <p:stCondLst>
+                                    <p:cond delay="0"/>
+                                  </p:stCondLst>
+                                  <p:childTnLst>
+                                    <p:set>
+                                      <p:cBhvr>
+                                        <p:cTn id="26" dur="1" fill="hold">
+                                          <p:stCondLst>
+                                            <p:cond delay="0"/>
+                                          </p:stCondLst>
+                                        </p:cTn>
+                                        <p:tgtEl>
+                                          <p:spTgt spid="28"/>
+                                        </p:tgtEl>
+                                        <p:attrNameLst>
+                                          <p:attrName>style.visibility</p:attrName>
+                                        </p:attrNameLst>
+                                      </p:cBhvr>
+                                      <p:to>
+                                        <p:strVal val="visible"/>
+                                      </p:to>
+                                    </p:set>
+                                    <p:animEffect transition="in" filter="fade">
+                                      <p:cBhvr>
+                                        <p:cTn id="27" dur="500"/>
+                                        <p:tgtEl>
+                                          <p:spTgt spid="28"/>
+                                        </p:tgtEl>
+                                      </p:cBhvr>
+                                    </p:animEffect>
+                                  </p:childTnLst>
+                                </p:cTn>
+                              </p:par>
+                            </p:childTnLst>
+                          </p:cTn>
+                        </p:par>
+                        <p:par>
+                          <p:cTn id="28" fill="hold">
+                            <p:stCondLst>
+                              <p:cond delay="3000"/>
+                            </p:stCondLst>
+                            <p:childTnLst>
+                              <p:par>
+                                <p:cTn id="29" presetID="10" presetClass="entr" presetSubtype="0" fill="hold" grpId="0" nodeType="afterEffect">
+                                  <p:stCondLst>
+                                    <p:cond delay="0"/>
+                                  </p:stCondLst>
+                                  <p:childTnLst>
+                                    <p:set>
+                                      <p:cBhvr>
+                                        <p:cTn id="30" dur="1" fill="hold">
+                                          <p:stCondLst>
+                                            <p:cond delay="0"/>
+                                          </p:stCondLst>
+                                        </p:cTn>
+                                        <p:tgtEl>
+                                          <p:spTgt spid="31"/>
+                                        </p:tgtEl>
+                                        <p:attrNameLst>
+                                          <p:attrName>style.visibility</p:attrName>
+                                        </p:attrNameLst>
+                                      </p:cBhvr>
+                                      <p:to>
+                                        <p:strVal val="visible"/>
+                                      </p:to>
+                                    </p:set>
+                                    <p:animEffect transition="in" filter="fade">
+                                      <p:cBhvr>
+                                        <p:cTn id="31" dur="500"/>
+                                        <p:tgtEl>
+                                          <p:spTgt spid="31"/>
+                                        </p:tgtEl>
+                                      </p:cBhvr>
+                                    </p:animEffect>
+                                  </p:childTnLst>
+                                </p:cTn>
+                              </p:par>
+                            </p:childTnLst>
+                          </p:cTn>
+                        </p:par>
+                      </p:childTnLst>
+                    </p:cTn>
+                  </p:par>
+                  <p:par>
+                    <p:cTn id="32" fill="hold">
+                      <p:stCondLst>
+                        <p:cond delay="indefinite"/>
+                      </p:stCondLst>
+                      <p:childTnLst>
+                        <p:par>
+                          <p:cTn id="33" fill="hold">
+                            <p:stCondLst>
+                              <p:cond delay="0"/>
+                            </p:stCondLst>
+                            <p:childTnLst>
+                              <p:par>
+                                <p:cTn id="34" presetID="10" presetClass="entr" presetSubtype="0" fill="hold" grpId="0" nodeType="clickEffect">
+                                  <p:stCondLst>
+                                    <p:cond delay="0"/>
+                                  </p:stCondLst>
+                                  <p:childTnLst>
+                                    <p:set>
+                                      <p:cBhvr>
+                                        <p:cTn id="35" dur="1" fill="hold">
+                                          <p:stCondLst>
+                                            <p:cond delay="0"/>
+                                          </p:stCondLst>
+                                        </p:cTn>
+                                        <p:tgtEl>
+                                          <p:spTgt spid="20"/>
+                                        </p:tgtEl>
+                                        <p:attrNameLst>
+                                          <p:attrName>style.visibility</p:attrName>
+                                        </p:attrNameLst>
+                                      </p:cBhvr>
+                                      <p:to>
+                                        <p:strVal val="visible"/>
+                                      </p:to>
+                                    </p:set>
+                                    <p:animEffect transition="in" filter="fade">
+                                      <p:cBhvr>
+                                        <p:cTn id="36" dur="500"/>
+                                        <p:tgtEl>
+                                          <p:spTgt spid="20"/>
+                                        </p:tgtEl>
+                                      </p:cBhvr>
+                                    </p:animEffect>
+                                  </p:childTnLst>
+                                </p:cTn>
+                              </p:par>
+                            </p:childTnLst>
+                          </p:cTn>
+                        </p:par>
+                        <p:par>
+                          <p:cTn id="37" fill="hold">
+                            <p:stCondLst>
+                              <p:cond delay="500"/>
+                            </p:stCondLst>
+                            <p:childTnLst>
+                              <p:par>
+                                <p:cTn id="38" presetID="10" presetClass="entr" presetSubtype="0" fill="hold" grpId="0" nodeType="afterEffect">
+                                  <p:stCondLst>
+                                    <p:cond delay="0"/>
+                                  </p:stCondLst>
+                                  <p:childTnLst>
+                                    <p:set>
+                                      <p:cBhvr>
+                                        <p:cTn id="39" dur="1" fill="hold">
+                                          <p:stCondLst>
+                                            <p:cond delay="0"/>
+                                          </p:stCondLst>
+                                        </p:cTn>
+                                        <p:tgtEl>
+                                          <p:spTgt spid="8"/>
+                                        </p:tgtEl>
+                                        <p:attrNameLst>
+                                          <p:attrName>style.visibility</p:attrName>
+                                        </p:attrNameLst>
+                                      </p:cBhvr>
+                                      <p:to>
+                                        <p:strVal val="visible"/>
+                                      </p:to>
+                                    </p:set>
+                                    <p:animEffect transition="in" filter="fade">
+                                      <p:cBhvr>
+                                        <p:cTn id="40" dur="500"/>
+                                        <p:tgtEl>
+                                          <p:spTgt spid="8"/>
+                                        </p:tgtEl>
+                                      </p:cBhvr>
+                                    </p:animEffect>
+                                  </p:childTnLst>
+                                </p:cTn>
+                              </p:par>
+                            </p:childTnLst>
+                          </p:cTn>
+                        </p:par>
+                        <p:par>
+                          <p:cTn id="41" fill="hold">
+                            <p:stCondLst>
+                              <p:cond delay="1000"/>
+                            </p:stCondLst>
+                            <p:childTnLst>
+                              <p:par>
+                                <p:cTn id="42" presetID="10" presetClass="entr" presetSubtype="0" fill="hold" grpId="0" nodeType="afterEffect">
+                                  <p:stCondLst>
+                                    <p:cond delay="0"/>
+                                  </p:stCondLst>
+                                  <p:childTnLst>
+                                    <p:set>
+                                      <p:cBhvr>
+                                        <p:cTn id="43" dur="1" fill="hold">
+                                          <p:stCondLst>
+                                            <p:cond delay="0"/>
+                                          </p:stCondLst>
+                                        </p:cTn>
+                                        <p:tgtEl>
+                                          <p:spTgt spid="18"/>
+                                        </p:tgtEl>
+                                        <p:attrNameLst>
+                                          <p:attrName>style.visibility</p:attrName>
+                                        </p:attrNameLst>
+                                      </p:cBhvr>
+                                      <p:to>
+                                        <p:strVal val="visible"/>
+                                      </p:to>
+                                    </p:set>
+                                    <p:animEffect transition="in" filter="fade">
+                                      <p:cBhvr>
+                                        <p:cTn id="44" dur="500"/>
+                                        <p:tgtEl>
+                                          <p:spTgt spid="18"/>
+                                        </p:tgtEl>
+                                      </p:cBhvr>
+                                    </p:animEffect>
+                                  </p:childTnLst>
+                                </p:cTn>
+                              </p:par>
+                            </p:childTnLst>
+                          </p:cTn>
+                        </p:par>
+                        <p:par>
+                          <p:cTn id="45" fill="hold">
+                            <p:stCondLst>
+                              <p:cond delay="1500"/>
+                            </p:stCondLst>
+                            <p:childTnLst>
+                              <p:par>
+                                <p:cTn id="46" presetID="10" presetClass="entr" presetSubtype="0" fill="hold" grpId="0" nodeType="afterEffect">
+                                  <p:stCondLst>
+                                    <p:cond delay="0"/>
+                                  </p:stCondLst>
+                                  <p:childTnLst>
+                                    <p:set>
+                                      <p:cBhvr>
+                                        <p:cTn id="47" dur="1" fill="hold">
+                                          <p:stCondLst>
+                                            <p:cond delay="0"/>
+                                          </p:stCondLst>
+                                        </p:cTn>
+                                        <p:tgtEl>
+                                          <p:spTgt spid="9"/>
+                                        </p:tgtEl>
+                                        <p:attrNameLst>
+                                          <p:attrName>style.visibility</p:attrName>
+                                        </p:attrNameLst>
+                                      </p:cBhvr>
+                                      <p:to>
+                                        <p:strVal val="visible"/>
+                                      </p:to>
+                                    </p:set>
+                                    <p:animEffect transition="in" filter="fade">
+                                      <p:cBhvr>
+                                        <p:cTn id="48" dur="500"/>
+                                        <p:tgtEl>
+                                          <p:spTgt spid="9"/>
+                                        </p:tgtEl>
+                                      </p:cBhvr>
+                                    </p:animEffect>
+                                  </p:childTnLst>
+                                </p:cTn>
+                              </p:par>
+                            </p:childTnLst>
+                          </p:cTn>
+                        </p:par>
+                        <p:par>
+                          <p:cTn id="49" fill="hold">
+                            <p:stCondLst>
+                              <p:cond delay="2000"/>
+                            </p:stCondLst>
+                            <p:childTnLst>
+                              <p:par>
+                                <p:cTn id="50" presetID="10" presetClass="entr" presetSubtype="0" fill="hold" grpId="0" nodeType="afterEffect">
+                                  <p:stCondLst>
+                                    <p:cond delay="0"/>
+                                  </p:stCondLst>
+                                  <p:childTnLst>
+                                    <p:set>
+                                      <p:cBhvr>
+                                        <p:cTn id="51" dur="1" fill="hold">
+                                          <p:stCondLst>
+                                            <p:cond delay="0"/>
+                                          </p:stCondLst>
+                                        </p:cTn>
+                                        <p:tgtEl>
+                                          <p:spTgt spid="19"/>
+                                        </p:tgtEl>
+                                        <p:attrNameLst>
+                                          <p:attrName>style.visibility</p:attrName>
+                                        </p:attrNameLst>
+                                      </p:cBhvr>
+                                      <p:to>
+                                        <p:strVal val="visible"/>
+                                      </p:to>
+                                    </p:set>
+                                    <p:animEffect transition="in" filter="fade">
+                                      <p:cBhvr>
+                                        <p:cTn id="52" dur="500"/>
+                                        <p:tgtEl>
+                                          <p:spTgt spid="19"/>
+                                        </p:tgtEl>
+                                      </p:cBhvr>
+                                    </p:animEffect>
+                                  </p:childTnLst>
+                                </p:cTn>
+                              </p:par>
+                            </p:childTnLst>
+                          </p:cTn>
+                        </p:par>
+                        <p:par>
+                          <p:cTn id="53" fill="hold">
+                            <p:stCondLst>
+                              <p:cond delay="2500"/>
+                            </p:stCondLst>
+                            <p:childTnLst>
+                              <p:par>
+                                <p:cTn id="54" presetID="10" presetClass="entr" presetSubtype="0" fill="hold" grpId="0" nodeType="afterEffect">
+                                  <p:stCondLst>
+                                    <p:cond delay="0"/>
+                                  </p:stCondLst>
+                                  <p:childTnLst>
+                                    <p:set>
+                                      <p:cBhvr>
+                                        <p:cTn id="55" dur="1" fill="hold">
+                                          <p:stCondLst>
+                                            <p:cond delay="0"/>
+                                          </p:stCondLst>
+                                        </p:cTn>
+                                        <p:tgtEl>
+                                          <p:spTgt spid="15"/>
+                                        </p:tgtEl>
+                                        <p:attrNameLst>
+                                          <p:attrName>style.visibility</p:attrName>
+                                        </p:attrNameLst>
+                                      </p:cBhvr>
+                                      <p:to>
+                                        <p:strVal val="visible"/>
+                                      </p:to>
+                                    </p:set>
+                                    <p:animEffect transition="in" filter="fade">
+                                      <p:cBhvr>
+                                        <p:cTn id="56" dur="500"/>
+                                        <p:tgtEl>
+                                          <p:spTgt spid="15"/>
+                                        </p:tgtEl>
+                                      </p:cBhvr>
+                                    </p:animEffect>
+                                  </p:childTnLst>
+                                </p:cTn>
+                              </p:par>
+                            </p:childTnLst>
+                          </p:cTn>
+                        </p:par>
+                        <p:par>
+                          <p:cTn id="57" fill="hold">
+                            <p:stCondLst>
+                              <p:cond delay="3000"/>
+                            </p:stCondLst>
+                            <p:childTnLst>
+                              <p:par>
+                                <p:cTn id="58" presetID="10" presetClass="entr" presetSubtype="0" fill="hold" grpId="0" nodeType="afterEffect">
+                                  <p:stCondLst>
+                                    <p:cond delay="0"/>
+                                  </p:stCondLst>
+                                  <p:childTnLst>
+                                    <p:set>
+                                      <p:cBhvr>
+                                        <p:cTn id="59" dur="1" fill="hold">
+                                          <p:stCondLst>
+                                            <p:cond delay="0"/>
+                                          </p:stCondLst>
+                                        </p:cTn>
+                                        <p:tgtEl>
+                                          <p:spTgt spid="29"/>
+                                        </p:tgtEl>
+                                        <p:attrNameLst>
+                                          <p:attrName>style.visibility</p:attrName>
+                                        </p:attrNameLst>
+                                      </p:cBhvr>
+                                      <p:to>
+                                        <p:strVal val="visible"/>
+                                      </p:to>
+                                    </p:set>
+                                    <p:animEffect transition="in" filter="fade">
+                                      <p:cBhvr>
+                                        <p:cTn id="60" dur="500"/>
+                                        <p:tgtEl>
+                                          <p:spTgt spid="29"/>
+                                        </p:tgtEl>
+                                      </p:cBhvr>
+                                    </p:animEffect>
+                                  </p:childTnLst>
+                                </p:cTn>
+                              </p:par>
+                            </p:childTnLst>
+                          </p:cTn>
+                        </p:par>
+                        <p:par>
+                          <p:cTn id="61" fill="hold">
+                            <p:stCondLst>
+                              <p:cond delay="3500"/>
+                            </p:stCondLst>
+                            <p:childTnLst>
+                              <p:par>
+                                <p:cTn id="62" presetID="10" presetClass="entr" presetSubtype="0" fill="hold" grpId="0" nodeType="afterEffect">
+                                  <p:stCondLst>
+                                    <p:cond delay="0"/>
+                                  </p:stCondLst>
+                                  <p:childTnLst>
+                                    <p:set>
+                                      <p:cBhvr>
+                                        <p:cTn id="63" dur="1" fill="hold">
+                                          <p:stCondLst>
+                                            <p:cond delay="0"/>
+                                          </p:stCondLst>
+                                        </p:cTn>
+                                        <p:tgtEl>
+                                          <p:spTgt spid="32"/>
+                                        </p:tgtEl>
+                                        <p:attrNameLst>
+                                          <p:attrName>style.visibility</p:attrName>
+                                        </p:attrNameLst>
+                                      </p:cBhvr>
+                                      <p:to>
+                                        <p:strVal val="visible"/>
+                                      </p:to>
+                                    </p:set>
+                                    <p:animEffect transition="in" filter="fade">
+                                      <p:cBhvr>
+                                        <p:cTn id="64" dur="500"/>
+                                        <p:tgtEl>
+                                          <p:spTgt spid="32"/>
+                                        </p:tgtEl>
+                                      </p:cBhvr>
+                                    </p:animEffect>
+                                  </p:childTnLst>
+                                </p:cTn>
+                              </p:par>
+                            </p:childTnLst>
+                          </p:cTn>
+                        </p:par>
+                      </p:childTnLst>
+                    </p:cTn>
+                  </p:par>
+                  <p:par>
+                    <p:cTn id="65" fill="hold">
+                      <p:stCondLst>
+                        <p:cond delay="indefinite"/>
+                      </p:stCondLst>
+                      <p:childTnLst>
+                        <p:par>
+                          <p:cTn id="66" fill="hold">
+                            <p:stCondLst>
+                              <p:cond delay="0"/>
+                            </p:stCondLst>
+                            <p:childTnLst>
+                              <p:par>
+                                <p:cTn id="67" presetID="10" presetClass="entr" presetSubtype="0" fill="hold" grpId="0" nodeType="clickEffect">
+                                  <p:stCondLst>
+                                    <p:cond delay="0"/>
+                                  </p:stCondLst>
+                                  <p:childTnLst>
+                                    <p:set>
+                                      <p:cBhvr>
+                                        <p:cTn id="68" dur="1" fill="hold">
+                                          <p:stCondLst>
+                                            <p:cond delay="0"/>
+                                          </p:stCondLst>
+                                        </p:cTn>
+                                        <p:tgtEl>
+                                          <p:spTgt spid="21"/>
+                                        </p:tgtEl>
+                                        <p:attrNameLst>
+                                          <p:attrName>style.visibility</p:attrName>
+                                        </p:attrNameLst>
+                                      </p:cBhvr>
+                                      <p:to>
+                                        <p:strVal val="visible"/>
+                                      </p:to>
+                                    </p:set>
+                                    <p:animEffect transition="in" filter="fade">
+                                      <p:cBhvr>
+                                        <p:cTn id="69" dur="500"/>
+                                        <p:tgtEl>
+                                          <p:spTgt spid="21"/>
+                                        </p:tgtEl>
+                                      </p:cBhvr>
+                                    </p:animEffect>
+                                  </p:childTnLst>
+                                </p:cTn>
+                              </p:par>
+                            </p:childTnLst>
+                          </p:cTn>
+                        </p:par>
+                        <p:par>
+                          <p:cTn id="70" fill="hold">
+                            <p:stCondLst>
+                              <p:cond delay="500"/>
+                            </p:stCondLst>
+                            <p:childTnLst>
+                              <p:par>
+                                <p:cTn id="71" presetID="10" presetClass="entr" presetSubtype="0" fill="hold" grpId="0" nodeType="afterEffect">
+                                  <p:stCondLst>
+                                    <p:cond delay="0"/>
+                                  </p:stCondLst>
+                                  <p:childTnLst>
+                                    <p:set>
+                                      <p:cBhvr>
+                                        <p:cTn id="72" dur="1" fill="hold">
+                                          <p:stCondLst>
+                                            <p:cond delay="0"/>
+                                          </p:stCondLst>
+                                        </p:cTn>
+                                        <p:tgtEl>
+                                          <p:spTgt spid="14"/>
+                                        </p:tgtEl>
+                                        <p:attrNameLst>
+                                          <p:attrName>style.visibility</p:attrName>
+                                        </p:attrNameLst>
+                                      </p:cBhvr>
+                                      <p:to>
+                                        <p:strVal val="visible"/>
+                                      </p:to>
+                                    </p:set>
+                                    <p:animEffect transition="in" filter="fade">
+                                      <p:cBhvr>
+                                        <p:cTn id="73" dur="500"/>
+                                        <p:tgtEl>
+                                          <p:spTgt spid="14"/>
+                                        </p:tgtEl>
+                                      </p:cBhvr>
+                                    </p:animEffect>
+                                  </p:childTnLst>
+                                </p:cTn>
+                              </p:par>
+                            </p:childTnLst>
+                          </p:cTn>
+                        </p:par>
+                        <p:par>
+                          <p:cTn id="74" fill="hold">
+                            <p:stCondLst>
+                              <p:cond delay="1000"/>
+                            </p:stCondLst>
+                            <p:childTnLst>
+                              <p:par>
+                                <p:cTn id="75" presetID="10" presetClass="entr" presetSubtype="0" fill="hold" grpId="0" nodeType="afterEffect">
+                                  <p:stCondLst>
+                                    <p:cond delay="0"/>
+                                  </p:stCondLst>
+                                  <p:childTnLst>
+                                    <p:set>
+                                      <p:cBhvr>
+                                        <p:cTn id="76" dur="1" fill="hold">
+                                          <p:stCondLst>
+                                            <p:cond delay="0"/>
+                                          </p:stCondLst>
+                                        </p:cTn>
+                                        <p:tgtEl>
+                                          <p:spTgt spid="23"/>
+                                        </p:tgtEl>
+                                        <p:attrNameLst>
+                                          <p:attrName>style.visibility</p:attrName>
+                                        </p:attrNameLst>
+                                      </p:cBhvr>
+                                      <p:to>
+                                        <p:strVal val="visible"/>
+                                      </p:to>
+                                    </p:set>
+                                    <p:animEffect transition="in" filter="fade">
+                                      <p:cBhvr>
+                                        <p:cTn id="77" dur="500"/>
+                                        <p:tgtEl>
+                                          <p:spTgt spid="23"/>
+                                        </p:tgtEl>
+                                      </p:cBhvr>
+                                    </p:animEffect>
+                                  </p:childTnLst>
+                                </p:cTn>
+                              </p:par>
+                            </p:childTnLst>
+                          </p:cTn>
+                        </p:par>
+                        <p:par>
+                          <p:cTn id="78" fill="hold">
+                            <p:stCondLst>
+                              <p:cond delay="1500"/>
+                            </p:stCondLst>
+                            <p:childTnLst>
+                              <p:par>
+                                <p:cTn id="79" presetID="10" presetClass="entr" presetSubtype="0" fill="hold" grpId="0" nodeType="afterEffect">
+                                  <p:stCondLst>
+                                    <p:cond delay="0"/>
+                                  </p:stCondLst>
+                                  <p:childTnLst>
+                                    <p:set>
+                                      <p:cBhvr>
+                                        <p:cTn id="80" dur="1" fill="hold">
+                                          <p:stCondLst>
+                                            <p:cond delay="0"/>
+                                          </p:stCondLst>
+                                        </p:cTn>
+                                        <p:tgtEl>
+                                          <p:spTgt spid="10"/>
+                                        </p:tgtEl>
+                                        <p:attrNameLst>
+                                          <p:attrName>style.visibility</p:attrName>
+                                        </p:attrNameLst>
+                                      </p:cBhvr>
+                                      <p:to>
+                                        <p:strVal val="visible"/>
+                                      </p:to>
+                                    </p:set>
+                                    <p:animEffect transition="in" filter="fade">
+                                      <p:cBhvr>
+                                        <p:cTn id="81" dur="500"/>
+                                        <p:tgtEl>
+                                          <p:spTgt spid="10"/>
+                                        </p:tgtEl>
+                                      </p:cBhvr>
+                                    </p:animEffect>
+                                  </p:childTnLst>
+                                </p:cTn>
+                              </p:par>
+                            </p:childTnLst>
+                          </p:cTn>
+                        </p:par>
+                        <p:par>
+                          <p:cTn id="82" fill="hold">
+                            <p:stCondLst>
+                              <p:cond delay="2000"/>
+                            </p:stCondLst>
+                            <p:childTnLst>
+                              <p:par>
+                                <p:cTn id="83" presetID="10" presetClass="entr" presetSubtype="0" fill="hold" grpId="0" nodeType="afterEffect">
+                                  <p:stCondLst>
+                                    <p:cond delay="0"/>
+                                  </p:stCondLst>
+                                  <p:childTnLst>
+                                    <p:set>
+                                      <p:cBhvr>
+                                        <p:cTn id="84" dur="1" fill="hold">
+                                          <p:stCondLst>
+                                            <p:cond delay="0"/>
+                                          </p:stCondLst>
+                                        </p:cTn>
+                                        <p:tgtEl>
+                                          <p:spTgt spid="25"/>
+                                        </p:tgtEl>
+                                        <p:attrNameLst>
+                                          <p:attrName>style.visibility</p:attrName>
+                                        </p:attrNameLst>
+                                      </p:cBhvr>
+                                      <p:to>
+                                        <p:strVal val="visible"/>
+                                      </p:to>
+                                    </p:set>
+                                    <p:animEffect transition="in" filter="fade">
+                                      <p:cBhvr>
+                                        <p:cTn id="85" dur="500"/>
+                                        <p:tgtEl>
+                                          <p:spTgt spid="25"/>
+                                        </p:tgtEl>
+                                      </p:cBhvr>
+                                    </p:animEffect>
+                                  </p:childTnLst>
+                                </p:cTn>
+                              </p:par>
+                            </p:childTnLst>
+                          </p:cTn>
+                        </p:par>
+                        <p:par>
+                          <p:cTn id="86" fill="hold">
+                            <p:stCondLst>
+                              <p:cond delay="2500"/>
+                            </p:stCondLst>
+                            <p:childTnLst>
+                              <p:par>
+                                <p:cTn id="87" presetID="10" presetClass="entr" presetSubtype="0" fill="hold" grpId="0" nodeType="afterEffect">
+                                  <p:stCondLst>
+                                    <p:cond delay="0"/>
+                                  </p:stCondLst>
+                                  <p:childTnLst>
+                                    <p:set>
+                                      <p:cBhvr>
+                                        <p:cTn id="88" dur="1" fill="hold">
+                                          <p:stCondLst>
+                                            <p:cond delay="0"/>
+                                          </p:stCondLst>
+                                        </p:cTn>
+                                        <p:tgtEl>
+                                          <p:spTgt spid="24"/>
+                                        </p:tgtEl>
+                                        <p:attrNameLst>
+                                          <p:attrName>style.visibility</p:attrName>
+                                        </p:attrNameLst>
+                                      </p:cBhvr>
+                                      <p:to>
+                                        <p:strVal val="visible"/>
+                                      </p:to>
+                                    </p:set>
+                                    <p:animEffect transition="in" filter="fade">
+                                      <p:cBhvr>
+                                        <p:cTn id="89" dur="500"/>
+                                        <p:tgtEl>
+                                          <p:spTgt spid="24"/>
+                                        </p:tgtEl>
+                                      </p:cBhvr>
+                                    </p:animEffect>
+                                  </p:childTnLst>
+                                </p:cTn>
+                              </p:par>
+                            </p:childTnLst>
+                          </p:cTn>
+                        </p:par>
+                        <p:par>
+                          <p:cTn id="90" fill="hold">
+                            <p:stCondLst>
+                              <p:cond delay="3000"/>
+                            </p:stCondLst>
+                            <p:childTnLst>
+                              <p:par>
+                                <p:cTn id="91" presetID="10" presetClass="entr" presetSubtype="0" fill="hold" grpId="0" nodeType="afterEffect">
+                                  <p:stCondLst>
+                                    <p:cond delay="0"/>
+                                  </p:stCondLst>
+                                  <p:childTnLst>
+                                    <p:set>
+                                      <p:cBhvr>
+                                        <p:cTn id="92" dur="1" fill="hold">
+                                          <p:stCondLst>
+                                            <p:cond delay="0"/>
+                                          </p:stCondLst>
+                                        </p:cTn>
+                                        <p:tgtEl>
+                                          <p:spTgt spid="30"/>
+                                        </p:tgtEl>
+                                        <p:attrNameLst>
+                                          <p:attrName>style.visibility</p:attrName>
+                                        </p:attrNameLst>
+                                      </p:cBhvr>
+                                      <p:to>
+                                        <p:strVal val="visible"/>
+                                      </p:to>
+                                    </p:set>
+                                    <p:animEffect transition="in" filter="fade">
+                                      <p:cBhvr>
+                                        <p:cTn id="93" dur="500"/>
+                                        <p:tgtEl>
+                                          <p:spTgt spid="30"/>
+                                        </p:tgtEl>
+                                      </p:cBhvr>
+                                    </p:animEffect>
+                                  </p:childTnLst>
+                                </p:cTn>
+                              </p:par>
+                            </p:childTnLst>
+                          </p:cTn>
+                        </p:par>
+                        <p:par>
+                          <p:cTn id="94" fill="hold">
+                            <p:stCondLst>
+                              <p:cond delay="3500"/>
+                            </p:stCondLst>
+                            <p:childTnLst>
+                              <p:par>
+                                <p:cTn id="95" presetID="10" presetClass="entr" presetSubtype="0" fill="hold" grpId="0" nodeType="afterEffect">
+                                  <p:stCondLst>
+                                    <p:cond delay="0"/>
+                                  </p:stCondLst>
+                                  <p:childTnLst>
+                                    <p:set>
+                                      <p:cBhvr>
+                                        <p:cTn id="96" dur="1" fill="hold">
+                                          <p:stCondLst>
+                                            <p:cond delay="0"/>
+                                          </p:stCondLst>
+                                        </p:cTn>
+                                        <p:tgtEl>
+                                          <p:spTgt spid="34"/>
+                                        </p:tgtEl>
+                                        <p:attrNameLst>
+                                          <p:attrName>style.visibility</p:attrName>
+                                        </p:attrNameLst>
+                                      </p:cBhvr>
+                                      <p:to>
+                                        <p:strVal val="visible"/>
+                                      </p:to>
+                                    </p:set>
+                                    <p:animEffect transition="in" filter="fade">
+                                      <p:cBhvr>
+                                        <p:cTn id="97" dur="500"/>
+                                        <p:tgtEl>
+                                          <p:spTgt spid="34"/>
+                                        </p:tgtEl>
+                                      </p:cBhvr>
+                                    </p:animEffect>
+                                  </p:childTnLst>
+                                </p:cTn>
+                              </p:par>
+                            </p:childTnLst>
+                          </p:cTn>
+                        </p:par>
+                        <p:par>
+                          <p:cTn id="98" fill="hold">
+                            <p:stCondLst>
+                              <p:cond delay="4000"/>
+                            </p:stCondLst>
+                            <p:childTnLst>
+                              <p:par>
+                                <p:cTn id="99" presetID="10" presetClass="entr" presetSubtype="0" fill="hold" grpId="0" nodeType="afterEffect">
+                                  <p:stCondLst>
+                                    <p:cond delay="0"/>
+                                  </p:stCondLst>
+                                  <p:childTnLst>
+                                    <p:set>
+                                      <p:cBhvr>
+                                        <p:cTn id="100" dur="1" fill="hold">
+                                          <p:stCondLst>
+                                            <p:cond delay="0"/>
+                                          </p:stCondLst>
+                                        </p:cTn>
+                                        <p:tgtEl>
+                                          <p:spTgt spid="13"/>
+                                        </p:tgtEl>
+                                        <p:attrNameLst>
+                                          <p:attrName>style.visibility</p:attrName>
+                                        </p:attrNameLst>
+                                      </p:cBhvr>
+                                      <p:to>
+                                        <p:strVal val="visible"/>
+                                      </p:to>
+                                    </p:set>
+                                    <p:animEffect transition="in" filter="fade">
+                                      <p:cBhvr>
+                                        <p:cTn id="101" dur="500"/>
+                                        <p:tgtEl>
+                                          <p:spTgt spid="13"/>
+                                        </p:tgtEl>
+                                      </p:cBhvr>
+                                    </p:animEffect>
+                                  </p:childTnLst>
+                                </p:cTn>
+                              </p:par>
+                            </p:childTnLst>
+                          </p:cTn>
+                        </p:par>
+                        <p:par>
+                          <p:cTn id="102" fill="hold">
+                            <p:stCondLst>
+                              <p:cond delay="4500"/>
+                            </p:stCondLst>
+                            <p:childTnLst>
+                              <p:par>
+                                <p:cTn id="103" presetID="10" presetClass="entr" presetSubtype="0" fill="hold" grpId="0" nodeType="afterEffect">
+                                  <p:stCondLst>
+                                    <p:cond delay="0"/>
+                                  </p:stCondLst>
+                                  <p:childTnLst>
+                                    <p:set>
+                                      <p:cBhvr>
+                                        <p:cTn id="104" dur="1" fill="hold">
+                                          <p:stCondLst>
+                                            <p:cond delay="0"/>
+                                          </p:stCondLst>
+                                        </p:cTn>
+                                        <p:tgtEl>
+                                          <p:spTgt spid="26"/>
+                                        </p:tgtEl>
+                                        <p:attrNameLst>
+                                          <p:attrName>style.visibility</p:attrName>
+                                        </p:attrNameLst>
+                                      </p:cBhvr>
+                                      <p:to>
+                                        <p:strVal val="visible"/>
+                                      </p:to>
+                                    </p:set>
+                                    <p:animEffect transition="in" filter="fade">
+                                      <p:cBhvr>
+                                        <p:cTn id="105" dur="500"/>
+                                        <p:tgtEl>
+                                          <p:spTgt spid="26"/>
+                                        </p:tgtEl>
+                                      </p:cBhvr>
+                                    </p:animEffect>
+                                  </p:childTnLst>
+                                </p:cTn>
+                              </p:par>
+                            </p:childTnLst>
+                          </p:cTn>
+                        </p:par>
+                        <p:par>
+                          <p:cTn id="106" fill="hold">
+                            <p:stCondLst>
+                              <p:cond delay="5000"/>
+                            </p:stCondLst>
+                            <p:childTnLst>
+                              <p:par>
+                                <p:cTn id="107" presetID="10" presetClass="entr" presetSubtype="0" fill="hold" grpId="0" nodeType="afterEffect">
+                                  <p:stCondLst>
+                                    <p:cond delay="0"/>
+                                  </p:stCondLst>
+                                  <p:childTnLst>
+                                    <p:set>
+                                      <p:cBhvr>
+                                        <p:cTn id="108" dur="1" fill="hold">
+                                          <p:stCondLst>
+                                            <p:cond delay="0"/>
+                                          </p:stCondLst>
+                                        </p:cTn>
+                                        <p:tgtEl>
+                                          <p:spTgt spid="27"/>
+                                        </p:tgtEl>
+                                        <p:attrNameLst>
+                                          <p:attrName>style.visibility</p:attrName>
+                                        </p:attrNameLst>
+                                      </p:cBhvr>
+                                      <p:to>
+                                        <p:strVal val="visible"/>
+                                      </p:to>
+                                    </p:set>
+                                    <p:animEffect transition="in" filter="fade">
+                                      <p:cBhvr>
+                                        <p:cTn id="109" dur="500"/>
+                                        <p:tgtEl>
+                                          <p:spTgt spid="27"/>
+                                        </p:tgtEl>
+                                      </p:cBhvr>
+                                    </p:animEffect>
+                                  </p:childTnLst>
+                                </p:cTn>
+                              </p:par>
+                            </p:childTnLst>
+                          </p:cTn>
+                        </p:par>
+                        <p:par>
+                          <p:cTn id="110" fill="hold">
+                            <p:stCondLst>
+                              <p:cond delay="5500"/>
+                            </p:stCondLst>
+                            <p:childTnLst>
+                              <p:par>
+                                <p:cTn id="111" presetID="10" presetClass="entr" presetSubtype="0" fill="hold" grpId="0" nodeType="afterEffect">
+                                  <p:stCondLst>
+                                    <p:cond delay="0"/>
+                                  </p:stCondLst>
+                                  <p:childTnLst>
+                                    <p:set>
+                                      <p:cBhvr>
+                                        <p:cTn id="112" dur="1" fill="hold">
+                                          <p:stCondLst>
+                                            <p:cond delay="0"/>
+                                          </p:stCondLst>
+                                        </p:cTn>
+                                        <p:tgtEl>
+                                          <p:spTgt spid="11"/>
+                                        </p:tgtEl>
+                                        <p:attrNameLst>
+                                          <p:attrName>style.visibility</p:attrName>
+                                        </p:attrNameLst>
+                                      </p:cBhvr>
+                                      <p:to>
+                                        <p:strVal val="visible"/>
+                                      </p:to>
+                                    </p:set>
+                                    <p:animEffect transition="in" filter="fade">
+                                      <p:cBhvr>
+                                        <p:cTn id="113" dur="500"/>
+                                        <p:tgtEl>
+                                          <p:spTgt spid="11"/>
+                                        </p:tgtEl>
+                                      </p:cBhvr>
+                                    </p:animEffect>
+                                  </p:childTnLst>
+                                </p:cTn>
+                              </p:par>
+                            </p:childTnLst>
+                          </p:cTn>
+                        </p:par>
+                        <p:par>
+                          <p:cTn id="114" fill="hold">
+                            <p:stCondLst>
+                              <p:cond delay="6000"/>
+                            </p:stCondLst>
+                            <p:childTnLst>
+                              <p:par>
+                                <p:cTn id="115" presetID="10" presetClass="entr" presetSubtype="0" fill="hold" grpId="0" nodeType="afterEffect">
+                                  <p:stCondLst>
+                                    <p:cond delay="0"/>
+                                  </p:stCondLst>
+                                  <p:childTnLst>
+                                    <p:set>
+                                      <p:cBhvr>
+                                        <p:cTn id="116" dur="1" fill="hold">
+                                          <p:stCondLst>
+                                            <p:cond delay="0"/>
+                                          </p:stCondLst>
+                                        </p:cTn>
+                                        <p:tgtEl>
+                                          <p:spTgt spid="33"/>
+                                        </p:tgtEl>
+                                        <p:attrNameLst>
+                                          <p:attrName>style.visibility</p:attrName>
+                                        </p:attrNameLst>
+                                      </p:cBhvr>
+                                      <p:to>
+                                        <p:strVal val="visible"/>
+                                      </p:to>
+                                    </p:set>
+                                    <p:animEffect transition="in" filter="fade">
+                                      <p:cBhvr>
+                                        <p:cTn id="117" dur="500"/>
+                                        <p:tgtEl>
+                                          <p:spTgt spid="33"/>
+                                        </p:tgtEl>
+                                      </p:cBhvr>
+                                    </p:animEffect>
+                                  </p:childTnLst>
+                                </p:cTn>
+                              </p:par>
+                            </p:childTnLst>
+                          </p:cTn>
+                        </p:par>
+                        <p:par>
+                          <p:cTn id="118" fill="hold">
+                            <p:stCondLst>
+                              <p:cond delay="6500"/>
+                            </p:stCondLst>
+                            <p:childTnLst>
+                              <p:par>
+                                <p:cTn id="119" presetID="10" presetClass="entr" presetSubtype="0" fill="hold" grpId="0" nodeType="afterEffect">
+                                  <p:stCondLst>
+                                    <p:cond delay="0"/>
+                                  </p:stCondLst>
+                                  <p:childTnLst>
+                                    <p:set>
+                                      <p:cBhvr>
+                                        <p:cTn id="120" dur="1" fill="hold">
+                                          <p:stCondLst>
+                                            <p:cond delay="0"/>
+                                          </p:stCondLst>
+                                        </p:cTn>
+                                        <p:tgtEl>
+                                          <p:spTgt spid="35"/>
+                                        </p:tgtEl>
+                                        <p:attrNameLst>
+                                          <p:attrName>style.visibility</p:attrName>
+                                        </p:attrNameLst>
+                                      </p:cBhvr>
+                                      <p:to>
+                                        <p:strVal val="visible"/>
+                                      </p:to>
+                                    </p:set>
+                                    <p:animEffect transition="in" filter="fade">
+                                      <p:cBhvr>
+                                        <p:cTn id="121" dur="500"/>
+                                        <p:tgtEl>
+                                          <p:spTgt spid="35"/>
+                                        </p:tgtEl>
+                                      </p:cBhvr>
+                                    </p:animEffect>
+                                  </p:childTnLst>
+                                </p:cTn>
+                              </p:par>
+                            </p:childTnLst>
+                          </p:cTn>
+                        </p:par>
+                      </p:childTnLst>
+                    </p:cTn>
+                  </p:par>
+                </p:childTnLst>
+              </p:cTn>
+              <p:prevCondLst>
+                <p:cond evt="onPrev" delay="0">
+                  <p:tgtEl>
+                    <p:sldTgt/>
+                  </p:tgtEl>
+                </p:cond>
+              </p:prevCondLst>
+              <p:nextCondLst>
+                <p:cond evt="onNext" delay="0">
+                  <p:tgtEl>
+                    <p:sldTgt/>
+                  </p:tgtEl>
+                </p:cond>
+              </p:nextCondLst>
+            </p:seq>
+          </p:childTnLst>
+        </p:cTn>
+      </p:par>
+    </p:tnLst>
+    <p:bldLst>
+      <p:bldP spid="6" grpId="0" animBg="1"/>
+      <p:bldP spid="7" grpId="0" animBg="1"/>
+      <p:bldP spid="8" grpId="0" animBg="1"/>
+      <p:bldP spid="9" grpId="0" animBg="1"/>
+      <p:bldP spid="10" grpId="0" animBg="1"/>
+      <p:bldP spid="11" grpId="0" animBg="1"/>
+      <p:bldP spid="12" grpId="0" animBg="1"/>
+      <p:bldP spid="13" grpId="0" animBg="1"/>
+      <p:bldP spid="14" grpId="0" animBg="1"/>
+      <p:bldP spid="15" grpId="0" animBg="1"/>
+      <p:bldP spid="16" grpId="0" animBg="1"/>
+      <p:bldP spid="17" grpId="0" animBg="1"/>
+      <p:bldP spid="18" grpId="0" animBg="1"/>
+      <p:bldP spid="19" grpId="0" animBg="1"/>
+      <p:bldP spid="20" grpId="0" animBg="1"/>
+      <p:bldP spid="21" grpId="0" animBg="1"/>
+      <p:bldP spid="23" grpId="0" animBg="1"/>
+      <p:bldP spid="24" grpId="0" animBg="1"/>
+      <p:bldP spid="25" grpId="0" animBg="1"/>
+      <p:bldP spid="26" grpId="0" animBg="1"/>
+      <p:bldP spid="27" grpId="0" animBg="1"/>
+      <p:bldP spid="28" grpId="0" animBg="1"/>
+      <p:bldP spid="29" grpId="0" animBg="1"/>
+      <p:bldP spid="30" grpId="0" animBg="1"/>
+      <p:bldP spid="31" grpId="0"/>
+      <p:bldP spid="32" grpId="0"/>
+      <p:bldP spid="33" grpId="0" animBg="1"/>
+      <p:bldP spid="34" grpId="0"/>
+      <p:bldP spid="35" grpId="0"/>
+    </p:bldLst>
+  </p:timing>
+</p:sld>
+</file>
+
+<file path=ppt/slides/slide4.xml><?xml version="1.0" encoding="utf-8"?>
+<p:sld xmlns:a="http://schemas.openxmlformats.org/drawingml/2006/main" xmlns:r="http://schemas.openxmlformats.org/officeDocument/2006/relationships" xmlns:p="http://schemas.openxmlformats.org/presentationml/2006/main">
+  <p:cSld>
+    <p:spTree>
+      <p:nvGrpSpPr>
+        <p:cNvPr id="1" name=""/>
+        <p:cNvGrpSpPr/>
+        <p:nvPr/>
+      </p:nvGrpSpPr>
+      <p:grpSpPr>
+        <a:xfrm>
+          <a:off x="0" y="0"/>
+          <a:ext cx="0" cy="0"/>
+          <a:chOff x="0" y="0"/>
+          <a:chExt cx="0" cy="0"/>
+        </a:xfrm>
+      </p:grpSpPr>
+      <p:sp>
+        <p:nvSpPr>
+          <p:cNvPr id="6" name="下箭头 10">
+            <a:extLst>
+              <a:ext uri="{FF2B5EF4-FFF2-40B4-BE49-F238E27FC236}">
+                <a16:creationId xmlns:a16="http://schemas.microsoft.com/office/drawing/2014/main" id="{37653EB6-2AF7-4D35-BCE6-56EC37061BF8}"/>
+              </a:ext>
+            </a:extLst>
+          </p:cNvPr>
+          <p:cNvSpPr/>
+          <p:nvPr/>
+        </p:nvSpPr>
+        <p:spPr bwMode="auto">
+          <a:xfrm>
+            <a:off x="1909921" y="2307946"/>
+            <a:ext cx="324036" cy="494634"/>
+          </a:xfrm>
+          <a:prstGeom prst="downArrow">
+            <a:avLst/>
+          </a:prstGeom>
+          <a:noFill/>
+          <a:ln w="9525" cap="flat" cmpd="sng" algn="ctr">
+            <a:solidFill>
+              <a:schemeClr val="tx1"/>
+            </a:solidFill>
+            <a:prstDash val="solid"/>
+            <a:round/>
+            <a:headEnd type="none" w="med" len="med"/>
+            <a:tailEnd type="none" w="med" len="med"/>
+          </a:ln>
+          <a:effectLst/>
+        </p:spPr>
+        <p:txBody>
+          <a:bodyPr vert="horz" wrap="square" lIns="91440" tIns="45720" rIns="91440" bIns="45720" numCol="1" rtlCol="0" anchor="t" anchorCtr="0" compatLnSpc="1"/>
+          <a:lstStyle/>
+          <a:p>
+            <a:pPr marL="0" marR="0" indent="0" algn="l" defTabSz="914400" rtl="0" eaLnBrk="1" fontAlgn="base" latinLnBrk="0" hangingPunct="1">
+              <a:lnSpc>
+                <a:spcPct val="100000"/>
+              </a:lnSpc>
+              <a:spcBef>
+                <a:spcPct val="0"/>
+              </a:spcBef>
+              <a:spcAft>
+                <a:spcPct val="0"/>
+              </a:spcAft>
+              <a:buClrTx/>
+              <a:buSzTx/>
+              <a:buFontTx/>
+              <a:buNone/>
+            </a:pPr>
+            <a:endParaRPr kumimoji="0" lang="zh-CN" altLang="en-US" b="0" i="0" u="none" strike="noStrike" cap="none" normalizeH="0" baseline="0">
+              <a:ln>
+                <a:noFill/>
+              </a:ln>
+              <a:solidFill>
+                <a:schemeClr val="tx1"/>
+              </a:solidFill>
+              <a:effectLst/>
+              <a:latin typeface="Times New Roman" panose="02020603050405020304" pitchFamily="18" charset="0"/>
+              <a:ea typeface="宋体" panose="02010600030101010101" pitchFamily="2" charset="-122"/>
+            </a:endParaRPr>
+          </a:p>
+        </p:txBody>
+      </p:sp>
+      <p:sp>
+        <p:nvSpPr>
+          <p:cNvPr id="7" name="矩形 6">
+            <a:extLst>
+              <a:ext uri="{FF2B5EF4-FFF2-40B4-BE49-F238E27FC236}">
+                <a16:creationId xmlns:a16="http://schemas.microsoft.com/office/drawing/2014/main" id="{445569BB-8289-4221-8876-1F00684AF6C9}"/>
+              </a:ext>
+            </a:extLst>
+          </p:cNvPr>
+          <p:cNvSpPr/>
+          <p:nvPr/>
+        </p:nvSpPr>
+        <p:spPr bwMode="auto">
+          <a:xfrm>
+            <a:off x="1106309" y="2891593"/>
+            <a:ext cx="1912022" cy="393172"/>
+          </a:xfrm>
+          <a:prstGeom prst="rect">
+            <a:avLst/>
+          </a:prstGeom>
+          <a:noFill/>
+          <a:ln w="9525" cap="flat" cmpd="sng" algn="ctr">
+            <a:solidFill>
+              <a:schemeClr val="tx1"/>
+            </a:solidFill>
+            <a:prstDash val="solid"/>
+            <a:round/>
+            <a:headEnd type="none" w="med" len="med"/>
+            <a:tailEnd type="none" w="med" len="med"/>
+          </a:ln>
+          <a:effectLst/>
+        </p:spPr>
+        <p:txBody>
+          <a:bodyPr vert="horz" wrap="square" lIns="91440" tIns="45720" rIns="91440" bIns="45720" numCol="1" rtlCol="0" anchor="t" anchorCtr="0" compatLnSpc="1"/>
+          <a:lstStyle/>
+          <a:p>
+            <a:pPr marL="0" marR="0" indent="0" algn="ctr" defTabSz="914400" rtl="0" eaLnBrk="1" fontAlgn="base" latinLnBrk="0" hangingPunct="1">
+              <a:lnSpc>
+                <a:spcPct val="100000"/>
+              </a:lnSpc>
+              <a:spcBef>
+                <a:spcPct val="0"/>
+              </a:spcBef>
+              <a:spcAft>
+                <a:spcPct val="0"/>
+              </a:spcAft>
+              <a:buClrTx/>
+              <a:buSzTx/>
+              <a:buFontTx/>
+              <a:buNone/>
+            </a:pPr>
+            <a:r>
+              <a:rPr lang="zh-CN" altLang="en-US" dirty="0">
+                <a:latin typeface="Times New Roman" panose="02020603050405020304" pitchFamily="18" charset="0"/>
+                <a:ea typeface="宋体" panose="02010600030101010101" pitchFamily="2" charset="-122"/>
+              </a:rPr>
+              <a:t>中文分词、分字</a:t>
+            </a:r>
+            <a:endParaRPr kumimoji="0" lang="zh-CN" altLang="en-US" b="0" i="0" u="none" strike="noStrike" cap="none" normalizeH="0" baseline="0" dirty="0">
+              <a:ln>
+                <a:noFill/>
+              </a:ln>
+              <a:solidFill>
+                <a:schemeClr val="tx1"/>
+              </a:solidFill>
+              <a:effectLst/>
+              <a:latin typeface="Times New Roman" panose="02020603050405020304" pitchFamily="18" charset="0"/>
+              <a:ea typeface="宋体" panose="02010600030101010101" pitchFamily="2" charset="-122"/>
+            </a:endParaRPr>
+          </a:p>
+        </p:txBody>
+      </p:sp>
+      <p:sp>
+        <p:nvSpPr>
+          <p:cNvPr id="8" name="矩形 7">
+            <a:extLst>
+              <a:ext uri="{FF2B5EF4-FFF2-40B4-BE49-F238E27FC236}">
+                <a16:creationId xmlns:a16="http://schemas.microsoft.com/office/drawing/2014/main" id="{05309F72-3E67-44AB-82D3-D213AF404B82}"/>
+              </a:ext>
+            </a:extLst>
+          </p:cNvPr>
+          <p:cNvSpPr/>
+          <p:nvPr/>
+        </p:nvSpPr>
+        <p:spPr bwMode="auto">
+          <a:xfrm>
+            <a:off x="3411750" y="4244698"/>
+            <a:ext cx="1850826" cy="727543"/>
+          </a:xfrm>
+          <a:prstGeom prst="rect">
+            <a:avLst/>
+          </a:prstGeom>
+          <a:noFill/>
+          <a:ln w="9525" cap="flat" cmpd="sng" algn="ctr">
+            <a:solidFill>
+              <a:schemeClr val="tx1"/>
+            </a:solidFill>
+            <a:prstDash val="solid"/>
+            <a:round/>
+            <a:headEnd type="none" w="med" len="med"/>
+            <a:tailEnd type="none" w="med" len="med"/>
+          </a:ln>
+          <a:effectLst/>
+        </p:spPr>
+        <p:txBody>
+          <a:bodyPr vert="horz" wrap="square" lIns="91440" tIns="45720" rIns="91440" bIns="45720" numCol="1" rtlCol="0" anchor="t" anchorCtr="0" compatLnSpc="1"/>
+          <a:lstStyle/>
+          <a:p>
+            <a:pPr marL="0" marR="0" indent="0" algn="ctr" defTabSz="914400" rtl="0" eaLnBrk="1" fontAlgn="base" latinLnBrk="0" hangingPunct="1">
+              <a:lnSpc>
+                <a:spcPct val="100000"/>
+              </a:lnSpc>
+              <a:spcBef>
+                <a:spcPct val="0"/>
+              </a:spcBef>
+              <a:spcAft>
+                <a:spcPct val="0"/>
+              </a:spcAft>
+              <a:buClrTx/>
+              <a:buSzTx/>
+              <a:buFontTx/>
+              <a:buNone/>
+            </a:pPr>
+            <a:r>
+              <a:rPr kumimoji="0" lang="en-US" altLang="zh-CN" b="0" i="0" u="none" strike="noStrike" cap="none" normalizeH="0" baseline="0" dirty="0">
+                <a:ln>
+                  <a:noFill/>
+                </a:ln>
+                <a:solidFill>
+                  <a:schemeClr val="tx1"/>
+                </a:solidFill>
+                <a:effectLst/>
+              </a:rPr>
+              <a:t>CNN</a:t>
+            </a:r>
+            <a:r>
+              <a:rPr kumimoji="0" lang="zh-CN" altLang="en-US" b="0" i="0" u="none" strike="noStrike" cap="none" normalizeH="0" baseline="0" dirty="0">
+                <a:ln>
+                  <a:noFill/>
+                </a:ln>
+                <a:solidFill>
+                  <a:schemeClr val="tx1"/>
+                </a:solidFill>
+                <a:effectLst/>
+              </a:rPr>
+              <a:t>中文</a:t>
+            </a:r>
+            <a:endParaRPr kumimoji="0" lang="en-US" altLang="zh-CN" b="0" i="0" u="none" strike="noStrike" cap="none" normalizeH="0" baseline="0" dirty="0">
+              <a:ln>
+                <a:noFill/>
+              </a:ln>
+              <a:solidFill>
+                <a:schemeClr val="tx1"/>
+              </a:solidFill>
+              <a:effectLst/>
+            </a:endParaRPr>
+          </a:p>
+          <a:p>
+            <a:pPr marL="0" marR="0" indent="0" algn="ctr" defTabSz="914400" rtl="0" eaLnBrk="1" fontAlgn="base" latinLnBrk="0" hangingPunct="1">
+              <a:lnSpc>
+                <a:spcPct val="100000"/>
+              </a:lnSpc>
+              <a:spcBef>
+                <a:spcPct val="0"/>
+              </a:spcBef>
+              <a:spcAft>
+                <a:spcPct val="0"/>
+              </a:spcAft>
+              <a:buClrTx/>
+              <a:buSzTx/>
+              <a:buFontTx/>
+              <a:buNone/>
+            </a:pPr>
+            <a:r>
+              <a:rPr kumimoji="0" lang="zh-CN" altLang="en-US" b="0" i="0" u="none" strike="noStrike" cap="none" normalizeH="0" baseline="0" dirty="0">
+                <a:ln>
+                  <a:noFill/>
+                </a:ln>
+                <a:solidFill>
+                  <a:schemeClr val="tx1"/>
+                </a:solidFill>
+                <a:effectLst/>
+              </a:rPr>
+              <a:t>字级编码</a:t>
+            </a:r>
+          </a:p>
+        </p:txBody>
+      </p:sp>
+      <p:sp>
+        <p:nvSpPr>
+          <p:cNvPr id="9" name="矩形 8">
+            <a:extLst>
+              <a:ext uri="{FF2B5EF4-FFF2-40B4-BE49-F238E27FC236}">
+                <a16:creationId xmlns:a16="http://schemas.microsoft.com/office/drawing/2014/main" id="{258A49E7-DD37-4366-8582-B7EEF2ECC7DD}"/>
+              </a:ext>
+            </a:extLst>
+          </p:cNvPr>
+          <p:cNvSpPr/>
+          <p:nvPr/>
+        </p:nvSpPr>
+        <p:spPr bwMode="auto">
+          <a:xfrm>
+            <a:off x="3528918" y="3056752"/>
+            <a:ext cx="1688737" cy="590688"/>
+          </a:xfrm>
+          <a:prstGeom prst="rect">
+            <a:avLst/>
+          </a:prstGeom>
+          <a:noFill/>
+          <a:ln w="9525" cap="flat" cmpd="sng" algn="ctr">
+            <a:solidFill>
+              <a:schemeClr val="tx1"/>
+            </a:solidFill>
+            <a:prstDash val="solid"/>
+            <a:round/>
+            <a:headEnd type="none" w="med" len="med"/>
+            <a:tailEnd type="none" w="med" len="med"/>
+          </a:ln>
+          <a:effectLst/>
+        </p:spPr>
+        <p:txBody>
+          <a:bodyPr vert="horz" wrap="square" lIns="91440" tIns="45720" rIns="91440" bIns="45720" numCol="1" rtlCol="0" anchor="t" anchorCtr="0" compatLnSpc="1"/>
+          <a:lstStyle/>
+          <a:p>
+            <a:pPr marL="0" marR="0" indent="0" algn="ctr" defTabSz="914400" rtl="0" eaLnBrk="1" fontAlgn="base" latinLnBrk="0" hangingPunct="1">
+              <a:lnSpc>
+                <a:spcPct val="100000"/>
+              </a:lnSpc>
+              <a:spcBef>
+                <a:spcPct val="0"/>
+              </a:spcBef>
+              <a:spcAft>
+                <a:spcPct val="0"/>
+              </a:spcAft>
+              <a:buClrTx/>
+              <a:buSzTx/>
+              <a:buFontTx/>
+              <a:buNone/>
+            </a:pPr>
+            <a:r>
+              <a:rPr lang="en-US" altLang="zh-CN" dirty="0">
+                <a:latin typeface="Times New Roman" panose="02020603050405020304" pitchFamily="18" charset="0"/>
+                <a:ea typeface="宋体" panose="02010600030101010101" pitchFamily="2" charset="-122"/>
+              </a:rPr>
+              <a:t>Word2Vec</a:t>
+            </a:r>
+            <a:r>
+              <a:rPr lang="zh-CN" altLang="en-US" dirty="0">
+                <a:latin typeface="Times New Roman" panose="02020603050405020304" pitchFamily="18" charset="0"/>
+                <a:ea typeface="宋体" panose="02010600030101010101" pitchFamily="2" charset="-122"/>
+              </a:rPr>
+              <a:t>中文</a:t>
+            </a:r>
+            <a:r>
+              <a:rPr kumimoji="0" lang="zh-CN" altLang="en-US" b="0" i="0" u="none" strike="noStrike" cap="none" normalizeH="0" baseline="0" dirty="0">
+                <a:ln>
+                  <a:noFill/>
+                </a:ln>
+                <a:solidFill>
+                  <a:schemeClr val="tx1"/>
+                </a:solidFill>
+                <a:effectLst/>
+                <a:latin typeface="Times New Roman" panose="02020603050405020304" pitchFamily="18" charset="0"/>
+                <a:ea typeface="宋体" panose="02010600030101010101" pitchFamily="2" charset="-122"/>
+              </a:rPr>
+              <a:t>词级编码</a:t>
+            </a:r>
+          </a:p>
+        </p:txBody>
+      </p:sp>
+      <p:sp>
+        <p:nvSpPr>
+          <p:cNvPr id="10" name="圆角矩形 15">
+            <a:extLst>
+              <a:ext uri="{FF2B5EF4-FFF2-40B4-BE49-F238E27FC236}">
+                <a16:creationId xmlns:a16="http://schemas.microsoft.com/office/drawing/2014/main" id="{70B66491-C123-4AD5-A981-98F8821C647E}"/>
+              </a:ext>
+            </a:extLst>
+          </p:cNvPr>
+          <p:cNvSpPr/>
+          <p:nvPr/>
+        </p:nvSpPr>
+        <p:spPr bwMode="auto">
+          <a:xfrm>
+            <a:off x="8074795" y="1472206"/>
+            <a:ext cx="1800200" cy="596740"/>
+          </a:xfrm>
+          <a:prstGeom prst="roundRect">
+            <a:avLst/>
+          </a:prstGeom>
+          <a:noFill/>
+          <a:ln w="9525" cap="flat" cmpd="sng" algn="ctr">
+            <a:solidFill>
+              <a:schemeClr val="tx1"/>
+            </a:solidFill>
+            <a:prstDash val="solid"/>
+            <a:round/>
+            <a:headEnd type="none" w="med" len="med"/>
+            <a:tailEnd type="none" w="med" len="med"/>
+          </a:ln>
+          <a:effectLst/>
+        </p:spPr>
+        <p:txBody>
+          <a:bodyPr vert="horz" wrap="square" lIns="91440" tIns="45720" rIns="91440" bIns="45720" numCol="1" rtlCol="0" anchor="t" anchorCtr="0" compatLnSpc="1"/>
+          <a:lstStyle/>
+          <a:p>
+            <a:pPr marL="0" marR="0" indent="0" algn="ctr" defTabSz="914400" rtl="0" eaLnBrk="1" fontAlgn="base" latinLnBrk="0" hangingPunct="1">
+              <a:lnSpc>
+                <a:spcPct val="100000"/>
+              </a:lnSpc>
+              <a:spcBef>
+                <a:spcPct val="0"/>
+              </a:spcBef>
+              <a:spcAft>
+                <a:spcPct val="0"/>
+              </a:spcAft>
+              <a:buClrTx/>
+              <a:buSzTx/>
+              <a:buFontTx/>
+              <a:buNone/>
+            </a:pPr>
+            <a:r>
+              <a:rPr lang="zh-CN" altLang="en-US" dirty="0">
+                <a:latin typeface="Times New Roman" panose="02020603050405020304" pitchFamily="18" charset="0"/>
+                <a:ea typeface="宋体" panose="02010600030101010101" pitchFamily="2" charset="-122"/>
+              </a:rPr>
+              <a:t>问题与上下文融合表示</a:t>
+            </a:r>
+            <a:endParaRPr kumimoji="0" lang="zh-CN" altLang="en-US" b="0" i="0" u="none" strike="noStrike" cap="none" normalizeH="0" baseline="0" dirty="0">
+              <a:ln>
+                <a:noFill/>
+              </a:ln>
+              <a:solidFill>
+                <a:schemeClr val="tx1"/>
+              </a:solidFill>
+              <a:effectLst/>
+              <a:latin typeface="Times New Roman" panose="02020603050405020304" pitchFamily="18" charset="0"/>
+              <a:ea typeface="宋体" panose="02010600030101010101" pitchFamily="2" charset="-122"/>
+            </a:endParaRPr>
+          </a:p>
+        </p:txBody>
+      </p:sp>
+      <p:sp>
+        <p:nvSpPr>
+          <p:cNvPr id="11" name="椭圆 10">
+            <a:extLst>
+              <a:ext uri="{FF2B5EF4-FFF2-40B4-BE49-F238E27FC236}">
+                <a16:creationId xmlns:a16="http://schemas.microsoft.com/office/drawing/2014/main" id="{5CEB0793-F8C9-4299-87B3-16C8FD53FD90}"/>
+              </a:ext>
+            </a:extLst>
+          </p:cNvPr>
+          <p:cNvSpPr/>
+          <p:nvPr/>
+        </p:nvSpPr>
+        <p:spPr bwMode="auto">
+          <a:xfrm>
+            <a:off x="8074795" y="4133814"/>
+            <a:ext cx="1800200" cy="630070"/>
+          </a:xfrm>
+          <a:prstGeom prst="ellipse">
+            <a:avLst/>
+          </a:prstGeom>
+          <a:noFill/>
+          <a:ln w="9525" cap="flat" cmpd="sng" algn="ctr">
+            <a:solidFill>
+              <a:schemeClr val="tx1"/>
+            </a:solidFill>
+            <a:prstDash val="solid"/>
+            <a:round/>
+            <a:headEnd type="none" w="med" len="med"/>
+            <a:tailEnd type="none" w="med" len="med"/>
+          </a:ln>
+          <a:effectLst/>
+        </p:spPr>
+        <p:txBody>
+          <a:bodyPr vert="horz" wrap="square" lIns="91440" tIns="45720" rIns="91440" bIns="45720" numCol="1" rtlCol="0" anchor="t" anchorCtr="0" compatLnSpc="1"/>
+          <a:lstStyle/>
+          <a:p>
+            <a:pPr marL="0" marR="0" indent="0" algn="ctr" defTabSz="914400" rtl="0" eaLnBrk="1" fontAlgn="base" latinLnBrk="0" hangingPunct="1">
+              <a:lnSpc>
+                <a:spcPct val="100000"/>
+              </a:lnSpc>
+              <a:spcBef>
+                <a:spcPct val="0"/>
+              </a:spcBef>
+              <a:spcAft>
+                <a:spcPct val="0"/>
+              </a:spcAft>
+              <a:buClrTx/>
+              <a:buSzTx/>
+              <a:buFontTx/>
+              <a:buNone/>
+            </a:pPr>
+            <a:r>
+              <a:rPr kumimoji="0" lang="zh-CN" altLang="en-US" b="0" i="0" u="none" strike="noStrike" cap="none" normalizeH="0" baseline="0" dirty="0">
+                <a:ln>
+                  <a:noFill/>
+                </a:ln>
+                <a:solidFill>
+                  <a:schemeClr val="tx1"/>
+                </a:solidFill>
+                <a:effectLst/>
+                <a:latin typeface="Times New Roman" panose="02020603050405020304" pitchFamily="18" charset="0"/>
+                <a:ea typeface="宋体" panose="02010600030101010101" pitchFamily="2" charset="-122"/>
+              </a:rPr>
+              <a:t>评测结果</a:t>
+            </a:r>
+          </a:p>
+        </p:txBody>
+      </p:sp>
+      <p:sp>
+        <p:nvSpPr>
+          <p:cNvPr id="12" name="流程图: 磁盘 11">
+            <a:extLst>
+              <a:ext uri="{FF2B5EF4-FFF2-40B4-BE49-F238E27FC236}">
+                <a16:creationId xmlns:a16="http://schemas.microsoft.com/office/drawing/2014/main" id="{D6E1FED1-456C-421A-BA35-EC6499A15383}"/>
+              </a:ext>
+            </a:extLst>
+          </p:cNvPr>
+          <p:cNvSpPr/>
+          <p:nvPr/>
+        </p:nvSpPr>
+        <p:spPr bwMode="auto">
+          <a:xfrm>
+            <a:off x="1315482" y="3913200"/>
+            <a:ext cx="1512917" cy="1059042"/>
+          </a:xfrm>
+          <a:prstGeom prst="flowChartMagneticDisk">
+            <a:avLst/>
+          </a:prstGeom>
+          <a:noFill/>
+          <a:ln w="9525" cap="flat" cmpd="sng" algn="ctr">
+            <a:solidFill>
+              <a:schemeClr val="tx1"/>
+            </a:solidFill>
+            <a:prstDash val="solid"/>
+            <a:round/>
+            <a:headEnd type="none" w="med" len="med"/>
+            <a:tailEnd type="none" w="med" len="med"/>
+          </a:ln>
+          <a:effectLst/>
+        </p:spPr>
+        <p:txBody>
+          <a:bodyPr vert="horz" wrap="square" lIns="91440" tIns="45720" rIns="91440" bIns="45720" numCol="1" rtlCol="0" anchor="t" anchorCtr="0" compatLnSpc="1"/>
+          <a:lstStyle/>
+          <a:p>
+            <a:pPr marL="0" marR="0" indent="0" algn="ctr" defTabSz="914400" rtl="0" eaLnBrk="1" fontAlgn="base" latinLnBrk="0" hangingPunct="1">
+              <a:lnSpc>
+                <a:spcPct val="100000"/>
+              </a:lnSpc>
+              <a:spcBef>
+                <a:spcPct val="0"/>
+              </a:spcBef>
+              <a:spcAft>
+                <a:spcPct val="0"/>
+              </a:spcAft>
+              <a:buClrTx/>
+              <a:buSzTx/>
+              <a:buFontTx/>
+              <a:buNone/>
+            </a:pPr>
+            <a:r>
+              <a:rPr kumimoji="0" lang="zh-CN" altLang="en-US" b="0" i="0" u="none" strike="noStrike" cap="none" normalizeH="0" baseline="0" dirty="0">
+                <a:ln>
+                  <a:noFill/>
+                </a:ln>
+                <a:effectLst/>
+                <a:latin typeface="Times New Roman" panose="02020603050405020304" pitchFamily="18" charset="0"/>
+                <a:ea typeface="宋体" panose="02010600030101010101" pitchFamily="2" charset="-122"/>
+              </a:rPr>
+              <a:t>中文字词</a:t>
+            </a:r>
+            <a:endParaRPr kumimoji="0" lang="en-US" altLang="zh-CN" b="0" i="0" u="none" strike="noStrike" cap="none" normalizeH="0" baseline="0" dirty="0">
+              <a:ln>
+                <a:noFill/>
+              </a:ln>
+              <a:effectLst/>
+              <a:latin typeface="Times New Roman" panose="02020603050405020304" pitchFamily="18" charset="0"/>
+              <a:ea typeface="宋体" panose="02010600030101010101" pitchFamily="2" charset="-122"/>
+            </a:endParaRPr>
+          </a:p>
+          <a:p>
+            <a:pPr marL="0" marR="0" indent="0" algn="ctr" defTabSz="914400" rtl="0" eaLnBrk="1" fontAlgn="base" latinLnBrk="0" hangingPunct="1">
+              <a:lnSpc>
+                <a:spcPct val="100000"/>
+              </a:lnSpc>
+              <a:spcBef>
+                <a:spcPct val="0"/>
+              </a:spcBef>
+              <a:spcAft>
+                <a:spcPct val="0"/>
+              </a:spcAft>
+              <a:buClrTx/>
+              <a:buSzTx/>
+              <a:buFontTx/>
+              <a:buNone/>
+            </a:pPr>
+            <a:r>
+              <a:rPr kumimoji="0" lang="zh-CN" altLang="en-US" b="0" i="0" u="none" strike="noStrike" cap="none" normalizeH="0" baseline="0" dirty="0">
+                <a:ln>
+                  <a:noFill/>
+                </a:ln>
+                <a:effectLst/>
+                <a:latin typeface="Times New Roman" panose="02020603050405020304" pitchFamily="18" charset="0"/>
+                <a:ea typeface="宋体" panose="02010600030101010101" pitchFamily="2" charset="-122"/>
+              </a:rPr>
+              <a:t>集合</a:t>
+            </a:r>
+          </a:p>
+        </p:txBody>
+      </p:sp>
+      <p:sp>
+        <p:nvSpPr>
+          <p:cNvPr id="13" name="流程图: 磁盘 12">
+            <a:extLst>
+              <a:ext uri="{FF2B5EF4-FFF2-40B4-BE49-F238E27FC236}">
+                <a16:creationId xmlns:a16="http://schemas.microsoft.com/office/drawing/2014/main" id="{B4B759F3-CC30-471B-A065-6E01F119F556}"/>
+              </a:ext>
+            </a:extLst>
+          </p:cNvPr>
+          <p:cNvSpPr/>
+          <p:nvPr/>
+        </p:nvSpPr>
+        <p:spPr bwMode="auto">
+          <a:xfrm>
+            <a:off x="5866845" y="3940605"/>
+            <a:ext cx="1512917" cy="1059042"/>
+          </a:xfrm>
+          <a:prstGeom prst="flowChartMagneticDisk">
+            <a:avLst/>
+          </a:prstGeom>
+          <a:noFill/>
+          <a:ln w="9525" cap="flat" cmpd="sng" algn="ctr">
+            <a:solidFill>
+              <a:schemeClr val="tx1"/>
+            </a:solidFill>
+            <a:prstDash val="solid"/>
+            <a:round/>
+            <a:headEnd type="none" w="med" len="med"/>
+            <a:tailEnd type="none" w="med" len="med"/>
+          </a:ln>
+          <a:effectLst/>
+        </p:spPr>
+        <p:txBody>
+          <a:bodyPr vert="horz" wrap="square" lIns="91440" tIns="45720" rIns="91440" bIns="45720" numCol="1" rtlCol="0" anchor="t" anchorCtr="0" compatLnSpc="1"/>
+          <a:lstStyle/>
+          <a:p>
+            <a:pPr marL="0" marR="0" indent="0" algn="ctr" defTabSz="914400" rtl="0" eaLnBrk="1" fontAlgn="base" latinLnBrk="0" hangingPunct="1">
+              <a:lnSpc>
+                <a:spcPct val="100000"/>
+              </a:lnSpc>
+              <a:spcBef>
+                <a:spcPct val="0"/>
+              </a:spcBef>
+              <a:spcAft>
+                <a:spcPct val="0"/>
+              </a:spcAft>
+              <a:buClrTx/>
+              <a:buSzTx/>
+              <a:buFontTx/>
+              <a:buNone/>
+            </a:pPr>
+            <a:r>
+              <a:rPr kumimoji="0" lang="zh-CN" altLang="en-US" b="0" i="0" u="none" strike="noStrike" cap="none" normalizeH="0" baseline="0" dirty="0">
+                <a:ln>
+                  <a:noFill/>
+                </a:ln>
+                <a:effectLst/>
+                <a:latin typeface="Times New Roman" panose="02020603050405020304" pitchFamily="18" charset="0"/>
+                <a:ea typeface="宋体" panose="02010600030101010101" pitchFamily="2" charset="-122"/>
+              </a:rPr>
+              <a:t>测试集</a:t>
+            </a:r>
+          </a:p>
+        </p:txBody>
+      </p:sp>
+      <p:sp>
+        <p:nvSpPr>
+          <p:cNvPr id="14" name="流程图: 磁盘 13">
+            <a:extLst>
+              <a:ext uri="{FF2B5EF4-FFF2-40B4-BE49-F238E27FC236}">
+                <a16:creationId xmlns:a16="http://schemas.microsoft.com/office/drawing/2014/main" id="{934E12FD-D702-4D6C-AA69-88D84A9A89AD}"/>
+              </a:ext>
+            </a:extLst>
+          </p:cNvPr>
+          <p:cNvSpPr/>
+          <p:nvPr/>
+        </p:nvSpPr>
+        <p:spPr bwMode="auto">
+          <a:xfrm>
+            <a:off x="5887182" y="1140707"/>
+            <a:ext cx="1512917" cy="1059042"/>
+          </a:xfrm>
+          <a:prstGeom prst="flowChartMagneticDisk">
+            <a:avLst/>
+          </a:prstGeom>
+          <a:noFill/>
+          <a:ln w="9525" cap="flat" cmpd="sng" algn="ctr">
+            <a:solidFill>
+              <a:schemeClr val="tx1"/>
+            </a:solidFill>
+            <a:prstDash val="solid"/>
+            <a:round/>
+            <a:headEnd type="none" w="med" len="med"/>
+            <a:tailEnd type="none" w="med" len="med"/>
+          </a:ln>
+          <a:effectLst/>
+        </p:spPr>
+        <p:txBody>
+          <a:bodyPr vert="horz" wrap="square" lIns="91440" tIns="45720" rIns="91440" bIns="45720" numCol="1" rtlCol="0" anchor="t" anchorCtr="0" compatLnSpc="1"/>
+          <a:lstStyle/>
+          <a:p>
+            <a:pPr marL="0" marR="0" indent="0" algn="ctr" defTabSz="914400" rtl="0" eaLnBrk="1" fontAlgn="base" latinLnBrk="0" hangingPunct="1">
+              <a:lnSpc>
+                <a:spcPct val="100000"/>
+              </a:lnSpc>
+              <a:spcBef>
+                <a:spcPct val="0"/>
+              </a:spcBef>
+              <a:spcAft>
+                <a:spcPct val="0"/>
+              </a:spcAft>
+              <a:buClrTx/>
+              <a:buSzTx/>
+              <a:buFontTx/>
+              <a:buNone/>
+            </a:pPr>
+            <a:r>
+              <a:rPr lang="zh-CN" altLang="en-US" dirty="0">
+                <a:latin typeface="Times New Roman" panose="02020603050405020304" pitchFamily="18" charset="0"/>
+                <a:ea typeface="宋体" panose="02010600030101010101" pitchFamily="2" charset="-122"/>
+              </a:rPr>
+              <a:t>双向</a:t>
+            </a:r>
+            <a:r>
+              <a:rPr lang="en-US" altLang="zh-CN" dirty="0">
+                <a:latin typeface="Times New Roman" panose="02020603050405020304" pitchFamily="18" charset="0"/>
+                <a:ea typeface="宋体" panose="02010600030101010101" pitchFamily="2" charset="-122"/>
+              </a:rPr>
+              <a:t>Attention</a:t>
+            </a:r>
+            <a:r>
+              <a:rPr lang="zh-CN" altLang="en-US" dirty="0">
+                <a:latin typeface="Times New Roman" panose="02020603050405020304" pitchFamily="18" charset="0"/>
+                <a:ea typeface="宋体" panose="02010600030101010101" pitchFamily="2" charset="-122"/>
+              </a:rPr>
+              <a:t>计算</a:t>
+            </a:r>
+            <a:endParaRPr kumimoji="0" lang="zh-CN" altLang="en-US" b="0" i="0" u="none" strike="noStrike" cap="none" normalizeH="0" baseline="0" dirty="0">
+              <a:ln>
+                <a:noFill/>
+              </a:ln>
+              <a:effectLst/>
+              <a:latin typeface="Times New Roman" panose="02020603050405020304" pitchFamily="18" charset="0"/>
+              <a:ea typeface="宋体" panose="02010600030101010101" pitchFamily="2" charset="-122"/>
+            </a:endParaRPr>
+          </a:p>
+        </p:txBody>
+      </p:sp>
+      <p:sp>
+        <p:nvSpPr>
+          <p:cNvPr id="15" name="流程图: 磁盘 14">
+            <a:extLst>
+              <a:ext uri="{FF2B5EF4-FFF2-40B4-BE49-F238E27FC236}">
+                <a16:creationId xmlns:a16="http://schemas.microsoft.com/office/drawing/2014/main" id="{36028B41-D4C4-458B-9203-0641BA7E7614}"/>
+              </a:ext>
+            </a:extLst>
+          </p:cNvPr>
+          <p:cNvSpPr/>
+          <p:nvPr/>
+        </p:nvSpPr>
+        <p:spPr bwMode="auto">
+          <a:xfrm>
+            <a:off x="3528920" y="1140707"/>
+            <a:ext cx="1512917" cy="1059042"/>
+          </a:xfrm>
+          <a:prstGeom prst="flowChartMagneticDisk">
+            <a:avLst/>
+          </a:prstGeom>
+          <a:noFill/>
+          <a:ln w="9525" cap="flat" cmpd="sng" algn="ctr">
+            <a:solidFill>
+              <a:schemeClr val="tx1"/>
+            </a:solidFill>
+            <a:prstDash val="solid"/>
+            <a:round/>
+            <a:headEnd type="none" w="med" len="med"/>
+            <a:tailEnd type="none" w="med" len="med"/>
+          </a:ln>
+          <a:effectLst/>
+        </p:spPr>
+        <p:txBody>
+          <a:bodyPr vert="horz" wrap="square" lIns="91440" tIns="45720" rIns="91440" bIns="45720" numCol="1" rtlCol="0" anchor="t" anchorCtr="0" compatLnSpc="1"/>
+          <a:lstStyle/>
+          <a:p>
+            <a:pPr marL="0" marR="0" indent="0" algn="ctr" defTabSz="914400" rtl="0" eaLnBrk="1" fontAlgn="base" latinLnBrk="0" hangingPunct="1">
+              <a:lnSpc>
+                <a:spcPct val="100000"/>
+              </a:lnSpc>
+              <a:spcBef>
+                <a:spcPct val="0"/>
+              </a:spcBef>
+              <a:spcAft>
+                <a:spcPct val="0"/>
+              </a:spcAft>
+              <a:buClrTx/>
+              <a:buSzTx/>
+              <a:buFontTx/>
+              <a:buNone/>
+            </a:pPr>
+            <a:r>
+              <a:rPr kumimoji="0" lang="en-US" altLang="zh-CN" b="0" i="0" u="none" strike="noStrike" cap="none" normalizeH="0" baseline="0" dirty="0">
+                <a:ln>
+                  <a:noFill/>
+                </a:ln>
+                <a:effectLst/>
+                <a:latin typeface="Times New Roman" panose="02020603050405020304" pitchFamily="18" charset="0"/>
+                <a:ea typeface="宋体" panose="02010600030101010101" pitchFamily="2" charset="-122"/>
+              </a:rPr>
+              <a:t>LSTM</a:t>
+            </a:r>
+          </a:p>
+          <a:p>
+            <a:pPr marL="0" marR="0" indent="0" algn="ctr" defTabSz="914400" rtl="0" eaLnBrk="1" fontAlgn="base" latinLnBrk="0" hangingPunct="1">
+              <a:lnSpc>
+                <a:spcPct val="100000"/>
+              </a:lnSpc>
+              <a:spcBef>
+                <a:spcPct val="0"/>
+              </a:spcBef>
+              <a:spcAft>
+                <a:spcPct val="0"/>
+              </a:spcAft>
+              <a:buClrTx/>
+              <a:buSzTx/>
+              <a:buFontTx/>
+              <a:buNone/>
+            </a:pPr>
+            <a:r>
+              <a:rPr kumimoji="0" lang="zh-CN" altLang="en-US" b="0" i="0" u="none" strike="noStrike" cap="none" normalizeH="0" baseline="0" dirty="0">
+                <a:ln>
+                  <a:noFill/>
+                </a:ln>
+                <a:effectLst/>
+                <a:latin typeface="Times New Roman" panose="02020603050405020304" pitchFamily="18" charset="0"/>
+                <a:ea typeface="宋体" panose="02010600030101010101" pitchFamily="2" charset="-122"/>
+              </a:rPr>
+              <a:t>短语级编码</a:t>
+            </a:r>
+          </a:p>
+        </p:txBody>
+      </p:sp>
+      <p:sp>
+        <p:nvSpPr>
+          <p:cNvPr id="16" name="流程图: 磁盘 15">
+            <a:extLst>
+              <a:ext uri="{FF2B5EF4-FFF2-40B4-BE49-F238E27FC236}">
+                <a16:creationId xmlns:a16="http://schemas.microsoft.com/office/drawing/2014/main" id="{093F414D-D829-41C6-81B5-98CD4A53F17F}"/>
+              </a:ext>
+            </a:extLst>
+          </p:cNvPr>
+          <p:cNvSpPr/>
+          <p:nvPr/>
+        </p:nvSpPr>
+        <p:spPr bwMode="auto">
+          <a:xfrm>
+            <a:off x="1315484" y="1140707"/>
+            <a:ext cx="1512917" cy="1059042"/>
+          </a:xfrm>
+          <a:prstGeom prst="flowChartMagneticDisk">
+            <a:avLst/>
+          </a:prstGeom>
+          <a:noFill/>
+          <a:ln w="9525" cap="flat" cmpd="sng" algn="ctr">
+            <a:solidFill>
+              <a:schemeClr val="tx1"/>
+            </a:solidFill>
+            <a:prstDash val="solid"/>
+            <a:round/>
+            <a:headEnd type="none" w="med" len="med"/>
+            <a:tailEnd type="none" w="med" len="med"/>
+          </a:ln>
+          <a:effectLst/>
+        </p:spPr>
+        <p:txBody>
+          <a:bodyPr vert="horz" wrap="square" lIns="91440" tIns="45720" rIns="91440" bIns="45720" numCol="1" rtlCol="0" anchor="t" anchorCtr="0" compatLnSpc="1"/>
+          <a:lstStyle/>
+          <a:p>
+            <a:pPr marL="0" marR="0" indent="0" algn="ctr" defTabSz="914400" rtl="0" eaLnBrk="1" fontAlgn="base" latinLnBrk="0" hangingPunct="1">
+              <a:lnSpc>
+                <a:spcPct val="100000"/>
+              </a:lnSpc>
+              <a:spcBef>
+                <a:spcPct val="0"/>
+              </a:spcBef>
+              <a:spcAft>
+                <a:spcPct val="0"/>
+              </a:spcAft>
+              <a:buClrTx/>
+              <a:buSzTx/>
+              <a:buFontTx/>
+              <a:buNone/>
+            </a:pPr>
+            <a:r>
+              <a:rPr lang="zh-CN" altLang="en-US" dirty="0">
+                <a:latin typeface="Times New Roman" panose="02020603050405020304" pitchFamily="18" charset="0"/>
+                <a:ea typeface="宋体" panose="02010600030101010101" pitchFamily="2" charset="-122"/>
+              </a:rPr>
+              <a:t>中文问答</a:t>
+            </a:r>
+            <a:br>
+              <a:rPr lang="en-US" altLang="zh-CN" dirty="0">
+                <a:latin typeface="Times New Roman" panose="02020603050405020304" pitchFamily="18" charset="0"/>
+                <a:ea typeface="宋体" panose="02010600030101010101" pitchFamily="2" charset="-122"/>
+              </a:rPr>
+            </a:br>
+            <a:r>
+              <a:rPr kumimoji="0" lang="zh-CN" altLang="en-US" b="0" i="0" u="none" strike="noStrike" cap="none" normalizeH="0" baseline="0" dirty="0">
+                <a:ln>
+                  <a:noFill/>
+                </a:ln>
+                <a:effectLst/>
+                <a:latin typeface="Times New Roman" panose="02020603050405020304" pitchFamily="18" charset="0"/>
+                <a:ea typeface="宋体" panose="02010600030101010101" pitchFamily="2" charset="-122"/>
+              </a:rPr>
+              <a:t>文本</a:t>
+            </a:r>
+          </a:p>
+        </p:txBody>
+      </p:sp>
+      <p:sp>
+        <p:nvSpPr>
+          <p:cNvPr id="17" name="下箭头 27">
+            <a:extLst>
+              <a:ext uri="{FF2B5EF4-FFF2-40B4-BE49-F238E27FC236}">
+                <a16:creationId xmlns:a16="http://schemas.microsoft.com/office/drawing/2014/main" id="{1B3AC822-5536-4ABD-A11B-D6D43A5BE0F9}"/>
+              </a:ext>
+            </a:extLst>
+          </p:cNvPr>
+          <p:cNvSpPr/>
+          <p:nvPr/>
+        </p:nvSpPr>
+        <p:spPr bwMode="auto">
+          <a:xfrm>
+            <a:off x="1900303" y="3356773"/>
+            <a:ext cx="324036" cy="494634"/>
+          </a:xfrm>
+          <a:prstGeom prst="downArrow">
+            <a:avLst/>
+          </a:prstGeom>
+          <a:noFill/>
+          <a:ln w="9525" cap="flat" cmpd="sng" algn="ctr">
+            <a:solidFill>
+              <a:schemeClr val="tx1"/>
+            </a:solidFill>
+            <a:prstDash val="solid"/>
+            <a:round/>
+            <a:headEnd type="none" w="med" len="med"/>
+            <a:tailEnd type="none" w="med" len="med"/>
+          </a:ln>
+          <a:effectLst/>
+        </p:spPr>
+        <p:txBody>
+          <a:bodyPr vert="horz" wrap="square" lIns="91440" tIns="45720" rIns="91440" bIns="45720" numCol="1" rtlCol="0" anchor="t" anchorCtr="0" compatLnSpc="1"/>
+          <a:lstStyle/>
+          <a:p>
+            <a:pPr marL="0" marR="0" indent="0" algn="l" defTabSz="914400" rtl="0" eaLnBrk="1" fontAlgn="base" latinLnBrk="0" hangingPunct="1">
+              <a:lnSpc>
+                <a:spcPct val="100000"/>
+              </a:lnSpc>
+              <a:spcBef>
+                <a:spcPct val="0"/>
+              </a:spcBef>
+              <a:spcAft>
+                <a:spcPct val="0"/>
+              </a:spcAft>
+              <a:buClrTx/>
+              <a:buSzTx/>
+              <a:buFontTx/>
+              <a:buNone/>
+            </a:pPr>
+            <a:endParaRPr kumimoji="0" lang="zh-CN" altLang="en-US" b="0" i="0" u="none" strike="noStrike" cap="none" normalizeH="0" baseline="0">
+              <a:ln>
+                <a:noFill/>
+              </a:ln>
+              <a:solidFill>
+                <a:schemeClr val="tx1"/>
+              </a:solidFill>
+              <a:effectLst/>
+              <a:latin typeface="Times New Roman" panose="02020603050405020304" pitchFamily="18" charset="0"/>
+              <a:ea typeface="宋体" panose="02010600030101010101" pitchFamily="2" charset="-122"/>
+            </a:endParaRPr>
+          </a:p>
+        </p:txBody>
+      </p:sp>
+      <p:sp>
+        <p:nvSpPr>
+          <p:cNvPr id="18" name="上箭头 28">
+            <a:extLst>
+              <a:ext uri="{FF2B5EF4-FFF2-40B4-BE49-F238E27FC236}">
+                <a16:creationId xmlns:a16="http://schemas.microsoft.com/office/drawing/2014/main" id="{28821368-1F69-442E-B933-EEA7281D7175}"/>
+              </a:ext>
+            </a:extLst>
+          </p:cNvPr>
+          <p:cNvSpPr/>
+          <p:nvPr/>
+        </p:nvSpPr>
+        <p:spPr bwMode="auto">
+          <a:xfrm>
+            <a:off x="4141362" y="3647440"/>
+            <a:ext cx="288032" cy="540077"/>
+          </a:xfrm>
+          <a:prstGeom prst="upArrow">
+            <a:avLst/>
+          </a:prstGeom>
+          <a:noFill/>
+          <a:ln w="9525" cap="flat" cmpd="sng" algn="ctr">
+            <a:solidFill>
+              <a:schemeClr val="tx1"/>
+            </a:solidFill>
+            <a:prstDash val="solid"/>
+            <a:round/>
+            <a:headEnd type="none" w="med" len="med"/>
+            <a:tailEnd type="none" w="med" len="med"/>
+          </a:ln>
+          <a:effectLst/>
+        </p:spPr>
+        <p:txBody>
+          <a:bodyPr vert="horz" wrap="square" lIns="91440" tIns="45720" rIns="91440" bIns="45720" numCol="1" rtlCol="0" anchor="t" anchorCtr="0" compatLnSpc="1"/>
+          <a:lstStyle/>
+          <a:p>
+            <a:pPr marL="0" marR="0" indent="0" algn="l" defTabSz="914400" rtl="0" eaLnBrk="1" fontAlgn="base" latinLnBrk="0" hangingPunct="1">
+              <a:lnSpc>
+                <a:spcPct val="100000"/>
+              </a:lnSpc>
+              <a:spcBef>
+                <a:spcPct val="0"/>
+              </a:spcBef>
+              <a:spcAft>
+                <a:spcPct val="0"/>
+              </a:spcAft>
+              <a:buClrTx/>
+              <a:buSzTx/>
+              <a:buFontTx/>
+              <a:buNone/>
+            </a:pPr>
+            <a:endParaRPr kumimoji="0" lang="zh-CN" altLang="en-US" sz="2000" b="0" i="0" u="none" strike="noStrike" cap="none" normalizeH="0" baseline="0">
+              <a:ln>
+                <a:noFill/>
+              </a:ln>
+              <a:solidFill>
+                <a:schemeClr val="tx1"/>
+              </a:solidFill>
+              <a:effectLst/>
+              <a:latin typeface="Times New Roman" panose="02020603050405020304" pitchFamily="18" charset="0"/>
+              <a:ea typeface="宋体" panose="02010600030101010101" pitchFamily="2" charset="-122"/>
+            </a:endParaRPr>
+          </a:p>
+        </p:txBody>
+      </p:sp>
+      <p:sp>
+        <p:nvSpPr>
+          <p:cNvPr id="19" name="上箭头 29">
+            <a:extLst>
+              <a:ext uri="{FF2B5EF4-FFF2-40B4-BE49-F238E27FC236}">
+                <a16:creationId xmlns:a16="http://schemas.microsoft.com/office/drawing/2014/main" id="{531952FA-6039-4AC2-A710-947130643AA3}"/>
+              </a:ext>
+            </a:extLst>
+          </p:cNvPr>
+          <p:cNvSpPr/>
+          <p:nvPr/>
+        </p:nvSpPr>
+        <p:spPr bwMode="auto">
+          <a:xfrm>
+            <a:off x="4141362" y="2242484"/>
+            <a:ext cx="288032" cy="722538"/>
+          </a:xfrm>
+          <a:prstGeom prst="upArrow">
+            <a:avLst/>
+          </a:prstGeom>
+          <a:noFill/>
+          <a:ln w="9525" cap="flat" cmpd="sng" algn="ctr">
+            <a:solidFill>
+              <a:schemeClr val="tx1"/>
+            </a:solidFill>
+            <a:prstDash val="solid"/>
+            <a:round/>
+            <a:headEnd type="none" w="med" len="med"/>
+            <a:tailEnd type="none" w="med" len="med"/>
+          </a:ln>
+          <a:effectLst/>
+        </p:spPr>
+        <p:txBody>
+          <a:bodyPr vert="horz" wrap="square" lIns="91440" tIns="45720" rIns="91440" bIns="45720" numCol="1" rtlCol="0" anchor="t" anchorCtr="0" compatLnSpc="1"/>
+          <a:lstStyle/>
+          <a:p>
+            <a:pPr marL="0" marR="0" indent="0" algn="l" defTabSz="914400" rtl="0" eaLnBrk="1" fontAlgn="base" latinLnBrk="0" hangingPunct="1">
+              <a:lnSpc>
+                <a:spcPct val="100000"/>
+              </a:lnSpc>
+              <a:spcBef>
+                <a:spcPct val="0"/>
+              </a:spcBef>
+              <a:spcAft>
+                <a:spcPct val="0"/>
+              </a:spcAft>
+              <a:buClrTx/>
+              <a:buSzTx/>
+              <a:buFontTx/>
+              <a:buNone/>
+            </a:pPr>
+            <a:endParaRPr kumimoji="0" lang="zh-CN" altLang="en-US" sz="2000" b="0" i="0" u="none" strike="noStrike" cap="none" normalizeH="0" baseline="0">
+              <a:ln>
+                <a:noFill/>
+              </a:ln>
+              <a:solidFill>
+                <a:schemeClr val="tx1"/>
+              </a:solidFill>
+              <a:effectLst/>
+              <a:latin typeface="Times New Roman" panose="02020603050405020304" pitchFamily="18" charset="0"/>
+              <a:ea typeface="宋体" panose="02010600030101010101" pitchFamily="2" charset="-122"/>
+            </a:endParaRPr>
+          </a:p>
+        </p:txBody>
+      </p:sp>
+      <p:sp>
+        <p:nvSpPr>
+          <p:cNvPr id="20" name="右箭头 30">
+            <a:extLst>
+              <a:ext uri="{FF2B5EF4-FFF2-40B4-BE49-F238E27FC236}">
+                <a16:creationId xmlns:a16="http://schemas.microsoft.com/office/drawing/2014/main" id="{E95B3CD5-22BC-43BE-9B1E-C7307A55C9FF}"/>
+              </a:ext>
+            </a:extLst>
+          </p:cNvPr>
+          <p:cNvSpPr/>
+          <p:nvPr/>
+        </p:nvSpPr>
+        <p:spPr bwMode="auto">
+          <a:xfrm>
+            <a:off x="2983799" y="4341404"/>
+            <a:ext cx="402523" cy="267469"/>
+          </a:xfrm>
+          <a:prstGeom prst="rightArrow">
+            <a:avLst/>
+          </a:prstGeom>
+          <a:noFill/>
+          <a:ln w="9525" cap="flat" cmpd="sng" algn="ctr">
+            <a:solidFill>
+              <a:schemeClr val="tx1"/>
+            </a:solidFill>
+            <a:prstDash val="solid"/>
+            <a:round/>
+            <a:headEnd type="none" w="med" len="med"/>
+            <a:tailEnd type="none" w="med" len="med"/>
+          </a:ln>
+          <a:effectLst/>
+        </p:spPr>
+        <p:txBody>
+          <a:bodyPr vert="horz" wrap="square" lIns="91440" tIns="45720" rIns="91440" bIns="45720" numCol="1" rtlCol="0" anchor="t" anchorCtr="0" compatLnSpc="1"/>
+          <a:lstStyle/>
+          <a:p>
+            <a:pPr marL="0" marR="0" indent="0" algn="l" defTabSz="914400" rtl="0" eaLnBrk="1" fontAlgn="base" latinLnBrk="0" hangingPunct="1">
+              <a:lnSpc>
+                <a:spcPct val="100000"/>
+              </a:lnSpc>
+              <a:spcBef>
+                <a:spcPct val="0"/>
+              </a:spcBef>
+              <a:spcAft>
+                <a:spcPct val="0"/>
+              </a:spcAft>
+              <a:buClrTx/>
+              <a:buSzTx/>
+              <a:buFontTx/>
+              <a:buNone/>
+            </a:pPr>
+            <a:endParaRPr kumimoji="0" lang="zh-CN" altLang="en-US" sz="2000" b="0" i="0" u="none" strike="noStrike" cap="none" normalizeH="0" baseline="0">
+              <a:ln>
+                <a:noFill/>
+              </a:ln>
+              <a:solidFill>
+                <a:schemeClr val="tx1"/>
+              </a:solidFill>
+              <a:effectLst/>
+              <a:latin typeface="Times New Roman" panose="02020603050405020304" pitchFamily="18" charset="0"/>
+              <a:ea typeface="宋体" panose="02010600030101010101" pitchFamily="2" charset="-122"/>
+            </a:endParaRPr>
+          </a:p>
+        </p:txBody>
+      </p:sp>
+      <p:sp>
+        <p:nvSpPr>
+          <p:cNvPr id="21" name="右箭头 31">
+            <a:extLst>
+              <a:ext uri="{FF2B5EF4-FFF2-40B4-BE49-F238E27FC236}">
+                <a16:creationId xmlns:a16="http://schemas.microsoft.com/office/drawing/2014/main" id="{C7BC66F6-E73D-4342-8BD8-B05885DE27CE}"/>
+              </a:ext>
+            </a:extLst>
+          </p:cNvPr>
+          <p:cNvSpPr/>
+          <p:nvPr/>
+        </p:nvSpPr>
+        <p:spPr bwMode="auto">
+          <a:xfrm>
+            <a:off x="5353924" y="1531480"/>
+            <a:ext cx="416163" cy="277493"/>
+          </a:xfrm>
+          <a:prstGeom prst="rightArrow">
+            <a:avLst/>
+          </a:prstGeom>
+          <a:noFill/>
+          <a:ln w="9525" cap="flat" cmpd="sng" algn="ctr">
+            <a:solidFill>
+              <a:schemeClr val="tx1"/>
+            </a:solidFill>
+            <a:prstDash val="solid"/>
+            <a:round/>
+            <a:headEnd type="none" w="med" len="med"/>
+            <a:tailEnd type="none" w="med" len="med"/>
+          </a:ln>
+          <a:effectLst/>
+        </p:spPr>
+        <p:txBody>
+          <a:bodyPr vert="horz" wrap="square" lIns="91440" tIns="45720" rIns="91440" bIns="45720" numCol="1" rtlCol="0" anchor="t" anchorCtr="0" compatLnSpc="1"/>
+          <a:lstStyle/>
+          <a:p>
+            <a:pPr marL="0" marR="0" indent="0" algn="l" defTabSz="914400" rtl="0" eaLnBrk="1" fontAlgn="base" latinLnBrk="0" hangingPunct="1">
+              <a:lnSpc>
+                <a:spcPct val="100000"/>
+              </a:lnSpc>
+              <a:spcBef>
+                <a:spcPct val="0"/>
+              </a:spcBef>
+              <a:spcAft>
+                <a:spcPct val="0"/>
+              </a:spcAft>
+              <a:buClrTx/>
+              <a:buSzTx/>
+              <a:buFontTx/>
+              <a:buNone/>
+            </a:pPr>
+            <a:endParaRPr kumimoji="0" lang="zh-CN" altLang="en-US" sz="2000" b="0" i="0" u="none" strike="noStrike" cap="none" normalizeH="0" baseline="0">
+              <a:ln>
+                <a:noFill/>
+              </a:ln>
+              <a:solidFill>
+                <a:schemeClr val="tx1"/>
+              </a:solidFill>
+              <a:effectLst/>
+              <a:latin typeface="Times New Roman" panose="02020603050405020304" pitchFamily="18" charset="0"/>
+              <a:ea typeface="宋体" panose="02010600030101010101" pitchFamily="2" charset="-122"/>
+            </a:endParaRPr>
+          </a:p>
+        </p:txBody>
+      </p:sp>
+      <p:sp>
+        <p:nvSpPr>
+          <p:cNvPr id="23" name="右箭头 33">
+            <a:extLst>
+              <a:ext uri="{FF2B5EF4-FFF2-40B4-BE49-F238E27FC236}">
+                <a16:creationId xmlns:a16="http://schemas.microsoft.com/office/drawing/2014/main" id="{4ECC15AD-90DE-440D-A017-207A67DED44F}"/>
+              </a:ext>
+            </a:extLst>
+          </p:cNvPr>
+          <p:cNvSpPr/>
+          <p:nvPr/>
+        </p:nvSpPr>
+        <p:spPr bwMode="auto">
+          <a:xfrm>
+            <a:off x="7467514" y="1545134"/>
+            <a:ext cx="535274" cy="277493"/>
+          </a:xfrm>
+          <a:prstGeom prst="rightArrow">
+            <a:avLst/>
+          </a:prstGeom>
+          <a:noFill/>
+          <a:ln w="9525" cap="flat" cmpd="sng" algn="ctr">
+            <a:solidFill>
+              <a:schemeClr val="tx1"/>
+            </a:solidFill>
+            <a:prstDash val="solid"/>
+            <a:round/>
+            <a:headEnd type="none" w="med" len="med"/>
+            <a:tailEnd type="none" w="med" len="med"/>
+          </a:ln>
+          <a:effectLst/>
+        </p:spPr>
+        <p:txBody>
+          <a:bodyPr vert="horz" wrap="square" lIns="91440" tIns="45720" rIns="91440" bIns="45720" numCol="1" rtlCol="0" anchor="t" anchorCtr="0" compatLnSpc="1"/>
+          <a:lstStyle/>
+          <a:p>
+            <a:pPr marL="0" marR="0" indent="0" algn="l" defTabSz="914400" rtl="0" eaLnBrk="1" fontAlgn="base" latinLnBrk="0" hangingPunct="1">
+              <a:lnSpc>
+                <a:spcPct val="100000"/>
+              </a:lnSpc>
+              <a:spcBef>
+                <a:spcPct val="0"/>
+              </a:spcBef>
+              <a:spcAft>
+                <a:spcPct val="0"/>
+              </a:spcAft>
+              <a:buClrTx/>
+              <a:buSzTx/>
+              <a:buFontTx/>
+              <a:buNone/>
+            </a:pPr>
+            <a:endParaRPr kumimoji="0" lang="zh-CN" altLang="en-US" sz="2000" b="0" i="0" u="none" strike="noStrike" cap="none" normalizeH="0" baseline="0">
+              <a:ln>
+                <a:noFill/>
+              </a:ln>
+              <a:solidFill>
+                <a:schemeClr val="tx1"/>
+              </a:solidFill>
+              <a:effectLst/>
+              <a:latin typeface="Times New Roman" panose="02020603050405020304" pitchFamily="18" charset="0"/>
+              <a:ea typeface="宋体" panose="02010600030101010101" pitchFamily="2" charset="-122"/>
+            </a:endParaRPr>
+          </a:p>
+        </p:txBody>
+      </p:sp>
+      <p:sp>
+        <p:nvSpPr>
+          <p:cNvPr id="24" name="缺角矩形 23">
+            <a:extLst>
+              <a:ext uri="{FF2B5EF4-FFF2-40B4-BE49-F238E27FC236}">
+                <a16:creationId xmlns:a16="http://schemas.microsoft.com/office/drawing/2014/main" id="{AAEEE8A9-6072-45F9-BE56-36D5634564E1}"/>
+              </a:ext>
+            </a:extLst>
+          </p:cNvPr>
+          <p:cNvSpPr/>
+          <p:nvPr/>
+        </p:nvSpPr>
+        <p:spPr bwMode="auto">
+          <a:xfrm>
+            <a:off x="8244029" y="2595979"/>
+            <a:ext cx="1968882" cy="504056"/>
+          </a:xfrm>
+          <a:prstGeom prst="plaque">
+            <a:avLst/>
+          </a:prstGeom>
+          <a:noFill/>
+          <a:ln w="9525" cap="flat" cmpd="sng" algn="ctr">
+            <a:solidFill>
+              <a:schemeClr val="tx1"/>
+            </a:solidFill>
+            <a:prstDash val="solid"/>
+            <a:round/>
+            <a:headEnd type="none" w="med" len="med"/>
+            <a:tailEnd type="none" w="med" len="med"/>
+          </a:ln>
+          <a:effectLst/>
+        </p:spPr>
+        <p:txBody>
+          <a:bodyPr vert="horz" wrap="square" lIns="91440" tIns="45720" rIns="91440" bIns="45720" numCol="1" rtlCol="0" anchor="t" anchorCtr="0" compatLnSpc="1"/>
+          <a:lstStyle/>
+          <a:p>
+            <a:pPr marL="0" marR="0" indent="0" algn="ctr" defTabSz="914400" rtl="0" eaLnBrk="1" fontAlgn="base" latinLnBrk="0" hangingPunct="1">
+              <a:lnSpc>
+                <a:spcPct val="100000"/>
+              </a:lnSpc>
+              <a:spcBef>
+                <a:spcPct val="0"/>
+              </a:spcBef>
+              <a:spcAft>
+                <a:spcPct val="0"/>
+              </a:spcAft>
+              <a:buClrTx/>
+              <a:buSzTx/>
+              <a:buFontTx/>
+              <a:buNone/>
+            </a:pPr>
+            <a:r>
+              <a:rPr lang="zh-CN" altLang="en-US" sz="2000" dirty="0">
+                <a:latin typeface="Times New Roman" panose="02020603050405020304" pitchFamily="18" charset="0"/>
+                <a:ea typeface="宋体" panose="02010600030101010101" pitchFamily="2" charset="-122"/>
+              </a:rPr>
+              <a:t>答案位置预测</a:t>
+            </a:r>
+            <a:endParaRPr kumimoji="0" lang="zh-CN" altLang="en-US" sz="2000" b="0" i="0" u="none" strike="noStrike" cap="none" normalizeH="0" baseline="0" dirty="0">
+              <a:ln>
+                <a:noFill/>
+              </a:ln>
+              <a:solidFill>
+                <a:schemeClr val="tx1"/>
+              </a:solidFill>
+              <a:effectLst/>
+              <a:latin typeface="Times New Roman" panose="02020603050405020304" pitchFamily="18" charset="0"/>
+              <a:ea typeface="宋体" panose="02010600030101010101" pitchFamily="2" charset="-122"/>
+            </a:endParaRPr>
+          </a:p>
+        </p:txBody>
+      </p:sp>
+      <p:sp>
+        <p:nvSpPr>
+          <p:cNvPr id="25" name="下箭头 35">
+            <a:extLst>
+              <a:ext uri="{FF2B5EF4-FFF2-40B4-BE49-F238E27FC236}">
+                <a16:creationId xmlns:a16="http://schemas.microsoft.com/office/drawing/2014/main" id="{5B8FFA2B-30EF-4D0E-9174-38A0D011A751}"/>
+              </a:ext>
+            </a:extLst>
+          </p:cNvPr>
+          <p:cNvSpPr/>
+          <p:nvPr/>
+        </p:nvSpPr>
+        <p:spPr bwMode="auto">
+          <a:xfrm>
+            <a:off x="8812877" y="2199748"/>
+            <a:ext cx="249843" cy="315201"/>
+          </a:xfrm>
+          <a:prstGeom prst="downArrow">
+            <a:avLst/>
+          </a:prstGeom>
+          <a:noFill/>
+          <a:ln w="9525" cap="flat" cmpd="sng" algn="ctr">
+            <a:solidFill>
+              <a:schemeClr val="tx1"/>
+            </a:solidFill>
+            <a:prstDash val="solid"/>
+            <a:round/>
+            <a:headEnd type="none" w="med" len="med"/>
+            <a:tailEnd type="none" w="med" len="med"/>
+          </a:ln>
+          <a:effectLst/>
+        </p:spPr>
+        <p:txBody>
+          <a:bodyPr vert="horz" wrap="square" lIns="91440" tIns="45720" rIns="91440" bIns="45720" numCol="1" rtlCol="0" anchor="t" anchorCtr="0" compatLnSpc="1"/>
+          <a:lstStyle/>
+          <a:p>
+            <a:pPr marL="0" marR="0" indent="0" algn="l" defTabSz="914400" rtl="0" eaLnBrk="1" fontAlgn="base" latinLnBrk="0" hangingPunct="1">
+              <a:lnSpc>
+                <a:spcPct val="100000"/>
+              </a:lnSpc>
+              <a:spcBef>
+                <a:spcPct val="0"/>
+              </a:spcBef>
+              <a:spcAft>
+                <a:spcPct val="0"/>
+              </a:spcAft>
+              <a:buClrTx/>
+              <a:buSzTx/>
+              <a:buFontTx/>
+              <a:buNone/>
+            </a:pPr>
+            <a:endParaRPr kumimoji="0" lang="zh-CN" altLang="en-US" b="0" i="0" u="none" strike="noStrike" cap="none" normalizeH="0" baseline="0">
+              <a:ln>
+                <a:noFill/>
+              </a:ln>
+              <a:solidFill>
+                <a:schemeClr val="tx1"/>
+              </a:solidFill>
+              <a:effectLst/>
+              <a:latin typeface="Times New Roman" panose="02020603050405020304" pitchFamily="18" charset="0"/>
+              <a:ea typeface="宋体" panose="02010600030101010101" pitchFamily="2" charset="-122"/>
+            </a:endParaRPr>
+          </a:p>
+        </p:txBody>
+      </p:sp>
+      <p:sp>
+        <p:nvSpPr>
+          <p:cNvPr id="26" name="右箭头 36">
+            <a:extLst>
+              <a:ext uri="{FF2B5EF4-FFF2-40B4-BE49-F238E27FC236}">
+                <a16:creationId xmlns:a16="http://schemas.microsoft.com/office/drawing/2014/main" id="{90B6AC64-CA9B-45F5-98BB-EB38DB329FBC}"/>
+              </a:ext>
+            </a:extLst>
+          </p:cNvPr>
+          <p:cNvSpPr/>
+          <p:nvPr/>
+        </p:nvSpPr>
+        <p:spPr bwMode="auto">
+          <a:xfrm>
+            <a:off x="7496324" y="4331379"/>
+            <a:ext cx="535274" cy="277493"/>
+          </a:xfrm>
+          <a:prstGeom prst="rightArrow">
+            <a:avLst/>
+          </a:prstGeom>
+          <a:noFill/>
+          <a:ln w="9525" cap="flat" cmpd="sng" algn="ctr">
+            <a:solidFill>
+              <a:schemeClr val="tx1"/>
+            </a:solidFill>
+            <a:prstDash val="solid"/>
+            <a:round/>
+            <a:headEnd type="none" w="med" len="med"/>
+            <a:tailEnd type="none" w="med" len="med"/>
+          </a:ln>
+          <a:effectLst/>
+        </p:spPr>
+        <p:txBody>
+          <a:bodyPr vert="horz" wrap="square" lIns="91440" tIns="45720" rIns="91440" bIns="45720" numCol="1" rtlCol="0" anchor="t" anchorCtr="0" compatLnSpc="1"/>
+          <a:lstStyle/>
+          <a:p>
+            <a:pPr marL="0" marR="0" indent="0" algn="l" defTabSz="914400" rtl="0" eaLnBrk="1" fontAlgn="base" latinLnBrk="0" hangingPunct="1">
+              <a:lnSpc>
+                <a:spcPct val="100000"/>
+              </a:lnSpc>
+              <a:spcBef>
+                <a:spcPct val="0"/>
+              </a:spcBef>
+              <a:spcAft>
+                <a:spcPct val="0"/>
+              </a:spcAft>
+              <a:buClrTx/>
+              <a:buSzTx/>
+              <a:buFontTx/>
+              <a:buNone/>
+            </a:pPr>
+            <a:endParaRPr kumimoji="0" lang="zh-CN" altLang="en-US" sz="2000" b="0" i="0" u="none" strike="noStrike" cap="none" normalizeH="0" baseline="0">
+              <a:ln>
+                <a:noFill/>
+              </a:ln>
+              <a:solidFill>
+                <a:schemeClr val="tx1"/>
+              </a:solidFill>
+              <a:effectLst/>
+              <a:latin typeface="Times New Roman" panose="02020603050405020304" pitchFamily="18" charset="0"/>
+              <a:ea typeface="宋体" panose="02010600030101010101" pitchFamily="2" charset="-122"/>
+            </a:endParaRPr>
+          </a:p>
+        </p:txBody>
+      </p:sp>
+      <p:sp>
+        <p:nvSpPr>
+          <p:cNvPr id="27" name="下箭头 37">
+            <a:extLst>
+              <a:ext uri="{FF2B5EF4-FFF2-40B4-BE49-F238E27FC236}">
+                <a16:creationId xmlns:a16="http://schemas.microsoft.com/office/drawing/2014/main" id="{BD9E6CE4-8BC6-4BEB-8F48-90392836DDBF}"/>
+              </a:ext>
+            </a:extLst>
+          </p:cNvPr>
+          <p:cNvSpPr/>
+          <p:nvPr/>
+        </p:nvSpPr>
+        <p:spPr bwMode="auto">
+          <a:xfrm>
+            <a:off x="8812877" y="3302844"/>
+            <a:ext cx="324036" cy="548562"/>
+          </a:xfrm>
+          <a:prstGeom prst="downArrow">
+            <a:avLst/>
+          </a:prstGeom>
+          <a:noFill/>
+          <a:ln w="9525" cap="flat" cmpd="sng" algn="ctr">
+            <a:solidFill>
+              <a:schemeClr val="tx1"/>
+            </a:solidFill>
+            <a:prstDash val="solid"/>
+            <a:round/>
+            <a:headEnd type="none" w="med" len="med"/>
+            <a:tailEnd type="none" w="med" len="med"/>
+          </a:ln>
+          <a:effectLst/>
+        </p:spPr>
+        <p:txBody>
+          <a:bodyPr vert="horz" wrap="square" lIns="91440" tIns="45720" rIns="91440" bIns="45720" numCol="1" rtlCol="0" anchor="t" anchorCtr="0" compatLnSpc="1"/>
+          <a:lstStyle/>
+          <a:p>
+            <a:pPr marL="0" marR="0" indent="0" algn="l" defTabSz="914400" rtl="0" eaLnBrk="1" fontAlgn="base" latinLnBrk="0" hangingPunct="1">
+              <a:lnSpc>
+                <a:spcPct val="100000"/>
+              </a:lnSpc>
+              <a:spcBef>
+                <a:spcPct val="0"/>
+              </a:spcBef>
+              <a:spcAft>
+                <a:spcPct val="0"/>
+              </a:spcAft>
+              <a:buClrTx/>
+              <a:buSzTx/>
+              <a:buFontTx/>
+              <a:buNone/>
+            </a:pPr>
+            <a:endParaRPr kumimoji="0" lang="zh-CN" altLang="en-US" b="0" i="0" u="none" strike="noStrike" cap="none" normalizeH="0" baseline="0">
+              <a:ln>
+                <a:noFill/>
+              </a:ln>
+              <a:solidFill>
+                <a:schemeClr val="tx1"/>
+              </a:solidFill>
+              <a:effectLst/>
+              <a:latin typeface="Times New Roman" panose="02020603050405020304" pitchFamily="18" charset="0"/>
+              <a:ea typeface="宋体" panose="02010600030101010101" pitchFamily="2" charset="-122"/>
+            </a:endParaRPr>
+          </a:p>
+        </p:txBody>
+      </p:sp>
+      <p:sp>
+        <p:nvSpPr>
+          <p:cNvPr id="28" name="矩形 27">
+            <a:extLst>
+              <a:ext uri="{FF2B5EF4-FFF2-40B4-BE49-F238E27FC236}">
+                <a16:creationId xmlns:a16="http://schemas.microsoft.com/office/drawing/2014/main" id="{0F587325-B0BE-4FF4-B12B-6628C8A0EE69}"/>
+              </a:ext>
+            </a:extLst>
+          </p:cNvPr>
+          <p:cNvSpPr/>
+          <p:nvPr/>
+        </p:nvSpPr>
+        <p:spPr bwMode="auto">
+          <a:xfrm>
+            <a:off x="1198843" y="1011802"/>
+            <a:ext cx="1728192" cy="4464496"/>
+          </a:xfrm>
+          <a:prstGeom prst="rect">
+            <a:avLst/>
+          </a:prstGeom>
+          <a:noFill/>
+          <a:ln w="9525" cap="flat" cmpd="sng" algn="ctr">
+            <a:solidFill>
+              <a:schemeClr val="tx1"/>
+            </a:solidFill>
+            <a:prstDash val="dash"/>
+            <a:round/>
+            <a:headEnd type="none" w="med" len="med"/>
+            <a:tailEnd type="none" w="med" len="med"/>
+          </a:ln>
+          <a:effectLst/>
+        </p:spPr>
+        <p:txBody>
+          <a:bodyPr vert="horz" wrap="square" lIns="91440" tIns="45720" rIns="91440" bIns="45720" numCol="1" rtlCol="0" anchor="t" anchorCtr="0" compatLnSpc="1"/>
+          <a:lstStyle/>
+          <a:p>
+            <a:pPr marL="0" marR="0" indent="0" algn="l" defTabSz="914400" rtl="0" eaLnBrk="1" fontAlgn="base" latinLnBrk="0" hangingPunct="1">
+              <a:lnSpc>
+                <a:spcPct val="100000"/>
+              </a:lnSpc>
+              <a:spcBef>
+                <a:spcPct val="0"/>
+              </a:spcBef>
+              <a:spcAft>
+                <a:spcPct val="0"/>
+              </a:spcAft>
+              <a:buClrTx/>
+              <a:buSzTx/>
+              <a:buFontTx/>
+              <a:buNone/>
+            </a:pPr>
+            <a:endParaRPr kumimoji="0" lang="zh-CN" altLang="en-US" sz="2000" b="0" i="0" u="none" strike="noStrike" cap="none" normalizeH="0" baseline="0">
+              <a:ln>
+                <a:noFill/>
+              </a:ln>
+              <a:solidFill>
+                <a:schemeClr val="tx1"/>
+              </a:solidFill>
+              <a:effectLst/>
+              <a:latin typeface="Times New Roman" panose="02020603050405020304" pitchFamily="18" charset="0"/>
+              <a:ea typeface="宋体" panose="02010600030101010101" pitchFamily="2" charset="-122"/>
+            </a:endParaRPr>
+          </a:p>
+        </p:txBody>
+      </p:sp>
+      <p:sp>
+        <p:nvSpPr>
+          <p:cNvPr id="29" name="矩形 28">
+            <a:extLst>
+              <a:ext uri="{FF2B5EF4-FFF2-40B4-BE49-F238E27FC236}">
+                <a16:creationId xmlns:a16="http://schemas.microsoft.com/office/drawing/2014/main" id="{E1B644B5-19EC-4691-A3A9-61C44B03BFF4}"/>
+              </a:ext>
+            </a:extLst>
+          </p:cNvPr>
+          <p:cNvSpPr/>
+          <p:nvPr/>
+        </p:nvSpPr>
+        <p:spPr bwMode="auto">
+          <a:xfrm>
+            <a:off x="3449665" y="1011802"/>
+            <a:ext cx="1810435" cy="4464496"/>
+          </a:xfrm>
+          <a:prstGeom prst="rect">
+            <a:avLst/>
+          </a:prstGeom>
+          <a:noFill/>
+          <a:ln w="9525" cap="flat" cmpd="sng" algn="ctr">
+            <a:solidFill>
+              <a:schemeClr val="tx1"/>
+            </a:solidFill>
+            <a:prstDash val="dash"/>
+            <a:round/>
+            <a:headEnd type="none" w="med" len="med"/>
+            <a:tailEnd type="none" w="med" len="med"/>
+          </a:ln>
+          <a:effectLst/>
+        </p:spPr>
+        <p:txBody>
+          <a:bodyPr vert="horz" wrap="square" lIns="91440" tIns="45720" rIns="91440" bIns="45720" numCol="1" rtlCol="0" anchor="t" anchorCtr="0" compatLnSpc="1"/>
+          <a:lstStyle/>
+          <a:p>
+            <a:pPr marL="0" marR="0" indent="0" algn="l" defTabSz="914400" rtl="0" eaLnBrk="1" fontAlgn="base" latinLnBrk="0" hangingPunct="1">
+              <a:lnSpc>
+                <a:spcPct val="100000"/>
+              </a:lnSpc>
+              <a:spcBef>
+                <a:spcPct val="0"/>
+              </a:spcBef>
+              <a:spcAft>
+                <a:spcPct val="0"/>
+              </a:spcAft>
+              <a:buClrTx/>
+              <a:buSzTx/>
+              <a:buFontTx/>
+              <a:buNone/>
+            </a:pPr>
+            <a:endParaRPr kumimoji="0" lang="zh-CN" altLang="en-US" sz="2000" b="0" i="0" u="none" strike="noStrike" cap="none" normalizeH="0" baseline="0">
+              <a:ln>
+                <a:noFill/>
+              </a:ln>
+              <a:solidFill>
+                <a:schemeClr val="tx1"/>
+              </a:solidFill>
+              <a:effectLst/>
+              <a:latin typeface="Times New Roman" panose="02020603050405020304" pitchFamily="18" charset="0"/>
+              <a:ea typeface="宋体" panose="02010600030101010101" pitchFamily="2" charset="-122"/>
+            </a:endParaRPr>
+          </a:p>
+        </p:txBody>
+      </p:sp>
+      <p:sp>
+        <p:nvSpPr>
+          <p:cNvPr id="30" name="矩形 29">
+            <a:extLst>
+              <a:ext uri="{FF2B5EF4-FFF2-40B4-BE49-F238E27FC236}">
+                <a16:creationId xmlns:a16="http://schemas.microsoft.com/office/drawing/2014/main" id="{98C13490-15D7-4902-B987-2BD2E1C60D6E}"/>
+              </a:ext>
+            </a:extLst>
+          </p:cNvPr>
+          <p:cNvSpPr/>
+          <p:nvPr/>
+        </p:nvSpPr>
+        <p:spPr bwMode="auto">
+          <a:xfrm>
+            <a:off x="5801959" y="1011803"/>
+            <a:ext cx="4310632" cy="2160239"/>
+          </a:xfrm>
+          <a:prstGeom prst="rect">
+            <a:avLst/>
+          </a:prstGeom>
+          <a:noFill/>
+          <a:ln w="9525" cap="flat" cmpd="sng" algn="ctr">
+            <a:solidFill>
+              <a:schemeClr val="tx1"/>
+            </a:solidFill>
+            <a:prstDash val="dash"/>
+            <a:round/>
+            <a:headEnd type="none" w="med" len="med"/>
+            <a:tailEnd type="none" w="med" len="med"/>
+          </a:ln>
+          <a:effectLst/>
+        </p:spPr>
+        <p:txBody>
+          <a:bodyPr vert="horz" wrap="square" lIns="91440" tIns="45720" rIns="91440" bIns="45720" numCol="1" rtlCol="0" anchor="t" anchorCtr="0" compatLnSpc="1"/>
+          <a:lstStyle/>
+          <a:p>
+            <a:pPr marL="0" marR="0" indent="0" algn="l" defTabSz="914400" rtl="0" eaLnBrk="1" fontAlgn="base" latinLnBrk="0" hangingPunct="1">
+              <a:lnSpc>
+                <a:spcPct val="100000"/>
+              </a:lnSpc>
+              <a:spcBef>
+                <a:spcPct val="0"/>
+              </a:spcBef>
+              <a:spcAft>
+                <a:spcPct val="0"/>
+              </a:spcAft>
+              <a:buClrTx/>
+              <a:buSzTx/>
+              <a:buFontTx/>
+              <a:buNone/>
+            </a:pPr>
+            <a:endParaRPr kumimoji="0" lang="zh-CN" altLang="en-US" sz="2000" b="0" i="0" u="none" strike="noStrike" cap="none" normalizeH="0" baseline="0">
+              <a:ln>
+                <a:noFill/>
+              </a:ln>
+              <a:solidFill>
+                <a:schemeClr val="tx1"/>
+              </a:solidFill>
+              <a:effectLst/>
+              <a:latin typeface="Times New Roman" panose="02020603050405020304" pitchFamily="18" charset="0"/>
+              <a:ea typeface="宋体" panose="02010600030101010101" pitchFamily="2" charset="-122"/>
+            </a:endParaRPr>
+          </a:p>
+        </p:txBody>
+      </p:sp>
+      <p:sp>
+        <p:nvSpPr>
+          <p:cNvPr id="31" name="TextBox 38">
+            <a:extLst>
+              <a:ext uri="{FF2B5EF4-FFF2-40B4-BE49-F238E27FC236}">
+                <a16:creationId xmlns:a16="http://schemas.microsoft.com/office/drawing/2014/main" id="{DEC42B12-A4FF-40F2-A0F0-4D35B127D815}"/>
+              </a:ext>
+            </a:extLst>
+          </p:cNvPr>
+          <p:cNvSpPr txBox="1"/>
+          <p:nvPr/>
+        </p:nvSpPr>
+        <p:spPr>
+          <a:xfrm>
+            <a:off x="1272154" y="5061255"/>
+            <a:ext cx="1580333" cy="369332"/>
+          </a:xfrm>
+          <a:prstGeom prst="rect">
+            <a:avLst/>
+          </a:prstGeom>
+          <a:noFill/>
+        </p:spPr>
+        <p:txBody>
+          <a:bodyPr wrap="square" rtlCol="0">
+            <a:spAutoFit/>
+          </a:bodyPr>
+          <a:lstStyle/>
+          <a:p>
+            <a:pPr algn="ctr"/>
+            <a:r>
+              <a:rPr lang="zh-CN" altLang="en-US" dirty="0">
+                <a:solidFill>
+                  <a:schemeClr val="accent2"/>
+                </a:solidFill>
+                <a:latin typeface="+mn-ea"/>
+              </a:rPr>
+              <a:t>输入预处理</a:t>
+            </a:r>
+            <a:endParaRPr lang="zh-CN" altLang="en-US" dirty="0">
+              <a:solidFill>
+                <a:schemeClr val="accent2"/>
+              </a:solidFill>
+              <a:latin typeface="+mn-ea"/>
+              <a:ea typeface="+mn-ea"/>
+            </a:endParaRPr>
+          </a:p>
+        </p:txBody>
+      </p:sp>
+      <p:sp>
+        <p:nvSpPr>
+          <p:cNvPr id="32" name="TextBox 39">
+            <a:extLst>
+              <a:ext uri="{FF2B5EF4-FFF2-40B4-BE49-F238E27FC236}">
+                <a16:creationId xmlns:a16="http://schemas.microsoft.com/office/drawing/2014/main" id="{8033A28F-940F-45D3-A633-19CCA2304B3A}"/>
+              </a:ext>
+            </a:extLst>
+          </p:cNvPr>
+          <p:cNvSpPr txBox="1"/>
+          <p:nvPr/>
+        </p:nvSpPr>
+        <p:spPr>
+          <a:xfrm>
+            <a:off x="3535749" y="5076188"/>
+            <a:ext cx="1580333" cy="369332"/>
+          </a:xfrm>
+          <a:prstGeom prst="rect">
+            <a:avLst/>
+          </a:prstGeom>
+          <a:noFill/>
+        </p:spPr>
+        <p:txBody>
+          <a:bodyPr wrap="square" rtlCol="0">
+            <a:spAutoFit/>
+          </a:bodyPr>
+          <a:lstStyle/>
+          <a:p>
+            <a:pPr algn="ctr"/>
+            <a:r>
+              <a:rPr lang="zh-CN" altLang="en-US" dirty="0">
+                <a:solidFill>
+                  <a:schemeClr val="accent2"/>
+                </a:solidFill>
+                <a:latin typeface="+mn-ea"/>
+                <a:ea typeface="+mn-ea"/>
+              </a:rPr>
+              <a:t>独立编码</a:t>
+            </a:r>
+          </a:p>
+        </p:txBody>
+      </p:sp>
+      <p:sp>
+        <p:nvSpPr>
+          <p:cNvPr id="33" name="矩形 32">
+            <a:extLst>
+              <a:ext uri="{FF2B5EF4-FFF2-40B4-BE49-F238E27FC236}">
+                <a16:creationId xmlns:a16="http://schemas.microsoft.com/office/drawing/2014/main" id="{1A48A3FB-4DE5-48B3-A286-9BBB47789D22}"/>
+              </a:ext>
+            </a:extLst>
+          </p:cNvPr>
+          <p:cNvSpPr/>
+          <p:nvPr/>
+        </p:nvSpPr>
+        <p:spPr bwMode="auto">
+          <a:xfrm>
+            <a:off x="5799137" y="3905855"/>
+            <a:ext cx="4313453" cy="1555510"/>
+          </a:xfrm>
+          <a:prstGeom prst="rect">
+            <a:avLst/>
+          </a:prstGeom>
+          <a:noFill/>
+          <a:ln w="9525" cap="flat" cmpd="sng" algn="ctr">
+            <a:solidFill>
+              <a:schemeClr val="tx1"/>
+            </a:solidFill>
+            <a:prstDash val="dash"/>
+            <a:round/>
+            <a:headEnd type="none" w="med" len="med"/>
+            <a:tailEnd type="none" w="med" len="med"/>
+          </a:ln>
+          <a:effectLst/>
+        </p:spPr>
+        <p:txBody>
+          <a:bodyPr vert="horz" wrap="square" lIns="91440" tIns="45720" rIns="91440" bIns="45720" numCol="1" rtlCol="0" anchor="t" anchorCtr="0" compatLnSpc="1"/>
+          <a:lstStyle/>
+          <a:p>
+            <a:pPr marL="0" marR="0" indent="0" algn="l" defTabSz="914400" rtl="0" eaLnBrk="1" fontAlgn="base" latinLnBrk="0" hangingPunct="1">
+              <a:lnSpc>
+                <a:spcPct val="100000"/>
+              </a:lnSpc>
+              <a:spcBef>
+                <a:spcPct val="0"/>
+              </a:spcBef>
+              <a:spcAft>
+                <a:spcPct val="0"/>
+              </a:spcAft>
+              <a:buClrTx/>
+              <a:buSzTx/>
+              <a:buFontTx/>
+              <a:buNone/>
+            </a:pPr>
+            <a:endParaRPr kumimoji="0" lang="zh-CN" altLang="en-US" sz="2000" b="0" i="0" u="none" strike="noStrike" cap="none" normalizeH="0" baseline="0">
+              <a:ln>
+                <a:noFill/>
+              </a:ln>
+              <a:solidFill>
+                <a:schemeClr val="tx1"/>
+              </a:solidFill>
+              <a:effectLst/>
+              <a:latin typeface="Times New Roman" panose="02020603050405020304" pitchFamily="18" charset="0"/>
+              <a:ea typeface="宋体" panose="02010600030101010101" pitchFamily="2" charset="-122"/>
+            </a:endParaRPr>
+          </a:p>
+        </p:txBody>
+      </p:sp>
+      <p:sp>
+        <p:nvSpPr>
+          <p:cNvPr id="34" name="TextBox 41">
+            <a:extLst>
+              <a:ext uri="{FF2B5EF4-FFF2-40B4-BE49-F238E27FC236}">
+                <a16:creationId xmlns:a16="http://schemas.microsoft.com/office/drawing/2014/main" id="{10401FF9-7EA9-4AB0-B547-6755F800CCF7}"/>
+              </a:ext>
+            </a:extLst>
+          </p:cNvPr>
+          <p:cNvSpPr txBox="1"/>
+          <p:nvPr/>
+        </p:nvSpPr>
+        <p:spPr>
+          <a:xfrm>
+            <a:off x="5866845" y="2560461"/>
+            <a:ext cx="1727995" cy="646331"/>
+          </a:xfrm>
+          <a:prstGeom prst="rect">
+            <a:avLst/>
+          </a:prstGeom>
+          <a:noFill/>
+        </p:spPr>
+        <p:txBody>
+          <a:bodyPr wrap="square" rtlCol="0">
+            <a:spAutoFit/>
+          </a:bodyPr>
+          <a:lstStyle/>
+          <a:p>
+            <a:pPr algn="ctr"/>
+            <a:r>
+              <a:rPr lang="en-US" altLang="zh-CN" dirty="0">
+                <a:solidFill>
+                  <a:schemeClr val="accent2"/>
+                </a:solidFill>
+                <a:latin typeface="+mn-ea"/>
+                <a:ea typeface="+mn-ea"/>
+              </a:rPr>
+              <a:t>Attention</a:t>
+            </a:r>
+            <a:r>
+              <a:rPr lang="zh-CN" altLang="en-US" dirty="0">
+                <a:solidFill>
+                  <a:schemeClr val="accent2"/>
+                </a:solidFill>
+                <a:latin typeface="+mn-ea"/>
+                <a:ea typeface="+mn-ea"/>
+              </a:rPr>
+              <a:t>计算与位置预测</a:t>
+            </a:r>
+          </a:p>
+        </p:txBody>
+      </p:sp>
+      <p:sp>
+        <p:nvSpPr>
+          <p:cNvPr id="35" name="TextBox 42">
+            <a:extLst>
+              <a:ext uri="{FF2B5EF4-FFF2-40B4-BE49-F238E27FC236}">
+                <a16:creationId xmlns:a16="http://schemas.microsoft.com/office/drawing/2014/main" id="{A9C1B63E-2AFE-4D4B-A491-FC18F5E22475}"/>
+              </a:ext>
+            </a:extLst>
+          </p:cNvPr>
+          <p:cNvSpPr txBox="1"/>
+          <p:nvPr/>
+        </p:nvSpPr>
+        <p:spPr>
+          <a:xfrm>
+            <a:off x="7241431" y="5076188"/>
+            <a:ext cx="1580333" cy="369332"/>
+          </a:xfrm>
+          <a:prstGeom prst="rect">
+            <a:avLst/>
+          </a:prstGeom>
+          <a:noFill/>
+        </p:spPr>
+        <p:txBody>
+          <a:bodyPr wrap="square" rtlCol="0">
+            <a:spAutoFit/>
+          </a:bodyPr>
+          <a:lstStyle/>
+          <a:p>
+            <a:pPr algn="ctr"/>
+            <a:r>
+              <a:rPr lang="zh-CN" altLang="en-US" dirty="0">
+                <a:solidFill>
+                  <a:schemeClr val="accent2"/>
+                </a:solidFill>
+                <a:latin typeface="+mn-ea"/>
+                <a:ea typeface="+mn-ea"/>
+              </a:rPr>
+              <a:t>模型测试</a:t>
+            </a:r>
+          </a:p>
+        </p:txBody>
+      </p:sp>
+    </p:spTree>
+    <p:extLst>
+      <p:ext uri="{BB962C8B-B14F-4D97-AF65-F5344CB8AC3E}">
+        <p14:creationId xmlns:p14="http://schemas.microsoft.com/office/powerpoint/2010/main" val="2901247719"/>
+      </p:ext>
+    </p:extLst>
+  </p:cSld>
+  <p:clrMapOvr>
+    <a:masterClrMapping/>
+  </p:clrMapOvr>
+  <p:timing>
+    <p:tnLst>
+      <p:par>
+        <p:cTn id="1" dur="indefinite" restart="never" nodeType="tmRoot">
+          <p:childTnLst>
+            <p:seq concurrent="1" nextAc="seek">
+              <p:cTn id="2" dur="indefinite" nodeType="mainSeq">
+                <p:childTnLst>
+                  <p:par>
+                    <p:cTn id="3" fill="hold">
+                      <p:stCondLst>
+                        <p:cond delay="indefinite"/>
+                      </p:stCondLst>
+                      <p:childTnLst>
+                        <p:par>
+                          <p:cTn id="4" fill="hold">
+                            <p:stCondLst>
+                              <p:cond delay="0"/>
+                            </p:stCondLst>
+                            <p:childTnLst>
+                              <p:par>
+                                <p:cTn id="5" presetID="10" presetClass="entr" presetSubtype="0" fill="hold" grpId="0" nodeType="clickEffect">
+                                  <p:stCondLst>
+                                    <p:cond delay="0"/>
+                                  </p:stCondLst>
+                                  <p:childTnLst>
+                                    <p:set>
+                                      <p:cBhvr>
+                                        <p:cTn id="6" dur="1" fill="hold">
+                                          <p:stCondLst>
+                                            <p:cond delay="0"/>
+                                          </p:stCondLst>
+                                        </p:cTn>
+                                        <p:tgtEl>
+                                          <p:spTgt spid="16"/>
+                                        </p:tgtEl>
+                                        <p:attrNameLst>
+                                          <p:attrName>style.visibility</p:attrName>
+                                        </p:attrNameLst>
+                                      </p:cBhvr>
+                                      <p:to>
+                                        <p:strVal val="visible"/>
+                                      </p:to>
+                                    </p:set>
+                                    <p:animEffect transition="in" filter="fade">
+                                      <p:cBhvr>
+                                        <p:cTn id="7" dur="500"/>
+                                        <p:tgtEl>
+                                          <p:spTgt spid="16"/>
+                                        </p:tgtEl>
+                                      </p:cBhvr>
+                                    </p:animEffect>
+                                  </p:childTnLst>
+                                </p:cTn>
+                              </p:par>
+                            </p:childTnLst>
+                          </p:cTn>
+                        </p:par>
+                        <p:par>
+                          <p:cTn id="8" fill="hold">
+                            <p:stCondLst>
+                              <p:cond delay="500"/>
+                            </p:stCondLst>
+                            <p:childTnLst>
+                              <p:par>
+                                <p:cTn id="9" presetID="10" presetClass="entr" presetSubtype="0" fill="hold" grpId="0" nodeType="afterEffect">
+                                  <p:stCondLst>
+                                    <p:cond delay="0"/>
+                                  </p:stCondLst>
+                                  <p:childTnLst>
+                                    <p:set>
+                                      <p:cBhvr>
+                                        <p:cTn id="10" dur="1" fill="hold">
+                                          <p:stCondLst>
+                                            <p:cond delay="0"/>
+                                          </p:stCondLst>
+                                        </p:cTn>
+                                        <p:tgtEl>
+                                          <p:spTgt spid="6"/>
+                                        </p:tgtEl>
+                                        <p:attrNameLst>
+                                          <p:attrName>style.visibility</p:attrName>
+                                        </p:attrNameLst>
+                                      </p:cBhvr>
+                                      <p:to>
+                                        <p:strVal val="visible"/>
+                                      </p:to>
+                                    </p:set>
+                                    <p:animEffect transition="in" filter="fade">
+                                      <p:cBhvr>
+                                        <p:cTn id="11" dur="500"/>
+                                        <p:tgtEl>
+                                          <p:spTgt spid="6"/>
+                                        </p:tgtEl>
+                                      </p:cBhvr>
+                                    </p:animEffect>
+                                  </p:childTnLst>
+                                </p:cTn>
+                              </p:par>
+                            </p:childTnLst>
+                          </p:cTn>
+                        </p:par>
+                        <p:par>
+                          <p:cTn id="12" fill="hold">
+                            <p:stCondLst>
+                              <p:cond delay="1000"/>
+                            </p:stCondLst>
+                            <p:childTnLst>
+                              <p:par>
+                                <p:cTn id="13" presetID="10" presetClass="entr" presetSubtype="0" fill="hold" grpId="0" nodeType="afterEffect">
+                                  <p:stCondLst>
+                                    <p:cond delay="0"/>
+                                  </p:stCondLst>
+                                  <p:childTnLst>
+                                    <p:set>
+                                      <p:cBhvr>
+                                        <p:cTn id="14" dur="1" fill="hold">
+                                          <p:stCondLst>
+                                            <p:cond delay="0"/>
+                                          </p:stCondLst>
+                                        </p:cTn>
+                                        <p:tgtEl>
+                                          <p:spTgt spid="7"/>
+                                        </p:tgtEl>
+                                        <p:attrNameLst>
+                                          <p:attrName>style.visibility</p:attrName>
+                                        </p:attrNameLst>
+                                      </p:cBhvr>
+                                      <p:to>
+                                        <p:strVal val="visible"/>
+                                      </p:to>
+                                    </p:set>
+                                    <p:animEffect transition="in" filter="fade">
+                                      <p:cBhvr>
+                                        <p:cTn id="15" dur="500"/>
+                                        <p:tgtEl>
+                                          <p:spTgt spid="7"/>
+                                        </p:tgtEl>
+                                      </p:cBhvr>
+                                    </p:animEffect>
+                                  </p:childTnLst>
+                                </p:cTn>
+                              </p:par>
+                            </p:childTnLst>
+                          </p:cTn>
+                        </p:par>
+                        <p:par>
+                          <p:cTn id="16" fill="hold">
+                            <p:stCondLst>
+                              <p:cond delay="1500"/>
+                            </p:stCondLst>
+                            <p:childTnLst>
+                              <p:par>
+                                <p:cTn id="17" presetID="10" presetClass="entr" presetSubtype="0" fill="hold" grpId="0" nodeType="afterEffect">
+                                  <p:stCondLst>
+                                    <p:cond delay="0"/>
+                                  </p:stCondLst>
+                                  <p:childTnLst>
+                                    <p:set>
+                                      <p:cBhvr>
+                                        <p:cTn id="18" dur="1" fill="hold">
+                                          <p:stCondLst>
+                                            <p:cond delay="0"/>
+                                          </p:stCondLst>
+                                        </p:cTn>
+                                        <p:tgtEl>
+                                          <p:spTgt spid="17"/>
+                                        </p:tgtEl>
+                                        <p:attrNameLst>
+                                          <p:attrName>style.visibility</p:attrName>
+                                        </p:attrNameLst>
+                                      </p:cBhvr>
+                                      <p:to>
+                                        <p:strVal val="visible"/>
+                                      </p:to>
+                                    </p:set>
+                                    <p:animEffect transition="in" filter="fade">
+                                      <p:cBhvr>
+                                        <p:cTn id="19" dur="500"/>
+                                        <p:tgtEl>
+                                          <p:spTgt spid="17"/>
+                                        </p:tgtEl>
+                                      </p:cBhvr>
+                                    </p:animEffect>
+                                  </p:childTnLst>
+                                </p:cTn>
+                              </p:par>
+                            </p:childTnLst>
+                          </p:cTn>
+                        </p:par>
+                        <p:par>
+                          <p:cTn id="20" fill="hold">
+                            <p:stCondLst>
+                              <p:cond delay="2000"/>
+                            </p:stCondLst>
+                            <p:childTnLst>
+                              <p:par>
+                                <p:cTn id="21" presetID="10" presetClass="entr" presetSubtype="0" fill="hold" grpId="0" nodeType="afterEffect">
+                                  <p:stCondLst>
+                                    <p:cond delay="0"/>
+                                  </p:stCondLst>
+                                  <p:childTnLst>
+                                    <p:set>
+                                      <p:cBhvr>
+                                        <p:cTn id="22" dur="1" fill="hold">
+                                          <p:stCondLst>
+                                            <p:cond delay="0"/>
+                                          </p:stCondLst>
+                                        </p:cTn>
+                                        <p:tgtEl>
+                                          <p:spTgt spid="12"/>
+                                        </p:tgtEl>
+                                        <p:attrNameLst>
+                                          <p:attrName>style.visibility</p:attrName>
+                                        </p:attrNameLst>
+                                      </p:cBhvr>
+                                      <p:to>
+                                        <p:strVal val="visible"/>
+                                      </p:to>
+                                    </p:set>
+                                    <p:animEffect transition="in" filter="fade">
+                                      <p:cBhvr>
+                                        <p:cTn id="23" dur="500"/>
+                                        <p:tgtEl>
+                                          <p:spTgt spid="12"/>
+                                        </p:tgtEl>
+                                      </p:cBhvr>
+                                    </p:animEffect>
+                                  </p:childTnLst>
+                                </p:cTn>
+                              </p:par>
+                            </p:childTnLst>
+                          </p:cTn>
+                        </p:par>
+                        <p:par>
+                          <p:cTn id="24" fill="hold">
+                            <p:stCondLst>
+                              <p:cond delay="2500"/>
+                            </p:stCondLst>
+                            <p:childTnLst>
+                              <p:par>
+                                <p:cTn id="25" presetID="10" presetClass="entr" presetSubtype="0" fill="hold" grpId="0" nodeType="afterEffect">
+                                  <p:stCondLst>
+                                    <p:cond delay="0"/>
+                                  </p:stCondLst>
+                                  <p:childTnLst>
+                                    <p:set>
+                                      <p:cBhvr>
+                                        <p:cTn id="26" dur="1" fill="hold">
+                                          <p:stCondLst>
+                                            <p:cond delay="0"/>
+                                          </p:stCondLst>
+                                        </p:cTn>
+                                        <p:tgtEl>
+                                          <p:spTgt spid="28"/>
+                                        </p:tgtEl>
+                                        <p:attrNameLst>
+                                          <p:attrName>style.visibility</p:attrName>
+                                        </p:attrNameLst>
+                                      </p:cBhvr>
+                                      <p:to>
+                                        <p:strVal val="visible"/>
+                                      </p:to>
+                                    </p:set>
+                                    <p:animEffect transition="in" filter="fade">
+                                      <p:cBhvr>
+                                        <p:cTn id="27" dur="500"/>
+                                        <p:tgtEl>
+                                          <p:spTgt spid="28"/>
+                                        </p:tgtEl>
+                                      </p:cBhvr>
+                                    </p:animEffect>
+                                  </p:childTnLst>
+                                </p:cTn>
+                              </p:par>
+                            </p:childTnLst>
+                          </p:cTn>
+                        </p:par>
+                        <p:par>
+                          <p:cTn id="28" fill="hold">
+                            <p:stCondLst>
+                              <p:cond delay="3000"/>
+                            </p:stCondLst>
+                            <p:childTnLst>
+                              <p:par>
+                                <p:cTn id="29" presetID="10" presetClass="entr" presetSubtype="0" fill="hold" grpId="0" nodeType="afterEffect">
+                                  <p:stCondLst>
+                                    <p:cond delay="0"/>
+                                  </p:stCondLst>
+                                  <p:childTnLst>
+                                    <p:set>
+                                      <p:cBhvr>
+                                        <p:cTn id="30" dur="1" fill="hold">
+                                          <p:stCondLst>
+                                            <p:cond delay="0"/>
+                                          </p:stCondLst>
+                                        </p:cTn>
+                                        <p:tgtEl>
+                                          <p:spTgt spid="31"/>
+                                        </p:tgtEl>
+                                        <p:attrNameLst>
+                                          <p:attrName>style.visibility</p:attrName>
+                                        </p:attrNameLst>
+                                      </p:cBhvr>
+                                      <p:to>
+                                        <p:strVal val="visible"/>
+                                      </p:to>
+                                    </p:set>
+                                    <p:animEffect transition="in" filter="fade">
+                                      <p:cBhvr>
+                                        <p:cTn id="31" dur="500"/>
+                                        <p:tgtEl>
+                                          <p:spTgt spid="31"/>
+                                        </p:tgtEl>
+                                      </p:cBhvr>
+                                    </p:animEffect>
+                                  </p:childTnLst>
+                                </p:cTn>
+                              </p:par>
+                            </p:childTnLst>
+                          </p:cTn>
+                        </p:par>
+                      </p:childTnLst>
+                    </p:cTn>
+                  </p:par>
+                  <p:par>
+                    <p:cTn id="32" fill="hold">
+                      <p:stCondLst>
+                        <p:cond delay="indefinite"/>
+                      </p:stCondLst>
+                      <p:childTnLst>
+                        <p:par>
+                          <p:cTn id="33" fill="hold">
+                            <p:stCondLst>
+                              <p:cond delay="0"/>
+                            </p:stCondLst>
+                            <p:childTnLst>
+                              <p:par>
+                                <p:cTn id="34" presetID="10" presetClass="entr" presetSubtype="0" fill="hold" grpId="0" nodeType="clickEffect">
+                                  <p:stCondLst>
+                                    <p:cond delay="0"/>
+                                  </p:stCondLst>
+                                  <p:childTnLst>
+                                    <p:set>
+                                      <p:cBhvr>
+                                        <p:cTn id="35" dur="1" fill="hold">
+                                          <p:stCondLst>
+                                            <p:cond delay="0"/>
+                                          </p:stCondLst>
+                                        </p:cTn>
+                                        <p:tgtEl>
+                                          <p:spTgt spid="20"/>
+                                        </p:tgtEl>
+                                        <p:attrNameLst>
+                                          <p:attrName>style.visibility</p:attrName>
+                                        </p:attrNameLst>
+                                      </p:cBhvr>
+                                      <p:to>
+                                        <p:strVal val="visible"/>
+                                      </p:to>
+                                    </p:set>
+                                    <p:animEffect transition="in" filter="fade">
+                                      <p:cBhvr>
+                                        <p:cTn id="36" dur="500"/>
+                                        <p:tgtEl>
+                                          <p:spTgt spid="20"/>
+                                        </p:tgtEl>
+                                      </p:cBhvr>
+                                    </p:animEffect>
+                                  </p:childTnLst>
+                                </p:cTn>
+                              </p:par>
+                            </p:childTnLst>
+                          </p:cTn>
+                        </p:par>
+                        <p:par>
+                          <p:cTn id="37" fill="hold">
+                            <p:stCondLst>
+                              <p:cond delay="500"/>
+                            </p:stCondLst>
+                            <p:childTnLst>
+                              <p:par>
+                                <p:cTn id="38" presetID="10" presetClass="entr" presetSubtype="0" fill="hold" grpId="0" nodeType="afterEffect">
+                                  <p:stCondLst>
+                                    <p:cond delay="0"/>
+                                  </p:stCondLst>
+                                  <p:childTnLst>
+                                    <p:set>
+                                      <p:cBhvr>
+                                        <p:cTn id="39" dur="1" fill="hold">
+                                          <p:stCondLst>
+                                            <p:cond delay="0"/>
+                                          </p:stCondLst>
+                                        </p:cTn>
+                                        <p:tgtEl>
+                                          <p:spTgt spid="8"/>
+                                        </p:tgtEl>
+                                        <p:attrNameLst>
+                                          <p:attrName>style.visibility</p:attrName>
+                                        </p:attrNameLst>
+                                      </p:cBhvr>
+                                      <p:to>
+                                        <p:strVal val="visible"/>
+                                      </p:to>
+                                    </p:set>
+                                    <p:animEffect transition="in" filter="fade">
+                                      <p:cBhvr>
+                                        <p:cTn id="40" dur="500"/>
+                                        <p:tgtEl>
+                                          <p:spTgt spid="8"/>
+                                        </p:tgtEl>
+                                      </p:cBhvr>
+                                    </p:animEffect>
+                                  </p:childTnLst>
+                                </p:cTn>
+                              </p:par>
+                            </p:childTnLst>
+                          </p:cTn>
+                        </p:par>
+                        <p:par>
+                          <p:cTn id="41" fill="hold">
+                            <p:stCondLst>
+                              <p:cond delay="1000"/>
+                            </p:stCondLst>
+                            <p:childTnLst>
+                              <p:par>
+                                <p:cTn id="42" presetID="10" presetClass="entr" presetSubtype="0" fill="hold" grpId="0" nodeType="afterEffect">
+                                  <p:stCondLst>
+                                    <p:cond delay="0"/>
+                                  </p:stCondLst>
+                                  <p:childTnLst>
+                                    <p:set>
+                                      <p:cBhvr>
+                                        <p:cTn id="43" dur="1" fill="hold">
+                                          <p:stCondLst>
+                                            <p:cond delay="0"/>
+                                          </p:stCondLst>
+                                        </p:cTn>
+                                        <p:tgtEl>
+                                          <p:spTgt spid="18"/>
+                                        </p:tgtEl>
+                                        <p:attrNameLst>
+                                          <p:attrName>style.visibility</p:attrName>
+                                        </p:attrNameLst>
+                                      </p:cBhvr>
+                                      <p:to>
+                                        <p:strVal val="visible"/>
+                                      </p:to>
+                                    </p:set>
+                                    <p:animEffect transition="in" filter="fade">
+                                      <p:cBhvr>
+                                        <p:cTn id="44" dur="500"/>
+                                        <p:tgtEl>
+                                          <p:spTgt spid="18"/>
+                                        </p:tgtEl>
+                                      </p:cBhvr>
+                                    </p:animEffect>
+                                  </p:childTnLst>
+                                </p:cTn>
+                              </p:par>
+                            </p:childTnLst>
+                          </p:cTn>
+                        </p:par>
+                        <p:par>
+                          <p:cTn id="45" fill="hold">
+                            <p:stCondLst>
+                              <p:cond delay="1500"/>
+                            </p:stCondLst>
+                            <p:childTnLst>
+                              <p:par>
+                                <p:cTn id="46" presetID="10" presetClass="entr" presetSubtype="0" fill="hold" grpId="0" nodeType="afterEffect">
+                                  <p:stCondLst>
+                                    <p:cond delay="0"/>
+                                  </p:stCondLst>
+                                  <p:childTnLst>
+                                    <p:set>
+                                      <p:cBhvr>
+                                        <p:cTn id="47" dur="1" fill="hold">
+                                          <p:stCondLst>
+                                            <p:cond delay="0"/>
+                                          </p:stCondLst>
+                                        </p:cTn>
+                                        <p:tgtEl>
+                                          <p:spTgt spid="9"/>
+                                        </p:tgtEl>
+                                        <p:attrNameLst>
+                                          <p:attrName>style.visibility</p:attrName>
+                                        </p:attrNameLst>
+                                      </p:cBhvr>
+                                      <p:to>
+                                        <p:strVal val="visible"/>
+                                      </p:to>
+                                    </p:set>
+                                    <p:animEffect transition="in" filter="fade">
+                                      <p:cBhvr>
+                                        <p:cTn id="48" dur="500"/>
+                                        <p:tgtEl>
+                                          <p:spTgt spid="9"/>
+                                        </p:tgtEl>
+                                      </p:cBhvr>
+                                    </p:animEffect>
+                                  </p:childTnLst>
+                                </p:cTn>
+                              </p:par>
+                            </p:childTnLst>
+                          </p:cTn>
+                        </p:par>
+                        <p:par>
+                          <p:cTn id="49" fill="hold">
+                            <p:stCondLst>
+                              <p:cond delay="2000"/>
+                            </p:stCondLst>
+                            <p:childTnLst>
+                              <p:par>
+                                <p:cTn id="50" presetID="10" presetClass="entr" presetSubtype="0" fill="hold" grpId="0" nodeType="afterEffect">
+                                  <p:stCondLst>
+                                    <p:cond delay="0"/>
+                                  </p:stCondLst>
+                                  <p:childTnLst>
+                                    <p:set>
+                                      <p:cBhvr>
+                                        <p:cTn id="51" dur="1" fill="hold">
+                                          <p:stCondLst>
+                                            <p:cond delay="0"/>
+                                          </p:stCondLst>
+                                        </p:cTn>
+                                        <p:tgtEl>
+                                          <p:spTgt spid="19"/>
+                                        </p:tgtEl>
+                                        <p:attrNameLst>
+                                          <p:attrName>style.visibility</p:attrName>
+                                        </p:attrNameLst>
+                                      </p:cBhvr>
+                                      <p:to>
+                                        <p:strVal val="visible"/>
+                                      </p:to>
+                                    </p:set>
+                                    <p:animEffect transition="in" filter="fade">
+                                      <p:cBhvr>
+                                        <p:cTn id="52" dur="500"/>
+                                        <p:tgtEl>
+                                          <p:spTgt spid="19"/>
+                                        </p:tgtEl>
+                                      </p:cBhvr>
+                                    </p:animEffect>
+                                  </p:childTnLst>
+                                </p:cTn>
+                              </p:par>
+                            </p:childTnLst>
+                          </p:cTn>
+                        </p:par>
+                        <p:par>
+                          <p:cTn id="53" fill="hold">
+                            <p:stCondLst>
+                              <p:cond delay="2500"/>
+                            </p:stCondLst>
+                            <p:childTnLst>
+                              <p:par>
+                                <p:cTn id="54" presetID="10" presetClass="entr" presetSubtype="0" fill="hold" grpId="0" nodeType="afterEffect">
+                                  <p:stCondLst>
+                                    <p:cond delay="0"/>
+                                  </p:stCondLst>
+                                  <p:childTnLst>
+                                    <p:set>
+                                      <p:cBhvr>
+                                        <p:cTn id="55" dur="1" fill="hold">
+                                          <p:stCondLst>
+                                            <p:cond delay="0"/>
+                                          </p:stCondLst>
+                                        </p:cTn>
+                                        <p:tgtEl>
+                                          <p:spTgt spid="15"/>
+                                        </p:tgtEl>
+                                        <p:attrNameLst>
+                                          <p:attrName>style.visibility</p:attrName>
+                                        </p:attrNameLst>
+                                      </p:cBhvr>
+                                      <p:to>
+                                        <p:strVal val="visible"/>
+                                      </p:to>
+                                    </p:set>
+                                    <p:animEffect transition="in" filter="fade">
+                                      <p:cBhvr>
+                                        <p:cTn id="56" dur="500"/>
+                                        <p:tgtEl>
+                                          <p:spTgt spid="15"/>
+                                        </p:tgtEl>
+                                      </p:cBhvr>
+                                    </p:animEffect>
+                                  </p:childTnLst>
+                                </p:cTn>
+                              </p:par>
+                            </p:childTnLst>
+                          </p:cTn>
+                        </p:par>
+                        <p:par>
+                          <p:cTn id="57" fill="hold">
+                            <p:stCondLst>
+                              <p:cond delay="3000"/>
+                            </p:stCondLst>
+                            <p:childTnLst>
+                              <p:par>
+                                <p:cTn id="58" presetID="10" presetClass="entr" presetSubtype="0" fill="hold" grpId="0" nodeType="afterEffect">
+                                  <p:stCondLst>
+                                    <p:cond delay="0"/>
+                                  </p:stCondLst>
+                                  <p:childTnLst>
+                                    <p:set>
+                                      <p:cBhvr>
+                                        <p:cTn id="59" dur="1" fill="hold">
+                                          <p:stCondLst>
+                                            <p:cond delay="0"/>
+                                          </p:stCondLst>
+                                        </p:cTn>
+                                        <p:tgtEl>
+                                          <p:spTgt spid="29"/>
+                                        </p:tgtEl>
+                                        <p:attrNameLst>
+                                          <p:attrName>style.visibility</p:attrName>
+                                        </p:attrNameLst>
+                                      </p:cBhvr>
+                                      <p:to>
+                                        <p:strVal val="visible"/>
+                                      </p:to>
+                                    </p:set>
+                                    <p:animEffect transition="in" filter="fade">
+                                      <p:cBhvr>
+                                        <p:cTn id="60" dur="500"/>
+                                        <p:tgtEl>
+                                          <p:spTgt spid="29"/>
+                                        </p:tgtEl>
+                                      </p:cBhvr>
+                                    </p:animEffect>
+                                  </p:childTnLst>
+                                </p:cTn>
+                              </p:par>
+                            </p:childTnLst>
+                          </p:cTn>
+                        </p:par>
+                        <p:par>
+                          <p:cTn id="61" fill="hold">
+                            <p:stCondLst>
+                              <p:cond delay="3500"/>
+                            </p:stCondLst>
+                            <p:childTnLst>
+                              <p:par>
+                                <p:cTn id="62" presetID="10" presetClass="entr" presetSubtype="0" fill="hold" grpId="0" nodeType="afterEffect">
+                                  <p:stCondLst>
+                                    <p:cond delay="0"/>
+                                  </p:stCondLst>
+                                  <p:childTnLst>
+                                    <p:set>
+                                      <p:cBhvr>
+                                        <p:cTn id="63" dur="1" fill="hold">
+                                          <p:stCondLst>
+                                            <p:cond delay="0"/>
+                                          </p:stCondLst>
+                                        </p:cTn>
+                                        <p:tgtEl>
+                                          <p:spTgt spid="32"/>
+                                        </p:tgtEl>
+                                        <p:attrNameLst>
+                                          <p:attrName>style.visibility</p:attrName>
+                                        </p:attrNameLst>
+                                      </p:cBhvr>
+                                      <p:to>
+                                        <p:strVal val="visible"/>
+                                      </p:to>
+                                    </p:set>
+                                    <p:animEffect transition="in" filter="fade">
+                                      <p:cBhvr>
+                                        <p:cTn id="64" dur="500"/>
+                                        <p:tgtEl>
+                                          <p:spTgt spid="32"/>
+                                        </p:tgtEl>
+                                      </p:cBhvr>
+                                    </p:animEffect>
+                                  </p:childTnLst>
+                                </p:cTn>
+                              </p:par>
+                            </p:childTnLst>
+                          </p:cTn>
+                        </p:par>
+                      </p:childTnLst>
+                    </p:cTn>
+                  </p:par>
+                  <p:par>
+                    <p:cTn id="65" fill="hold">
+                      <p:stCondLst>
+                        <p:cond delay="indefinite"/>
+                      </p:stCondLst>
+                      <p:childTnLst>
+                        <p:par>
+                          <p:cTn id="66" fill="hold">
+                            <p:stCondLst>
+                              <p:cond delay="0"/>
+                            </p:stCondLst>
+                            <p:childTnLst>
+                              <p:par>
+                                <p:cTn id="67" presetID="10" presetClass="entr" presetSubtype="0" fill="hold" grpId="0" nodeType="clickEffect">
+                                  <p:stCondLst>
+                                    <p:cond delay="0"/>
+                                  </p:stCondLst>
+                                  <p:childTnLst>
+                                    <p:set>
+                                      <p:cBhvr>
+                                        <p:cTn id="68" dur="1" fill="hold">
+                                          <p:stCondLst>
+                                            <p:cond delay="0"/>
+                                          </p:stCondLst>
+                                        </p:cTn>
+                                        <p:tgtEl>
+                                          <p:spTgt spid="21"/>
+                                        </p:tgtEl>
+                                        <p:attrNameLst>
+                                          <p:attrName>style.visibility</p:attrName>
+                                        </p:attrNameLst>
+                                      </p:cBhvr>
+                                      <p:to>
+                                        <p:strVal val="visible"/>
+                                      </p:to>
+                                    </p:set>
+                                    <p:animEffect transition="in" filter="fade">
+                                      <p:cBhvr>
+                                        <p:cTn id="69" dur="500"/>
+                                        <p:tgtEl>
+                                          <p:spTgt spid="21"/>
+                                        </p:tgtEl>
+                                      </p:cBhvr>
+                                    </p:animEffect>
+                                  </p:childTnLst>
+                                </p:cTn>
+                              </p:par>
+                            </p:childTnLst>
+                          </p:cTn>
+                        </p:par>
+                        <p:par>
+                          <p:cTn id="70" fill="hold">
+                            <p:stCondLst>
+                              <p:cond delay="500"/>
+                            </p:stCondLst>
+                            <p:childTnLst>
+                              <p:par>
+                                <p:cTn id="71" presetID="10" presetClass="entr" presetSubtype="0" fill="hold" grpId="0" nodeType="afterEffect">
+                                  <p:stCondLst>
+                                    <p:cond delay="0"/>
+                                  </p:stCondLst>
+                                  <p:childTnLst>
+                                    <p:set>
+                                      <p:cBhvr>
+                                        <p:cTn id="72" dur="1" fill="hold">
+                                          <p:stCondLst>
+                                            <p:cond delay="0"/>
+                                          </p:stCondLst>
+                                        </p:cTn>
+                                        <p:tgtEl>
+                                          <p:spTgt spid="14"/>
+                                        </p:tgtEl>
+                                        <p:attrNameLst>
+                                          <p:attrName>style.visibility</p:attrName>
+                                        </p:attrNameLst>
+                                      </p:cBhvr>
+                                      <p:to>
+                                        <p:strVal val="visible"/>
+                                      </p:to>
+                                    </p:set>
+                                    <p:animEffect transition="in" filter="fade">
+                                      <p:cBhvr>
+                                        <p:cTn id="73" dur="500"/>
+                                        <p:tgtEl>
+                                          <p:spTgt spid="14"/>
+                                        </p:tgtEl>
+                                      </p:cBhvr>
+                                    </p:animEffect>
+                                  </p:childTnLst>
+                                </p:cTn>
+                              </p:par>
+                            </p:childTnLst>
+                          </p:cTn>
+                        </p:par>
+                        <p:par>
+                          <p:cTn id="74" fill="hold">
+                            <p:stCondLst>
+                              <p:cond delay="1000"/>
+                            </p:stCondLst>
+                            <p:childTnLst>
+                              <p:par>
+                                <p:cTn id="75" presetID="10" presetClass="entr" presetSubtype="0" fill="hold" grpId="0" nodeType="afterEffect">
+                                  <p:stCondLst>
+                                    <p:cond delay="0"/>
+                                  </p:stCondLst>
+                                  <p:childTnLst>
+                                    <p:set>
+                                      <p:cBhvr>
+                                        <p:cTn id="76" dur="1" fill="hold">
+                                          <p:stCondLst>
+                                            <p:cond delay="0"/>
+                                          </p:stCondLst>
+                                        </p:cTn>
+                                        <p:tgtEl>
+                                          <p:spTgt spid="23"/>
+                                        </p:tgtEl>
+                                        <p:attrNameLst>
+                                          <p:attrName>style.visibility</p:attrName>
+                                        </p:attrNameLst>
+                                      </p:cBhvr>
+                                      <p:to>
+                                        <p:strVal val="visible"/>
+                                      </p:to>
+                                    </p:set>
+                                    <p:animEffect transition="in" filter="fade">
+                                      <p:cBhvr>
+                                        <p:cTn id="77" dur="500"/>
+                                        <p:tgtEl>
+                                          <p:spTgt spid="23"/>
+                                        </p:tgtEl>
+                                      </p:cBhvr>
+                                    </p:animEffect>
+                                  </p:childTnLst>
+                                </p:cTn>
+                              </p:par>
+                            </p:childTnLst>
+                          </p:cTn>
+                        </p:par>
+                        <p:par>
+                          <p:cTn id="78" fill="hold">
+                            <p:stCondLst>
+                              <p:cond delay="1500"/>
+                            </p:stCondLst>
+                            <p:childTnLst>
+                              <p:par>
+                                <p:cTn id="79" presetID="10" presetClass="entr" presetSubtype="0" fill="hold" grpId="0" nodeType="afterEffect">
+                                  <p:stCondLst>
+                                    <p:cond delay="0"/>
+                                  </p:stCondLst>
+                                  <p:childTnLst>
+                                    <p:set>
+                                      <p:cBhvr>
+                                        <p:cTn id="80" dur="1" fill="hold">
+                                          <p:stCondLst>
+                                            <p:cond delay="0"/>
+                                          </p:stCondLst>
+                                        </p:cTn>
+                                        <p:tgtEl>
+                                          <p:spTgt spid="10"/>
+                                        </p:tgtEl>
+                                        <p:attrNameLst>
+                                          <p:attrName>style.visibility</p:attrName>
+                                        </p:attrNameLst>
+                                      </p:cBhvr>
+                                      <p:to>
+                                        <p:strVal val="visible"/>
+                                      </p:to>
+                                    </p:set>
+                                    <p:animEffect transition="in" filter="fade">
+                                      <p:cBhvr>
+                                        <p:cTn id="81" dur="500"/>
+                                        <p:tgtEl>
+                                          <p:spTgt spid="10"/>
+                                        </p:tgtEl>
+                                      </p:cBhvr>
+                                    </p:animEffect>
+                                  </p:childTnLst>
+                                </p:cTn>
+                              </p:par>
+                            </p:childTnLst>
+                          </p:cTn>
+                        </p:par>
+                        <p:par>
+                          <p:cTn id="82" fill="hold">
+                            <p:stCondLst>
+                              <p:cond delay="2000"/>
+                            </p:stCondLst>
+                            <p:childTnLst>
+                              <p:par>
+                                <p:cTn id="83" presetID="10" presetClass="entr" presetSubtype="0" fill="hold" grpId="0" nodeType="afterEffect">
+                                  <p:stCondLst>
+                                    <p:cond delay="0"/>
+                                  </p:stCondLst>
+                                  <p:childTnLst>
+                                    <p:set>
+                                      <p:cBhvr>
+                                        <p:cTn id="84" dur="1" fill="hold">
+                                          <p:stCondLst>
+                                            <p:cond delay="0"/>
+                                          </p:stCondLst>
+                                        </p:cTn>
+                                        <p:tgtEl>
+                                          <p:spTgt spid="25"/>
+                                        </p:tgtEl>
+                                        <p:attrNameLst>
+                                          <p:attrName>style.visibility</p:attrName>
+                                        </p:attrNameLst>
+                                      </p:cBhvr>
+                                      <p:to>
+                                        <p:strVal val="visible"/>
+                                      </p:to>
+                                    </p:set>
+                                    <p:animEffect transition="in" filter="fade">
+                                      <p:cBhvr>
+                                        <p:cTn id="85" dur="500"/>
+                                        <p:tgtEl>
+                                          <p:spTgt spid="25"/>
+                                        </p:tgtEl>
+                                      </p:cBhvr>
+                                    </p:animEffect>
+                                  </p:childTnLst>
+                                </p:cTn>
+                              </p:par>
+                            </p:childTnLst>
+                          </p:cTn>
+                        </p:par>
+                        <p:par>
+                          <p:cTn id="86" fill="hold">
+                            <p:stCondLst>
+                              <p:cond delay="2500"/>
+                            </p:stCondLst>
+                            <p:childTnLst>
+                              <p:par>
+                                <p:cTn id="87" presetID="10" presetClass="entr" presetSubtype="0" fill="hold" grpId="0" nodeType="afterEffect">
+                                  <p:stCondLst>
+                                    <p:cond delay="0"/>
+                                  </p:stCondLst>
+                                  <p:childTnLst>
+                                    <p:set>
+                                      <p:cBhvr>
+                                        <p:cTn id="88" dur="1" fill="hold">
+                                          <p:stCondLst>
+                                            <p:cond delay="0"/>
+                                          </p:stCondLst>
+                                        </p:cTn>
+                                        <p:tgtEl>
+                                          <p:spTgt spid="24"/>
+                                        </p:tgtEl>
+                                        <p:attrNameLst>
+                                          <p:attrName>style.visibility</p:attrName>
+                                        </p:attrNameLst>
+                                      </p:cBhvr>
+                                      <p:to>
+                                        <p:strVal val="visible"/>
+                                      </p:to>
+                                    </p:set>
+                                    <p:animEffect transition="in" filter="fade">
+                                      <p:cBhvr>
+                                        <p:cTn id="89" dur="500"/>
+                                        <p:tgtEl>
+                                          <p:spTgt spid="24"/>
+                                        </p:tgtEl>
+                                      </p:cBhvr>
+                                    </p:animEffect>
+                                  </p:childTnLst>
+                                </p:cTn>
+                              </p:par>
+                            </p:childTnLst>
+                          </p:cTn>
+                        </p:par>
+                        <p:par>
+                          <p:cTn id="90" fill="hold">
+                            <p:stCondLst>
+                              <p:cond delay="3000"/>
+                            </p:stCondLst>
+                            <p:childTnLst>
+                              <p:par>
+                                <p:cTn id="91" presetID="10" presetClass="entr" presetSubtype="0" fill="hold" grpId="0" nodeType="afterEffect">
+                                  <p:stCondLst>
+                                    <p:cond delay="0"/>
+                                  </p:stCondLst>
+                                  <p:childTnLst>
+                                    <p:set>
+                                      <p:cBhvr>
+                                        <p:cTn id="92" dur="1" fill="hold">
+                                          <p:stCondLst>
+                                            <p:cond delay="0"/>
+                                          </p:stCondLst>
+                                        </p:cTn>
+                                        <p:tgtEl>
+                                          <p:spTgt spid="30"/>
+                                        </p:tgtEl>
+                                        <p:attrNameLst>
+                                          <p:attrName>style.visibility</p:attrName>
+                                        </p:attrNameLst>
+                                      </p:cBhvr>
+                                      <p:to>
+                                        <p:strVal val="visible"/>
+                                      </p:to>
+                                    </p:set>
+                                    <p:animEffect transition="in" filter="fade">
+                                      <p:cBhvr>
+                                        <p:cTn id="93" dur="500"/>
+                                        <p:tgtEl>
+                                          <p:spTgt spid="30"/>
+                                        </p:tgtEl>
+                                      </p:cBhvr>
+                                    </p:animEffect>
+                                  </p:childTnLst>
+                                </p:cTn>
+                              </p:par>
+                            </p:childTnLst>
+                          </p:cTn>
+                        </p:par>
+                        <p:par>
+                          <p:cTn id="94" fill="hold">
+                            <p:stCondLst>
+                              <p:cond delay="3500"/>
+                            </p:stCondLst>
+                            <p:childTnLst>
+                              <p:par>
+                                <p:cTn id="95" presetID="10" presetClass="entr" presetSubtype="0" fill="hold" grpId="0" nodeType="afterEffect">
+                                  <p:stCondLst>
+                                    <p:cond delay="0"/>
+                                  </p:stCondLst>
+                                  <p:childTnLst>
+                                    <p:set>
+                                      <p:cBhvr>
+                                        <p:cTn id="96" dur="1" fill="hold">
+                                          <p:stCondLst>
+                                            <p:cond delay="0"/>
+                                          </p:stCondLst>
+                                        </p:cTn>
+                                        <p:tgtEl>
+                                          <p:spTgt spid="34"/>
+                                        </p:tgtEl>
+                                        <p:attrNameLst>
+                                          <p:attrName>style.visibility</p:attrName>
+                                        </p:attrNameLst>
+                                      </p:cBhvr>
+                                      <p:to>
+                                        <p:strVal val="visible"/>
+                                      </p:to>
+                                    </p:set>
+                                    <p:animEffect transition="in" filter="fade">
+                                      <p:cBhvr>
+                                        <p:cTn id="97" dur="500"/>
+                                        <p:tgtEl>
+                                          <p:spTgt spid="34"/>
+                                        </p:tgtEl>
+                                      </p:cBhvr>
+                                    </p:animEffect>
+                                  </p:childTnLst>
+                                </p:cTn>
+                              </p:par>
+                            </p:childTnLst>
+                          </p:cTn>
+                        </p:par>
+                        <p:par>
+                          <p:cTn id="98" fill="hold">
+                            <p:stCondLst>
+                              <p:cond delay="4000"/>
+                            </p:stCondLst>
+                            <p:childTnLst>
+                              <p:par>
+                                <p:cTn id="99" presetID="10" presetClass="entr" presetSubtype="0" fill="hold" grpId="0" nodeType="afterEffect">
+                                  <p:stCondLst>
+                                    <p:cond delay="0"/>
+                                  </p:stCondLst>
+                                  <p:childTnLst>
+                                    <p:set>
+                                      <p:cBhvr>
+                                        <p:cTn id="100" dur="1" fill="hold">
+                                          <p:stCondLst>
+                                            <p:cond delay="0"/>
+                                          </p:stCondLst>
+                                        </p:cTn>
+                                        <p:tgtEl>
+                                          <p:spTgt spid="13"/>
+                                        </p:tgtEl>
+                                        <p:attrNameLst>
+                                          <p:attrName>style.visibility</p:attrName>
+                                        </p:attrNameLst>
+                                      </p:cBhvr>
+                                      <p:to>
+                                        <p:strVal val="visible"/>
+                                      </p:to>
+                                    </p:set>
+                                    <p:animEffect transition="in" filter="fade">
+                                      <p:cBhvr>
+                                        <p:cTn id="101" dur="500"/>
+                                        <p:tgtEl>
+                                          <p:spTgt spid="13"/>
+                                        </p:tgtEl>
+                                      </p:cBhvr>
+                                    </p:animEffect>
+                                  </p:childTnLst>
+                                </p:cTn>
+                              </p:par>
+                            </p:childTnLst>
+                          </p:cTn>
+                        </p:par>
+                        <p:par>
+                          <p:cTn id="102" fill="hold">
+                            <p:stCondLst>
+                              <p:cond delay="4500"/>
+                            </p:stCondLst>
+                            <p:childTnLst>
+                              <p:par>
+                                <p:cTn id="103" presetID="10" presetClass="entr" presetSubtype="0" fill="hold" grpId="0" nodeType="afterEffect">
+                                  <p:stCondLst>
+                                    <p:cond delay="0"/>
+                                  </p:stCondLst>
+                                  <p:childTnLst>
+                                    <p:set>
+                                      <p:cBhvr>
+                                        <p:cTn id="104" dur="1" fill="hold">
+                                          <p:stCondLst>
+                                            <p:cond delay="0"/>
+                                          </p:stCondLst>
+                                        </p:cTn>
+                                        <p:tgtEl>
+                                          <p:spTgt spid="26"/>
+                                        </p:tgtEl>
+                                        <p:attrNameLst>
+                                          <p:attrName>style.visibility</p:attrName>
+                                        </p:attrNameLst>
+                                      </p:cBhvr>
+                                      <p:to>
+                                        <p:strVal val="visible"/>
+                                      </p:to>
+                                    </p:set>
+                                    <p:animEffect transition="in" filter="fade">
+                                      <p:cBhvr>
+                                        <p:cTn id="105" dur="500"/>
+                                        <p:tgtEl>
+                                          <p:spTgt spid="26"/>
+                                        </p:tgtEl>
+                                      </p:cBhvr>
+                                    </p:animEffect>
+                                  </p:childTnLst>
+                                </p:cTn>
+                              </p:par>
+                            </p:childTnLst>
+                          </p:cTn>
+                        </p:par>
+                        <p:par>
+                          <p:cTn id="106" fill="hold">
+                            <p:stCondLst>
+                              <p:cond delay="5000"/>
+                            </p:stCondLst>
+                            <p:childTnLst>
+                              <p:par>
+                                <p:cTn id="107" presetID="10" presetClass="entr" presetSubtype="0" fill="hold" grpId="0" nodeType="afterEffect">
+                                  <p:stCondLst>
+                                    <p:cond delay="0"/>
+                                  </p:stCondLst>
+                                  <p:childTnLst>
+                                    <p:set>
+                                      <p:cBhvr>
+                                        <p:cTn id="108" dur="1" fill="hold">
+                                          <p:stCondLst>
+                                            <p:cond delay="0"/>
+                                          </p:stCondLst>
+                                        </p:cTn>
+                                        <p:tgtEl>
+                                          <p:spTgt spid="27"/>
+                                        </p:tgtEl>
+                                        <p:attrNameLst>
+                                          <p:attrName>style.visibility</p:attrName>
+                                        </p:attrNameLst>
+                                      </p:cBhvr>
+                                      <p:to>
+                                        <p:strVal val="visible"/>
+                                      </p:to>
+                                    </p:set>
+                                    <p:animEffect transition="in" filter="fade">
+                                      <p:cBhvr>
+                                        <p:cTn id="109" dur="500"/>
+                                        <p:tgtEl>
+                                          <p:spTgt spid="27"/>
+                                        </p:tgtEl>
+                                      </p:cBhvr>
+                                    </p:animEffect>
+                                  </p:childTnLst>
+                                </p:cTn>
+                              </p:par>
+                            </p:childTnLst>
+                          </p:cTn>
+                        </p:par>
+                        <p:par>
+                          <p:cTn id="110" fill="hold">
+                            <p:stCondLst>
+                              <p:cond delay="5500"/>
+                            </p:stCondLst>
+                            <p:childTnLst>
+                              <p:par>
+                                <p:cTn id="111" presetID="10" presetClass="entr" presetSubtype="0" fill="hold" grpId="0" nodeType="afterEffect">
+                                  <p:stCondLst>
+                                    <p:cond delay="0"/>
+                                  </p:stCondLst>
+                                  <p:childTnLst>
+                                    <p:set>
+                                      <p:cBhvr>
+                                        <p:cTn id="112" dur="1" fill="hold">
+                                          <p:stCondLst>
+                                            <p:cond delay="0"/>
+                                          </p:stCondLst>
+                                        </p:cTn>
+                                        <p:tgtEl>
+                                          <p:spTgt spid="11"/>
+                                        </p:tgtEl>
+                                        <p:attrNameLst>
+                                          <p:attrName>style.visibility</p:attrName>
+                                        </p:attrNameLst>
+                                      </p:cBhvr>
+                                      <p:to>
+                                        <p:strVal val="visible"/>
+                                      </p:to>
+                                    </p:set>
+                                    <p:animEffect transition="in" filter="fade">
+                                      <p:cBhvr>
+                                        <p:cTn id="113" dur="500"/>
+                                        <p:tgtEl>
+                                          <p:spTgt spid="11"/>
+                                        </p:tgtEl>
+                                      </p:cBhvr>
+                                    </p:animEffect>
+                                  </p:childTnLst>
+                                </p:cTn>
+                              </p:par>
+                            </p:childTnLst>
+                          </p:cTn>
+                        </p:par>
+                        <p:par>
+                          <p:cTn id="114" fill="hold">
+                            <p:stCondLst>
+                              <p:cond delay="6000"/>
+                            </p:stCondLst>
+                            <p:childTnLst>
+                              <p:par>
+                                <p:cTn id="115" presetID="10" presetClass="entr" presetSubtype="0" fill="hold" grpId="0" nodeType="afterEffect">
+                                  <p:stCondLst>
+                                    <p:cond delay="0"/>
+                                  </p:stCondLst>
+                                  <p:childTnLst>
+                                    <p:set>
+                                      <p:cBhvr>
+                                        <p:cTn id="116" dur="1" fill="hold">
+                                          <p:stCondLst>
+                                            <p:cond delay="0"/>
+                                          </p:stCondLst>
+                                        </p:cTn>
+                                        <p:tgtEl>
+                                          <p:spTgt spid="33"/>
+                                        </p:tgtEl>
+                                        <p:attrNameLst>
+                                          <p:attrName>style.visibility</p:attrName>
+                                        </p:attrNameLst>
+                                      </p:cBhvr>
+                                      <p:to>
+                                        <p:strVal val="visible"/>
+                                      </p:to>
+                                    </p:set>
+                                    <p:animEffect transition="in" filter="fade">
+                                      <p:cBhvr>
+                                        <p:cTn id="117" dur="500"/>
+                                        <p:tgtEl>
+                                          <p:spTgt spid="33"/>
+                                        </p:tgtEl>
+                                      </p:cBhvr>
+                                    </p:animEffect>
+                                  </p:childTnLst>
+                                </p:cTn>
+                              </p:par>
+                            </p:childTnLst>
+                          </p:cTn>
+                        </p:par>
+                        <p:par>
+                          <p:cTn id="118" fill="hold">
+                            <p:stCondLst>
+                              <p:cond delay="6500"/>
+                            </p:stCondLst>
+                            <p:childTnLst>
+                              <p:par>
+                                <p:cTn id="119" presetID="10" presetClass="entr" presetSubtype="0" fill="hold" grpId="0" nodeType="afterEffect">
+                                  <p:stCondLst>
+                                    <p:cond delay="0"/>
+                                  </p:stCondLst>
+                                  <p:childTnLst>
+                                    <p:set>
+                                      <p:cBhvr>
+                                        <p:cTn id="120" dur="1" fill="hold">
+                                          <p:stCondLst>
+                                            <p:cond delay="0"/>
+                                          </p:stCondLst>
+                                        </p:cTn>
+                                        <p:tgtEl>
+                                          <p:spTgt spid="35"/>
+                                        </p:tgtEl>
+                                        <p:attrNameLst>
+                                          <p:attrName>style.visibility</p:attrName>
+                                        </p:attrNameLst>
+                                      </p:cBhvr>
+                                      <p:to>
+                                        <p:strVal val="visible"/>
+                                      </p:to>
+                                    </p:set>
+                                    <p:animEffect transition="in" filter="fade">
+                                      <p:cBhvr>
+                                        <p:cTn id="121" dur="500"/>
+                                        <p:tgtEl>
+                                          <p:spTgt spid="35"/>
+                                        </p:tgtEl>
+                                      </p:cBhvr>
+                                    </p:animEffect>
+                                  </p:childTnLst>
+                                </p:cTn>
+                              </p:par>
+                            </p:childTnLst>
+                          </p:cTn>
+                        </p:par>
+                      </p:childTnLst>
+                    </p:cTn>
+                  </p:par>
+                </p:childTnLst>
+              </p:cTn>
+              <p:prevCondLst>
+                <p:cond evt="onPrev" delay="0">
+                  <p:tgtEl>
+                    <p:sldTgt/>
+                  </p:tgtEl>
+                </p:cond>
+              </p:prevCondLst>
+              <p:nextCondLst>
+                <p:cond evt="onNext" delay="0">
+                  <p:tgtEl>
+                    <p:sldTgt/>
+                  </p:tgtEl>
+                </p:cond>
+              </p:nextCondLst>
+            </p:seq>
+          </p:childTnLst>
+        </p:cTn>
+      </p:par>
+    </p:tnLst>
+    <p:bldLst>
+      <p:bldP spid="6" grpId="0" animBg="1"/>
+      <p:bldP spid="7" grpId="0" animBg="1"/>
+      <p:bldP spid="8" grpId="0" animBg="1"/>
+      <p:bldP spid="9" grpId="0" animBg="1"/>
+      <p:bldP spid="10" grpId="0" animBg="1"/>
+      <p:bldP spid="11" grpId="0" animBg="1"/>
+      <p:bldP spid="12" grpId="0" animBg="1"/>
+      <p:bldP spid="13" grpId="0" animBg="1"/>
+      <p:bldP spid="14" grpId="0" animBg="1"/>
+      <p:bldP spid="15" grpId="0" animBg="1"/>
+      <p:bldP spid="16" grpId="0" animBg="1"/>
+      <p:bldP spid="17" grpId="0" animBg="1"/>
+      <p:bldP spid="18" grpId="0" animBg="1"/>
+      <p:bldP spid="19" grpId="0" animBg="1"/>
+      <p:bldP spid="20" grpId="0" animBg="1"/>
+      <p:bldP spid="21" grpId="0" animBg="1"/>
+      <p:bldP spid="23" grpId="0" animBg="1"/>
+      <p:bldP spid="24" grpId="0" animBg="1"/>
+      <p:bldP spid="25" grpId="0" animBg="1"/>
+      <p:bldP spid="26" grpId="0" animBg="1"/>
+      <p:bldP spid="27" grpId="0" animBg="1"/>
+      <p:bldP spid="28" grpId="0" animBg="1"/>
+      <p:bldP spid="29" grpId="0" animBg="1"/>
+      <p:bldP spid="30" grpId="0" animBg="1"/>
+      <p:bldP spid="31" grpId="0"/>
+      <p:bldP spid="32" grpId="0"/>
+      <p:bldP spid="33" grpId="0" animBg="1"/>
+      <p:bldP spid="34" grpId="0"/>
+      <p:bldP spid="35" grpId="0"/>
+    </p:bldLst>
+  </p:timing>
+</p:sld>
+</file>
+
 <file path=ppt/theme/theme1.xml><?xml version="1.0" encoding="utf-8"?>
 <a:theme xmlns:a="http://schemas.openxmlformats.org/drawingml/2006/main" name="Office 主题​​">
   <a:themeElements>
